--- a/kubernetes/11_1_administration.pptx
+++ b/kubernetes/11_1_administration.pptx
@@ -5,10 +5,10 @@
     <p:sldMasterId id="2147483733" r:id="rId1"/>
   </p:sldMasterIdLst>
   <p:notesMasterIdLst>
-    <p:notesMasterId r:id="rId27"/>
+    <p:notesMasterId r:id="rId28"/>
   </p:notesMasterIdLst>
   <p:handoutMasterIdLst>
-    <p:handoutMasterId r:id="rId28"/>
+    <p:handoutMasterId r:id="rId29"/>
   </p:handoutMasterIdLst>
   <p:sldIdLst>
     <p:sldId id="476" r:id="rId2"/>
@@ -29,13 +29,14 @@
     <p:sldId id="457" r:id="rId17"/>
     <p:sldId id="456" r:id="rId18"/>
     <p:sldId id="468" r:id="rId19"/>
-    <p:sldId id="449" r:id="rId20"/>
-    <p:sldId id="460" r:id="rId21"/>
-    <p:sldId id="461" r:id="rId22"/>
-    <p:sldId id="474" r:id="rId23"/>
-    <p:sldId id="472" r:id="rId24"/>
-    <p:sldId id="473" r:id="rId25"/>
-    <p:sldId id="265" r:id="rId26"/>
+    <p:sldId id="950" r:id="rId20"/>
+    <p:sldId id="951" r:id="rId21"/>
+    <p:sldId id="932" r:id="rId22"/>
+    <p:sldId id="952" r:id="rId23"/>
+    <p:sldId id="953" r:id="rId24"/>
+    <p:sldId id="954" r:id="rId25"/>
+    <p:sldId id="931" r:id="rId26"/>
+    <p:sldId id="265" r:id="rId27"/>
   </p:sldIdLst>
   <p:sldSz cx="12195175" cy="6858000"/>
   <p:notesSz cx="6858000" cy="9144000"/>
@@ -1623,19 +1624,78 @@
           <a:bodyPr/>
           <a:lstStyle/>
           <a:p>
+            <a:pPr marL="0" marR="0" lvl="0" indent="0" algn="ctr" defTabSz="1088776" rtl="0" eaLnBrk="1" fontAlgn="auto" latinLnBrk="0" hangingPunct="1">
+              <a:lnSpc>
+                <a:spcPct val="100000"/>
+              </a:lnSpc>
+              <a:spcBef>
+                <a:spcPts val="0"/>
+              </a:spcBef>
+              <a:spcAft>
+                <a:spcPts val="0"/>
+              </a:spcAft>
+              <a:buClrTx/>
+              <a:buSzTx/>
+              <a:buFontTx/>
+              <a:buNone/>
+              <a:tabLst/>
+              <a:defRPr/>
+            </a:pPr>
             <a:fld id="{7D8C2C35-2B8A-446E-BEC0-FD36716C29AC}" type="slidenum">
-              <a:rPr lang="de-DE" smtClean="0"/>
-              <a:pPr/>
+              <a:rPr kumimoji="0" lang="de-DE" sz="800" b="0" i="0" u="none" strike="noStrike" kern="1200" cap="none" spc="0" normalizeH="0" baseline="0" noProof="0" smtClean="0">
+                <a:ln>
+                  <a:noFill/>
+                </a:ln>
+                <a:solidFill>
+                  <a:srgbClr val="000000"/>
+                </a:solidFill>
+                <a:effectLst/>
+                <a:uLnTx/>
+                <a:uFillTx/>
+                <a:latin typeface="Arial"/>
+                <a:ea typeface="+mn-ea"/>
+                <a:cs typeface="+mn-cs"/>
+              </a:rPr>
+              <a:pPr marL="0" marR="0" lvl="0" indent="0" algn="ctr" defTabSz="1088776" rtl="0" eaLnBrk="1" fontAlgn="auto" latinLnBrk="0" hangingPunct="1">
+                <a:lnSpc>
+                  <a:spcPct val="100000"/>
+                </a:lnSpc>
+                <a:spcBef>
+                  <a:spcPts val="0"/>
+                </a:spcBef>
+                <a:spcAft>
+                  <a:spcPts val="0"/>
+                </a:spcAft>
+                <a:buClrTx/>
+                <a:buSzTx/>
+                <a:buFontTx/>
+                <a:buNone/>
+                <a:tabLst/>
+                <a:defRPr/>
+              </a:pPr>
               <a:t>19</a:t>
             </a:fld>
-            <a:endParaRPr lang="de-DE" dirty="0"/>
+            <a:endParaRPr kumimoji="0" lang="de-DE" sz="800" b="0" i="0" u="none" strike="noStrike" kern="1200" cap="none" spc="0" normalizeH="0" baseline="0" noProof="0" dirty="0">
+              <a:ln>
+                <a:noFill/>
+              </a:ln>
+              <a:solidFill>
+                <a:srgbClr val="000000"/>
+              </a:solidFill>
+              <a:effectLst/>
+              <a:uLnTx/>
+              <a:uFillTx/>
+              <a:latin typeface="Arial"/>
+              <a:ea typeface="+mn-ea"/>
+              <a:cs typeface="+mn-cs"/>
+            </a:endParaRPr>
           </a:p>
         </p:txBody>
       </p:sp>
     </p:spTree>
     <p:extLst>
       <p:ext uri="{BB962C8B-B14F-4D97-AF65-F5344CB8AC3E}">
-        <p14:creationId xmlns:p14="http://schemas.microsoft.com/office/powerpoint/2010/main" val="3611099769"/>
+        <p14:creationId xmlns:p14="http://schemas.microsoft.com/office/powerpoint/2010/main" val="2214560461"/>
       </p:ext>
     </p:extLst>
   </p:cSld>
@@ -1691,7 +1751,7 @@
           <a:p>
             <a:r>
               <a:rPr lang="en-US" dirty="0"/>
-              <a:t>Setting up lots of small clusters individually leads to resource waste. The control plane / master needs to be high available but the resources reserved for fail-over usually idle.</a:t>
+              <a:t>https://jam4.sapjam.com/groups/Niq7TSBxLlzgb3nroBZJVx/overview_page/e9uqTDxXBRFbk7FJXEA4Cd</a:t>
             </a:r>
           </a:p>
         </p:txBody>
@@ -1711,19 +1771,78 @@
           <a:bodyPr/>
           <a:lstStyle/>
           <a:p>
+            <a:pPr marL="0" marR="0" lvl="0" indent="0" algn="ctr" defTabSz="1088776" rtl="0" eaLnBrk="1" fontAlgn="auto" latinLnBrk="0" hangingPunct="1">
+              <a:lnSpc>
+                <a:spcPct val="100000"/>
+              </a:lnSpc>
+              <a:spcBef>
+                <a:spcPts val="0"/>
+              </a:spcBef>
+              <a:spcAft>
+                <a:spcPts val="0"/>
+              </a:spcAft>
+              <a:buClrTx/>
+              <a:buSzTx/>
+              <a:buFontTx/>
+              <a:buNone/>
+              <a:tabLst/>
+              <a:defRPr/>
+            </a:pPr>
             <a:fld id="{7D8C2C35-2B8A-446E-BEC0-FD36716C29AC}" type="slidenum">
-              <a:rPr lang="en-US" smtClean="0"/>
-              <a:pPr/>
+              <a:rPr kumimoji="0" lang="de-DE" sz="800" b="0" i="0" u="none" strike="noStrike" kern="1200" cap="none" spc="0" normalizeH="0" baseline="0" noProof="0" smtClean="0">
+                <a:ln>
+                  <a:noFill/>
+                </a:ln>
+                <a:solidFill>
+                  <a:srgbClr val="000000"/>
+                </a:solidFill>
+                <a:effectLst/>
+                <a:uLnTx/>
+                <a:uFillTx/>
+                <a:latin typeface="Arial"/>
+                <a:ea typeface="+mn-ea"/>
+                <a:cs typeface="+mn-cs"/>
+              </a:rPr>
+              <a:pPr marL="0" marR="0" lvl="0" indent="0" algn="ctr" defTabSz="1088776" rtl="0" eaLnBrk="1" fontAlgn="auto" latinLnBrk="0" hangingPunct="1">
+                <a:lnSpc>
+                  <a:spcPct val="100000"/>
+                </a:lnSpc>
+                <a:spcBef>
+                  <a:spcPts val="0"/>
+                </a:spcBef>
+                <a:spcAft>
+                  <a:spcPts val="0"/>
+                </a:spcAft>
+                <a:buClrTx/>
+                <a:buSzTx/>
+                <a:buFontTx/>
+                <a:buNone/>
+                <a:tabLst/>
+                <a:defRPr/>
+              </a:pPr>
               <a:t>20</a:t>
             </a:fld>
-            <a:endParaRPr lang="en-US" dirty="0"/>
+            <a:endParaRPr kumimoji="0" lang="de-DE" sz="800" b="0" i="0" u="none" strike="noStrike" kern="1200" cap="none" spc="0" normalizeH="0" baseline="0" noProof="0" dirty="0">
+              <a:ln>
+                <a:noFill/>
+              </a:ln>
+              <a:solidFill>
+                <a:srgbClr val="000000"/>
+              </a:solidFill>
+              <a:effectLst/>
+              <a:uLnTx/>
+              <a:uFillTx/>
+              <a:latin typeface="Arial"/>
+              <a:ea typeface="+mn-ea"/>
+              <a:cs typeface="+mn-cs"/>
+            </a:endParaRPr>
           </a:p>
         </p:txBody>
       </p:sp>
     </p:spTree>
     <p:extLst>
       <p:ext uri="{BB962C8B-B14F-4D97-AF65-F5344CB8AC3E}">
-        <p14:creationId xmlns:p14="http://schemas.microsoft.com/office/powerpoint/2010/main" val="1487314377"/>
+        <p14:creationId xmlns:p14="http://schemas.microsoft.com/office/powerpoint/2010/main" val="1625447852"/>
       </p:ext>
     </p:extLst>
   </p:cSld>
@@ -1888,14 +2007,48 @@
           <a:lstStyle/>
           <a:p>
             <a:r>
+              <a:rPr lang="de-DE" sz="1400" u="sng" kern="1200" dirty="0">
+                <a:solidFill>
+                  <a:schemeClr val="tx1"/>
+                </a:solidFill>
+                <a:effectLst/>
+                <a:latin typeface="+mn-lt"/>
+                <a:ea typeface="+mn-ea"/>
+                <a:cs typeface="+mn-cs"/>
+                <a:hlinkClick r:id="rId3"/>
+              </a:rPr>
+              <a:t>https://github.wdf.sap.corp/pages/kubernetes/gardener/#features</a:t>
+            </a:r>
+            <a:endParaRPr lang="de-DE" sz="1400" u="sng" kern="1200" dirty="0">
+              <a:solidFill>
+                <a:schemeClr val="tx1"/>
+              </a:solidFill>
+              <a:effectLst/>
+              <a:latin typeface="+mn-lt"/>
+              <a:ea typeface="+mn-ea"/>
+              <a:cs typeface="+mn-cs"/>
+            </a:endParaRPr>
+          </a:p>
+          <a:p>
+            <a:endParaRPr lang="en-US" dirty="0"/>
+          </a:p>
+          <a:p>
+            <a:r>
               <a:rPr lang="en-US" dirty="0"/>
-              <a:t>Solution: Gardener runs the control plane / master components of many “worker” clusters in a </a:t>
-            </a:r>
-            <a:r>
-              <a:rPr lang="en-US"/>
-              <a:t>separate cluster</a:t>
-            </a:r>
+              <a:t>https://github.wdf.sap.corp/kubernetes/kube-docs/wiki/Gardener-Service-FAQ</a:t>
+            </a:r>
+          </a:p>
+          <a:p>
             <a:endParaRPr lang="en-US" dirty="0"/>
+          </a:p>
+          <a:p>
+            <a:endParaRPr lang="en-US" dirty="0"/>
+          </a:p>
+          <a:p>
+            <a:r>
+              <a:rPr lang="en-US" dirty="0"/>
+              <a:t>https://jam4.sapjam.com/groups/Niq7TSBxLlzgb3nroBZJVx/overview_page/e9uqTDxXBRFbk7FJXEA4Cd</a:t>
+            </a:r>
           </a:p>
         </p:txBody>
       </p:sp>
@@ -1914,19 +2067,78 @@
           <a:bodyPr/>
           <a:lstStyle/>
           <a:p>
+            <a:pPr marL="0" marR="0" lvl="0" indent="0" algn="ctr" defTabSz="1088776" rtl="0" eaLnBrk="1" fontAlgn="auto" latinLnBrk="0" hangingPunct="1">
+              <a:lnSpc>
+                <a:spcPct val="100000"/>
+              </a:lnSpc>
+              <a:spcBef>
+                <a:spcPts val="0"/>
+              </a:spcBef>
+              <a:spcAft>
+                <a:spcPts val="0"/>
+              </a:spcAft>
+              <a:buClrTx/>
+              <a:buSzTx/>
+              <a:buFontTx/>
+              <a:buNone/>
+              <a:tabLst/>
+              <a:defRPr/>
+            </a:pPr>
             <a:fld id="{7D8C2C35-2B8A-446E-BEC0-FD36716C29AC}" type="slidenum">
-              <a:rPr lang="de-DE" smtClean="0"/>
-              <a:pPr/>
+              <a:rPr kumimoji="0" lang="de-DE" sz="800" b="0" i="0" u="none" strike="noStrike" kern="1200" cap="none" spc="0" normalizeH="0" baseline="0" noProof="0" smtClean="0">
+                <a:ln>
+                  <a:noFill/>
+                </a:ln>
+                <a:solidFill>
+                  <a:srgbClr val="000000"/>
+                </a:solidFill>
+                <a:effectLst/>
+                <a:uLnTx/>
+                <a:uFillTx/>
+                <a:latin typeface="Arial"/>
+                <a:ea typeface="+mn-ea"/>
+                <a:cs typeface="+mn-cs"/>
+              </a:rPr>
+              <a:pPr marL="0" marR="0" lvl="0" indent="0" algn="ctr" defTabSz="1088776" rtl="0" eaLnBrk="1" fontAlgn="auto" latinLnBrk="0" hangingPunct="1">
+                <a:lnSpc>
+                  <a:spcPct val="100000"/>
+                </a:lnSpc>
+                <a:spcBef>
+                  <a:spcPts val="0"/>
+                </a:spcBef>
+                <a:spcAft>
+                  <a:spcPts val="0"/>
+                </a:spcAft>
+                <a:buClrTx/>
+                <a:buSzTx/>
+                <a:buFontTx/>
+                <a:buNone/>
+                <a:tabLst/>
+                <a:defRPr/>
+              </a:pPr>
               <a:t>21</a:t>
             </a:fld>
-            <a:endParaRPr lang="de-DE" dirty="0"/>
+            <a:endParaRPr kumimoji="0" lang="de-DE" sz="800" b="0" i="0" u="none" strike="noStrike" kern="1200" cap="none" spc="0" normalizeH="0" baseline="0" noProof="0" dirty="0">
+              <a:ln>
+                <a:noFill/>
+              </a:ln>
+              <a:solidFill>
+                <a:srgbClr val="000000"/>
+              </a:solidFill>
+              <a:effectLst/>
+              <a:uLnTx/>
+              <a:uFillTx/>
+              <a:latin typeface="Arial"/>
+              <a:ea typeface="+mn-ea"/>
+              <a:cs typeface="+mn-cs"/>
+            </a:endParaRPr>
           </a:p>
         </p:txBody>
       </p:sp>
     </p:spTree>
     <p:extLst>
       <p:ext uri="{BB962C8B-B14F-4D97-AF65-F5344CB8AC3E}">
-        <p14:creationId xmlns:p14="http://schemas.microsoft.com/office/powerpoint/2010/main" val="1867122449"/>
+        <p14:creationId xmlns:p14="http://schemas.microsoft.com/office/powerpoint/2010/main" val="1006053830"/>
       </p:ext>
     </p:extLst>
   </p:cSld>
@@ -1980,7 +2192,10 @@
           <a:bodyPr/>
           <a:lstStyle/>
           <a:p>
-            <a:endParaRPr lang="de-DE" dirty="0"/>
+            <a:r>
+              <a:rPr lang="en-US" dirty="0"/>
+              <a:t>Setting up lots of small clusters individually leads to resource waste. The control plane / master needs to be high available but the resources reserved for fail-over usually idle.</a:t>
+            </a:r>
           </a:p>
         </p:txBody>
       </p:sp>
@@ -1999,19 +2214,78 @@
           <a:bodyPr/>
           <a:lstStyle/>
           <a:p>
+            <a:pPr marL="0" marR="0" lvl="0" indent="0" algn="ctr" defTabSz="1088776" rtl="0" eaLnBrk="1" fontAlgn="auto" latinLnBrk="0" hangingPunct="1">
+              <a:lnSpc>
+                <a:spcPct val="100000"/>
+              </a:lnSpc>
+              <a:spcBef>
+                <a:spcPts val="0"/>
+              </a:spcBef>
+              <a:spcAft>
+                <a:spcPts val="0"/>
+              </a:spcAft>
+              <a:buClrTx/>
+              <a:buSzTx/>
+              <a:buFontTx/>
+              <a:buNone/>
+              <a:tabLst/>
+              <a:defRPr/>
+            </a:pPr>
             <a:fld id="{7D8C2C35-2B8A-446E-BEC0-FD36716C29AC}" type="slidenum">
-              <a:rPr lang="de-DE" smtClean="0"/>
-              <a:pPr/>
+              <a:rPr kumimoji="0" lang="en-US" sz="800" b="0" i="0" u="none" strike="noStrike" kern="1200" cap="none" spc="0" normalizeH="0" baseline="0" noProof="0" smtClean="0">
+                <a:ln>
+                  <a:noFill/>
+                </a:ln>
+                <a:solidFill>
+                  <a:srgbClr val="000000"/>
+                </a:solidFill>
+                <a:effectLst/>
+                <a:uLnTx/>
+                <a:uFillTx/>
+                <a:latin typeface="Arial"/>
+                <a:ea typeface="+mn-ea"/>
+                <a:cs typeface="+mn-cs"/>
+              </a:rPr>
+              <a:pPr marL="0" marR="0" lvl="0" indent="0" algn="ctr" defTabSz="1088776" rtl="0" eaLnBrk="1" fontAlgn="auto" latinLnBrk="0" hangingPunct="1">
+                <a:lnSpc>
+                  <a:spcPct val="100000"/>
+                </a:lnSpc>
+                <a:spcBef>
+                  <a:spcPts val="0"/>
+                </a:spcBef>
+                <a:spcAft>
+                  <a:spcPts val="0"/>
+                </a:spcAft>
+                <a:buClrTx/>
+                <a:buSzTx/>
+                <a:buFontTx/>
+                <a:buNone/>
+                <a:tabLst/>
+                <a:defRPr/>
+              </a:pPr>
               <a:t>22</a:t>
             </a:fld>
-            <a:endParaRPr lang="de-DE" dirty="0"/>
+            <a:endParaRPr kumimoji="0" lang="en-US" sz="800" b="0" i="0" u="none" strike="noStrike" kern="1200" cap="none" spc="0" normalizeH="0" baseline="0" noProof="0" dirty="0">
+              <a:ln>
+                <a:noFill/>
+              </a:ln>
+              <a:solidFill>
+                <a:srgbClr val="000000"/>
+              </a:solidFill>
+              <a:effectLst/>
+              <a:uLnTx/>
+              <a:uFillTx/>
+              <a:latin typeface="Arial"/>
+              <a:ea typeface="+mn-ea"/>
+              <a:cs typeface="+mn-cs"/>
+            </a:endParaRPr>
           </a:p>
         </p:txBody>
       </p:sp>
     </p:spTree>
     <p:extLst>
       <p:ext uri="{BB962C8B-B14F-4D97-AF65-F5344CB8AC3E}">
-        <p14:creationId xmlns:p14="http://schemas.microsoft.com/office/powerpoint/2010/main" val="1785805150"/>
+        <p14:creationId xmlns:p14="http://schemas.microsoft.com/office/powerpoint/2010/main" val="1591729321"/>
       </p:ext>
     </p:extLst>
   </p:cSld>
@@ -2065,7 +2339,10 @@
           <a:bodyPr/>
           <a:lstStyle/>
           <a:p>
-            <a:endParaRPr lang="en-US" dirty="0"/>
+            <a:r>
+              <a:rPr lang="en-US" dirty="0"/>
+              <a:t>Solution: Gardener runs the control plane / master components of many “worker” clusters in a separate cluster</a:t>
+            </a:r>
           </a:p>
         </p:txBody>
       </p:sp>
@@ -2084,19 +2361,78 @@
           <a:bodyPr/>
           <a:lstStyle/>
           <a:p>
+            <a:pPr marL="0" marR="0" lvl="0" indent="0" algn="ctr" defTabSz="1088776" rtl="0" eaLnBrk="1" fontAlgn="auto" latinLnBrk="0" hangingPunct="1">
+              <a:lnSpc>
+                <a:spcPct val="100000"/>
+              </a:lnSpc>
+              <a:spcBef>
+                <a:spcPts val="0"/>
+              </a:spcBef>
+              <a:spcAft>
+                <a:spcPts val="0"/>
+              </a:spcAft>
+              <a:buClrTx/>
+              <a:buSzTx/>
+              <a:buFontTx/>
+              <a:buNone/>
+              <a:tabLst/>
+              <a:defRPr/>
+            </a:pPr>
             <a:fld id="{7D8C2C35-2B8A-446E-BEC0-FD36716C29AC}" type="slidenum">
-              <a:rPr lang="de-DE" smtClean="0"/>
-              <a:pPr/>
+              <a:rPr kumimoji="0" lang="de-DE" sz="800" b="0" i="0" u="none" strike="noStrike" kern="1200" cap="none" spc="0" normalizeH="0" baseline="0" noProof="0" smtClean="0">
+                <a:ln>
+                  <a:noFill/>
+                </a:ln>
+                <a:solidFill>
+                  <a:srgbClr val="000000"/>
+                </a:solidFill>
+                <a:effectLst/>
+                <a:uLnTx/>
+                <a:uFillTx/>
+                <a:latin typeface="Arial"/>
+                <a:ea typeface="+mn-ea"/>
+                <a:cs typeface="+mn-cs"/>
+              </a:rPr>
+              <a:pPr marL="0" marR="0" lvl="0" indent="0" algn="ctr" defTabSz="1088776" rtl="0" eaLnBrk="1" fontAlgn="auto" latinLnBrk="0" hangingPunct="1">
+                <a:lnSpc>
+                  <a:spcPct val="100000"/>
+                </a:lnSpc>
+                <a:spcBef>
+                  <a:spcPts val="0"/>
+                </a:spcBef>
+                <a:spcAft>
+                  <a:spcPts val="0"/>
+                </a:spcAft>
+                <a:buClrTx/>
+                <a:buSzTx/>
+                <a:buFontTx/>
+                <a:buNone/>
+                <a:tabLst/>
+                <a:defRPr/>
+              </a:pPr>
               <a:t>23</a:t>
             </a:fld>
-            <a:endParaRPr lang="de-DE" dirty="0"/>
+            <a:endParaRPr kumimoji="0" lang="de-DE" sz="800" b="0" i="0" u="none" strike="noStrike" kern="1200" cap="none" spc="0" normalizeH="0" baseline="0" noProof="0" dirty="0">
+              <a:ln>
+                <a:noFill/>
+              </a:ln>
+              <a:solidFill>
+                <a:srgbClr val="000000"/>
+              </a:solidFill>
+              <a:effectLst/>
+              <a:uLnTx/>
+              <a:uFillTx/>
+              <a:latin typeface="Arial"/>
+              <a:ea typeface="+mn-ea"/>
+              <a:cs typeface="+mn-cs"/>
+            </a:endParaRPr>
           </a:p>
         </p:txBody>
       </p:sp>
     </p:spTree>
     <p:extLst>
       <p:ext uri="{BB962C8B-B14F-4D97-AF65-F5344CB8AC3E}">
-        <p14:creationId xmlns:p14="http://schemas.microsoft.com/office/powerpoint/2010/main" val="1413328071"/>
+        <p14:creationId xmlns:p14="http://schemas.microsoft.com/office/powerpoint/2010/main" val="640484921"/>
       </p:ext>
     </p:extLst>
   </p:cSld>
@@ -2150,10 +2486,7 @@
           <a:bodyPr/>
           <a:lstStyle/>
           <a:p>
-            <a:r>
-              <a:rPr lang="en-US" dirty="0"/>
-              <a:t>https://jam4.sapjam.com/groups/Niq7TSBxLlzgb3nroBZJVx/overview_page/e9uqTDxXBRFbk7FJXEA4Cd</a:t>
-            </a:r>
+            <a:endParaRPr lang="de-DE" dirty="0"/>
           </a:p>
         </p:txBody>
       </p:sp>
@@ -2172,19 +2505,78 @@
           <a:bodyPr/>
           <a:lstStyle/>
           <a:p>
+            <a:pPr marL="0" marR="0" lvl="0" indent="0" algn="ctr" defTabSz="1088776" rtl="0" eaLnBrk="1" fontAlgn="auto" latinLnBrk="0" hangingPunct="1">
+              <a:lnSpc>
+                <a:spcPct val="100000"/>
+              </a:lnSpc>
+              <a:spcBef>
+                <a:spcPts val="0"/>
+              </a:spcBef>
+              <a:spcAft>
+                <a:spcPts val="0"/>
+              </a:spcAft>
+              <a:buClrTx/>
+              <a:buSzTx/>
+              <a:buFontTx/>
+              <a:buNone/>
+              <a:tabLst/>
+              <a:defRPr/>
+            </a:pPr>
             <a:fld id="{7D8C2C35-2B8A-446E-BEC0-FD36716C29AC}" type="slidenum">
-              <a:rPr lang="de-DE" smtClean="0"/>
-              <a:pPr/>
+              <a:rPr kumimoji="0" lang="de-DE" sz="800" b="0" i="0" u="none" strike="noStrike" kern="1200" cap="none" spc="0" normalizeH="0" baseline="0" noProof="0" smtClean="0">
+                <a:ln>
+                  <a:noFill/>
+                </a:ln>
+                <a:solidFill>
+                  <a:srgbClr val="000000"/>
+                </a:solidFill>
+                <a:effectLst/>
+                <a:uLnTx/>
+                <a:uFillTx/>
+                <a:latin typeface="Arial"/>
+                <a:ea typeface="+mn-ea"/>
+                <a:cs typeface="+mn-cs"/>
+              </a:rPr>
+              <a:pPr marL="0" marR="0" lvl="0" indent="0" algn="ctr" defTabSz="1088776" rtl="0" eaLnBrk="1" fontAlgn="auto" latinLnBrk="0" hangingPunct="1">
+                <a:lnSpc>
+                  <a:spcPct val="100000"/>
+                </a:lnSpc>
+                <a:spcBef>
+                  <a:spcPts val="0"/>
+                </a:spcBef>
+                <a:spcAft>
+                  <a:spcPts val="0"/>
+                </a:spcAft>
+                <a:buClrTx/>
+                <a:buSzTx/>
+                <a:buFontTx/>
+                <a:buNone/>
+                <a:tabLst/>
+                <a:defRPr/>
+              </a:pPr>
               <a:t>24</a:t>
             </a:fld>
-            <a:endParaRPr lang="de-DE" dirty="0"/>
+            <a:endParaRPr kumimoji="0" lang="de-DE" sz="800" b="0" i="0" u="none" strike="noStrike" kern="1200" cap="none" spc="0" normalizeH="0" baseline="0" noProof="0" dirty="0">
+              <a:ln>
+                <a:noFill/>
+              </a:ln>
+              <a:solidFill>
+                <a:srgbClr val="000000"/>
+              </a:solidFill>
+              <a:effectLst/>
+              <a:uLnTx/>
+              <a:uFillTx/>
+              <a:latin typeface="Arial"/>
+              <a:ea typeface="+mn-ea"/>
+              <a:cs typeface="+mn-cs"/>
+            </a:endParaRPr>
           </a:p>
         </p:txBody>
       </p:sp>
     </p:spTree>
     <p:extLst>
       <p:ext uri="{BB962C8B-B14F-4D97-AF65-F5344CB8AC3E}">
-        <p14:creationId xmlns:p14="http://schemas.microsoft.com/office/powerpoint/2010/main" val="2237772025"/>
+        <p14:creationId xmlns:p14="http://schemas.microsoft.com/office/powerpoint/2010/main" val="69457181"/>
       </p:ext>
     </p:extLst>
   </p:cSld>
@@ -2195,6 +2587,150 @@
 </file>
 
 <file path=ppt/notesSlides/notesSlide24.xml><?xml version="1.0" encoding="utf-8"?>
+<p:notes xmlns:a="http://schemas.openxmlformats.org/drawingml/2006/main" xmlns:r="http://schemas.openxmlformats.org/officeDocument/2006/relationships" xmlns:p="http://schemas.openxmlformats.org/presentationml/2006/main">
+  <p:cSld>
+    <p:spTree>
+      <p:nvGrpSpPr>
+        <p:cNvPr id="1" name=""/>
+        <p:cNvGrpSpPr/>
+        <p:nvPr/>
+      </p:nvGrpSpPr>
+      <p:grpSpPr>
+        <a:xfrm>
+          <a:off x="0" y="0"/>
+          <a:ext cx="0" cy="0"/>
+          <a:chOff x="0" y="0"/>
+          <a:chExt cx="0" cy="0"/>
+        </a:xfrm>
+      </p:grpSpPr>
+      <p:sp>
+        <p:nvSpPr>
+          <p:cNvPr id="2" name="Slide Image Placeholder 1"/>
+          <p:cNvSpPr>
+            <a:spLocks noGrp="1" noRot="1" noChangeAspect="1"/>
+          </p:cNvSpPr>
+          <p:nvPr>
+            <p:ph type="sldImg"/>
+          </p:nvPr>
+        </p:nvSpPr>
+        <p:spPr/>
+      </p:sp>
+      <p:sp>
+        <p:nvSpPr>
+          <p:cNvPr id="3" name="Notes Placeholder 2"/>
+          <p:cNvSpPr>
+            <a:spLocks noGrp="1"/>
+          </p:cNvSpPr>
+          <p:nvPr>
+            <p:ph type="body" idx="1"/>
+          </p:nvPr>
+        </p:nvSpPr>
+        <p:spPr/>
+        <p:txBody>
+          <a:bodyPr/>
+          <a:lstStyle/>
+          <a:p>
+            <a:endParaRPr lang="en-US" dirty="0"/>
+          </a:p>
+        </p:txBody>
+      </p:sp>
+      <p:sp>
+        <p:nvSpPr>
+          <p:cNvPr id="4" name="Slide Number Placeholder 3"/>
+          <p:cNvSpPr>
+            <a:spLocks noGrp="1"/>
+          </p:cNvSpPr>
+          <p:nvPr>
+            <p:ph type="sldNum" sz="quarter" idx="10"/>
+          </p:nvPr>
+        </p:nvSpPr>
+        <p:spPr/>
+        <p:txBody>
+          <a:bodyPr/>
+          <a:lstStyle/>
+          <a:p>
+            <a:pPr marL="0" marR="0" lvl="0" indent="0" algn="ctr" defTabSz="1088776" rtl="0" eaLnBrk="1" fontAlgn="auto" latinLnBrk="0" hangingPunct="1">
+              <a:lnSpc>
+                <a:spcPct val="100000"/>
+              </a:lnSpc>
+              <a:spcBef>
+                <a:spcPts val="0"/>
+              </a:spcBef>
+              <a:spcAft>
+                <a:spcPts val="0"/>
+              </a:spcAft>
+              <a:buClrTx/>
+              <a:buSzTx/>
+              <a:buFontTx/>
+              <a:buNone/>
+              <a:tabLst/>
+              <a:defRPr/>
+            </a:pPr>
+            <a:fld id="{7D8C2C35-2B8A-446E-BEC0-FD36716C29AC}" type="slidenum">
+              <a:rPr kumimoji="0" lang="de-DE" sz="800" b="0" i="0" u="none" strike="noStrike" kern="1200" cap="none" spc="0" normalizeH="0" baseline="0" noProof="0" smtClean="0">
+                <a:ln>
+                  <a:noFill/>
+                </a:ln>
+                <a:solidFill>
+                  <a:srgbClr val="000000"/>
+                </a:solidFill>
+                <a:effectLst/>
+                <a:uLnTx/>
+                <a:uFillTx/>
+                <a:latin typeface="Arial"/>
+                <a:ea typeface="+mn-ea"/>
+                <a:cs typeface="+mn-cs"/>
+              </a:rPr>
+              <a:pPr marL="0" marR="0" lvl="0" indent="0" algn="ctr" defTabSz="1088776" rtl="0" eaLnBrk="1" fontAlgn="auto" latinLnBrk="0" hangingPunct="1">
+                <a:lnSpc>
+                  <a:spcPct val="100000"/>
+                </a:lnSpc>
+                <a:spcBef>
+                  <a:spcPts val="0"/>
+                </a:spcBef>
+                <a:spcAft>
+                  <a:spcPts val="0"/>
+                </a:spcAft>
+                <a:buClrTx/>
+                <a:buSzTx/>
+                <a:buFontTx/>
+                <a:buNone/>
+                <a:tabLst/>
+                <a:defRPr/>
+              </a:pPr>
+              <a:t>25</a:t>
+            </a:fld>
+            <a:endParaRPr kumimoji="0" lang="de-DE" sz="800" b="0" i="0" u="none" strike="noStrike" kern="1200" cap="none" spc="0" normalizeH="0" baseline="0" noProof="0" dirty="0">
+              <a:ln>
+                <a:noFill/>
+              </a:ln>
+              <a:solidFill>
+                <a:srgbClr val="000000"/>
+              </a:solidFill>
+              <a:effectLst/>
+              <a:uLnTx/>
+              <a:uFillTx/>
+              <a:latin typeface="Arial"/>
+              <a:ea typeface="+mn-ea"/>
+              <a:cs typeface="+mn-cs"/>
+            </a:endParaRPr>
+          </a:p>
+        </p:txBody>
+      </p:sp>
+    </p:spTree>
+    <p:extLst>
+      <p:ext uri="{BB962C8B-B14F-4D97-AF65-F5344CB8AC3E}">
+        <p14:creationId xmlns:p14="http://schemas.microsoft.com/office/powerpoint/2010/main" val="2710628521"/>
+      </p:ext>
+    </p:extLst>
+  </p:cSld>
+  <p:clrMapOvr>
+    <a:masterClrMapping/>
+  </p:clrMapOvr>
+</p:notes>
+</file>
+
+<file path=ppt/notesSlides/notesSlide25.xml><?xml version="1.0" encoding="utf-8"?>
 <p:notes xmlns:a="http://schemas.openxmlformats.org/drawingml/2006/main" xmlns:r="http://schemas.openxmlformats.org/officeDocument/2006/relationships" xmlns:p="http://schemas.openxmlformats.org/presentationml/2006/main">
   <p:cSld>
     <p:spTree>
@@ -2229,7 +2765,7 @@
             <a:fld id="{7D8C2C35-2B8A-446E-BEC0-FD36716C29AC}" type="slidenum">
               <a:rPr lang="en-US" smtClean="0"/>
               <a:pPr/>
-              <a:t>25</a:t>
+              <a:t>26</a:t>
             </a:fld>
             <a:endParaRPr lang="en-US" dirty="0"/>
           </a:p>
@@ -21218,14 +21754,56 @@
           </a:bodyPr>
           <a:lstStyle/>
           <a:p>
-            <a:r>
-              <a:rPr lang="en-US" dirty="0">
+            <a:pPr marL="0" marR="0" lvl="0" indent="0" algn="l" defTabSz="1088776" rtl="0" eaLnBrk="1" fontAlgn="auto" latinLnBrk="0" hangingPunct="1">
+              <a:lnSpc>
+                <a:spcPct val="100000"/>
+              </a:lnSpc>
+              <a:spcBef>
+                <a:spcPts val="0"/>
+              </a:spcBef>
+              <a:spcAft>
+                <a:spcPts val="0"/>
+              </a:spcAft>
+              <a:buClrTx/>
+              <a:buSzTx/>
+              <a:buFontTx/>
+              <a:buNone/>
+              <a:tabLst/>
+              <a:defRPr/>
+            </a:pPr>
+            <a:r>
+              <a:rPr kumimoji="0" lang="en-US" sz="2100" b="0" i="0" u="none" strike="noStrike" kern="1200" cap="none" spc="0" normalizeH="0" baseline="0" noProof="0" dirty="0">
+                <a:ln>
+                  <a:noFill/>
+                </a:ln>
+                <a:solidFill>
+                  <a:srgbClr val="000000"/>
+                </a:solidFill>
+                <a:effectLst/>
+                <a:uLnTx/>
+                <a:uFillTx/>
+                <a:latin typeface="Arial"/>
+                <a:ea typeface="+mn-ea"/>
+                <a:cs typeface="+mn-cs"/>
                 <a:hlinkClick r:id="rId7"/>
               </a:rPr>
               <a:t>https://github.com/kubernetes/minikube</a:t>
             </a:r>
             <a:r>
-              <a:rPr lang="en-US" dirty="0"/>
+              <a:rPr kumimoji="0" lang="en-US" sz="2100" b="0" i="0" u="none" strike="noStrike" kern="1200" cap="none" spc="0" normalizeH="0" baseline="0" noProof="0" dirty="0">
+                <a:ln>
+                  <a:noFill/>
+                </a:ln>
+                <a:solidFill>
+                  <a:srgbClr val="000000"/>
+                </a:solidFill>
+                <a:effectLst/>
+                <a:uLnTx/>
+                <a:uFillTx/>
+                <a:latin typeface="Arial"/>
+                <a:ea typeface="+mn-ea"/>
+                <a:cs typeface="+mn-cs"/>
+              </a:rPr>
               <a:t> </a:t>
             </a:r>
           </a:p>
@@ -21340,24 +21918,79 @@
           </a:bodyPr>
           <a:lstStyle/>
           <a:p>
-            <a:r>
-              <a:rPr lang="en-US" u="sng" dirty="0">
+            <a:pPr marL="0" marR="0" lvl="0" indent="0" algn="l" defTabSz="1088776" rtl="0" eaLnBrk="1" fontAlgn="auto" latinLnBrk="0" hangingPunct="1">
+              <a:lnSpc>
+                <a:spcPct val="100000"/>
+              </a:lnSpc>
+              <a:spcBef>
+                <a:spcPts val="0"/>
+              </a:spcBef>
+              <a:spcAft>
+                <a:spcPts val="0"/>
+              </a:spcAft>
+              <a:buClrTx/>
+              <a:buSzTx/>
+              <a:buFontTx/>
+              <a:buNone/>
+              <a:tabLst/>
+              <a:defRPr/>
+            </a:pPr>
+            <a:r>
+              <a:rPr kumimoji="0" lang="en-US" sz="2100" b="0" i="0" u="sng" strike="noStrike" kern="1200" cap="none" spc="0" normalizeH="0" baseline="0" noProof="0" dirty="0">
+                <a:ln>
+                  <a:noFill/>
+                </a:ln>
+                <a:solidFill>
+                  <a:srgbClr val="000000"/>
+                </a:solidFill>
+                <a:effectLst/>
+                <a:uLnTx/>
+                <a:uFillTx/>
+                <a:latin typeface="Arial"/>
+                <a:ea typeface="+mn-ea"/>
+                <a:cs typeface="+mn-cs"/>
                 <a:hlinkClick r:id="rId10"/>
               </a:rPr>
               <a:t>https://github.wdf.sap.corp/pages/kubernetes/gardener</a:t>
             </a:r>
             <a:r>
-              <a:rPr lang="en-US" u="sng" dirty="0"/>
+              <a:rPr kumimoji="0" lang="en-US" sz="2100" b="0" i="0" u="sng" strike="noStrike" kern="1200" cap="none" spc="0" normalizeH="0" baseline="0" noProof="0" dirty="0">
+                <a:ln>
+                  <a:noFill/>
+                </a:ln>
+                <a:solidFill>
+                  <a:srgbClr val="000000"/>
+                </a:solidFill>
+                <a:effectLst/>
+                <a:uLnTx/>
+                <a:uFillTx/>
+                <a:latin typeface="Arial"/>
+                <a:ea typeface="+mn-ea"/>
+                <a:cs typeface="+mn-cs"/>
+              </a:rPr>
               <a:t> </a:t>
             </a:r>
-            <a:endParaRPr lang="en-US" dirty="0"/>
+            <a:endParaRPr kumimoji="0" lang="en-US" sz="2100" b="0" i="0" u="none" strike="noStrike" kern="1200" cap="none" spc="0" normalizeH="0" baseline="0" noProof="0" dirty="0">
+              <a:ln>
+                <a:noFill/>
+              </a:ln>
+              <a:solidFill>
+                <a:srgbClr val="000000"/>
+              </a:solidFill>
+              <a:effectLst/>
+              <a:uLnTx/>
+              <a:uFillTx/>
+              <a:latin typeface="Arial"/>
+              <a:ea typeface="+mn-ea"/>
+              <a:cs typeface="+mn-cs"/>
+            </a:endParaRPr>
           </a:p>
         </p:txBody>
       </p:sp>
     </p:spTree>
     <p:extLst>
       <p:ext uri="{BB962C8B-B14F-4D97-AF65-F5344CB8AC3E}">
-        <p14:creationId xmlns:p14="http://schemas.microsoft.com/office/powerpoint/2010/main" val="627288864"/>
+        <p14:creationId xmlns:p14="http://schemas.microsoft.com/office/powerpoint/2010/main" val="3753432109"/>
       </p:ext>
     </p:extLst>
   </p:cSld>
@@ -23056,6 +23689,479 @@
           <a:chExt cx="0" cy="0"/>
         </a:xfrm>
       </p:grpSpPr>
+      <p:sp>
+        <p:nvSpPr>
+          <p:cNvPr id="2" name="Title 1"/>
+          <p:cNvSpPr>
+            <a:spLocks noGrp="1"/>
+          </p:cNvSpPr>
+          <p:nvPr>
+            <p:ph type="title"/>
+          </p:nvPr>
+        </p:nvSpPr>
+        <p:spPr/>
+        <p:txBody>
+          <a:bodyPr/>
+          <a:lstStyle/>
+          <a:p>
+            <a:r>
+              <a:rPr lang="en-US" dirty="0"/>
+              <a:t>Wherefrom can I get a cluster?</a:t>
+            </a:r>
+          </a:p>
+        </p:txBody>
+      </p:sp>
+      <p:pic>
+        <p:nvPicPr>
+          <p:cNvPr id="6" name="Picture 5">
+            <a:extLst>
+              <a:ext uri="{FF2B5EF4-FFF2-40B4-BE49-F238E27FC236}">
+                <a16:creationId xmlns:a16="http://schemas.microsoft.com/office/drawing/2014/main" id="{4D51B190-A21E-4DF4-BA5A-DCDB4A632252}"/>
+              </a:ext>
+            </a:extLst>
+          </p:cNvPr>
+          <p:cNvPicPr>
+            <a:picLocks noChangeAspect="1"/>
+          </p:cNvPicPr>
+          <p:nvPr/>
+        </p:nvPicPr>
+        <p:blipFill>
+          <a:blip r:embed="rId3"/>
+          <a:stretch>
+            <a:fillRect/>
+          </a:stretch>
+        </p:blipFill>
+        <p:spPr>
+          <a:xfrm>
+            <a:off x="194098" y="1159035"/>
+            <a:ext cx="10907143" cy="4962857"/>
+          </a:xfrm>
+          <a:prstGeom prst="rect">
+            <a:avLst/>
+          </a:prstGeom>
+        </p:spPr>
+      </p:pic>
+      <p:pic>
+        <p:nvPicPr>
+          <p:cNvPr id="5" name="Picture 4">
+            <a:extLst>
+              <a:ext uri="{FF2B5EF4-FFF2-40B4-BE49-F238E27FC236}">
+                <a16:creationId xmlns:a16="http://schemas.microsoft.com/office/drawing/2014/main" id="{695BC615-DFDD-4B5A-8E0B-E9031239678D}"/>
+              </a:ext>
+            </a:extLst>
+          </p:cNvPr>
+          <p:cNvPicPr>
+            <a:picLocks noChangeAspect="1"/>
+          </p:cNvPicPr>
+          <p:nvPr/>
+        </p:nvPicPr>
+        <p:blipFill>
+          <a:blip r:embed="rId4"/>
+          <a:stretch>
+            <a:fillRect/>
+          </a:stretch>
+        </p:blipFill>
+        <p:spPr>
+          <a:xfrm>
+            <a:off x="2309649" y="1546643"/>
+            <a:ext cx="9691428" cy="4860952"/>
+          </a:xfrm>
+          <a:prstGeom prst="rect">
+            <a:avLst/>
+          </a:prstGeom>
+        </p:spPr>
+      </p:pic>
+    </p:spTree>
+    <p:extLst>
+      <p:ext uri="{BB962C8B-B14F-4D97-AF65-F5344CB8AC3E}">
+        <p14:creationId xmlns:p14="http://schemas.microsoft.com/office/powerpoint/2010/main" val="937025551"/>
+      </p:ext>
+    </p:extLst>
+  </p:cSld>
+  <p:clrMapOvr>
+    <a:masterClrMapping/>
+  </p:clrMapOvr>
+  <p:timing>
+    <p:tnLst>
+      <p:par>
+        <p:cTn id="1" dur="indefinite" restart="never" nodeType="tmRoot">
+          <p:childTnLst>
+            <p:seq concurrent="1" nextAc="seek">
+              <p:cTn id="2" dur="indefinite" nodeType="mainSeq">
+                <p:childTnLst>
+                  <p:par>
+                    <p:cTn id="3" fill="hold">
+                      <p:stCondLst>
+                        <p:cond delay="indefinite"/>
+                      </p:stCondLst>
+                      <p:childTnLst>
+                        <p:par>
+                          <p:cTn id="4" fill="hold">
+                            <p:stCondLst>
+                              <p:cond delay="0"/>
+                            </p:stCondLst>
+                            <p:childTnLst>
+                              <p:par>
+                                <p:cTn id="5" presetID="2" presetClass="entr" presetSubtype="4" fill="hold" nodeType="clickEffect">
+                                  <p:stCondLst>
+                                    <p:cond delay="0"/>
+                                  </p:stCondLst>
+                                  <p:childTnLst>
+                                    <p:set>
+                                      <p:cBhvr>
+                                        <p:cTn id="6" dur="1" fill="hold">
+                                          <p:stCondLst>
+                                            <p:cond delay="0"/>
+                                          </p:stCondLst>
+                                        </p:cTn>
+                                        <p:tgtEl>
+                                          <p:spTgt spid="5"/>
+                                        </p:tgtEl>
+                                        <p:attrNameLst>
+                                          <p:attrName>style.visibility</p:attrName>
+                                        </p:attrNameLst>
+                                      </p:cBhvr>
+                                      <p:to>
+                                        <p:strVal val="visible"/>
+                                      </p:to>
+                                    </p:set>
+                                    <p:anim calcmode="lin" valueType="num">
+                                      <p:cBhvr additive="base">
+                                        <p:cTn id="7" dur="500" fill="hold"/>
+                                        <p:tgtEl>
+                                          <p:spTgt spid="5"/>
+                                        </p:tgtEl>
+                                        <p:attrNameLst>
+                                          <p:attrName>ppt_x</p:attrName>
+                                        </p:attrNameLst>
+                                      </p:cBhvr>
+                                      <p:tavLst>
+                                        <p:tav tm="0">
+                                          <p:val>
+                                            <p:strVal val="#ppt_x"/>
+                                          </p:val>
+                                        </p:tav>
+                                        <p:tav tm="100000">
+                                          <p:val>
+                                            <p:strVal val="#ppt_x"/>
+                                          </p:val>
+                                        </p:tav>
+                                      </p:tavLst>
+                                    </p:anim>
+                                    <p:anim calcmode="lin" valueType="num">
+                                      <p:cBhvr additive="base">
+                                        <p:cTn id="8" dur="500" fill="hold"/>
+                                        <p:tgtEl>
+                                          <p:spTgt spid="5"/>
+                                        </p:tgtEl>
+                                        <p:attrNameLst>
+                                          <p:attrName>ppt_y</p:attrName>
+                                        </p:attrNameLst>
+                                      </p:cBhvr>
+                                      <p:tavLst>
+                                        <p:tav tm="0">
+                                          <p:val>
+                                            <p:strVal val="1+#ppt_h/2"/>
+                                          </p:val>
+                                        </p:tav>
+                                        <p:tav tm="100000">
+                                          <p:val>
+                                            <p:strVal val="#ppt_y"/>
+                                          </p:val>
+                                        </p:tav>
+                                      </p:tavLst>
+                                    </p:anim>
+                                  </p:childTnLst>
+                                </p:cTn>
+                              </p:par>
+                            </p:childTnLst>
+                          </p:cTn>
+                        </p:par>
+                      </p:childTnLst>
+                    </p:cTn>
+                  </p:par>
+                </p:childTnLst>
+              </p:cTn>
+              <p:prevCondLst>
+                <p:cond evt="onPrev" delay="0">
+                  <p:tgtEl>
+                    <p:sldTgt/>
+                  </p:tgtEl>
+                </p:cond>
+              </p:prevCondLst>
+              <p:nextCondLst>
+                <p:cond evt="onNext" delay="0">
+                  <p:tgtEl>
+                    <p:sldTgt/>
+                  </p:tgtEl>
+                </p:cond>
+              </p:nextCondLst>
+            </p:seq>
+          </p:childTnLst>
+        </p:cTn>
+      </p:par>
+    </p:tnLst>
+  </p:timing>
+</p:sld>
+</file>
+
+<file path=ppt/slides/slide21.xml><?xml version="1.0" encoding="utf-8"?>
+<p:sld xmlns:a="http://schemas.openxmlformats.org/drawingml/2006/main" xmlns:r="http://schemas.openxmlformats.org/officeDocument/2006/relationships" xmlns:p="http://schemas.openxmlformats.org/presentationml/2006/main">
+  <p:cSld>
+    <p:spTree>
+      <p:nvGrpSpPr>
+        <p:cNvPr id="1" name=""/>
+        <p:cNvGrpSpPr/>
+        <p:nvPr/>
+      </p:nvGrpSpPr>
+      <p:grpSpPr>
+        <a:xfrm>
+          <a:off x="0" y="0"/>
+          <a:ext cx="0" cy="0"/>
+          <a:chOff x="0" y="0"/>
+          <a:chExt cx="0" cy="0"/>
+        </a:xfrm>
+      </p:grpSpPr>
+      <p:sp>
+        <p:nvSpPr>
+          <p:cNvPr id="2" name="Title 1"/>
+          <p:cNvSpPr>
+            <a:spLocks noGrp="1"/>
+          </p:cNvSpPr>
+          <p:nvPr>
+            <p:ph type="title"/>
+          </p:nvPr>
+        </p:nvSpPr>
+        <p:spPr/>
+        <p:txBody>
+          <a:bodyPr/>
+          <a:lstStyle/>
+          <a:p>
+            <a:r>
+              <a:rPr lang="en-US" dirty="0"/>
+              <a:t>Gardener: Features &amp; Limitations</a:t>
+            </a:r>
+          </a:p>
+        </p:txBody>
+      </p:sp>
+      <p:pic>
+        <p:nvPicPr>
+          <p:cNvPr id="3" name="Picture 2">
+            <a:extLst>
+              <a:ext uri="{FF2B5EF4-FFF2-40B4-BE49-F238E27FC236}">
+                <a16:creationId xmlns:a16="http://schemas.microsoft.com/office/drawing/2014/main" id="{C7C9ED74-CEC6-4875-9588-25666AE33A43}"/>
+              </a:ext>
+            </a:extLst>
+          </p:cNvPr>
+          <p:cNvPicPr>
+            <a:picLocks noChangeAspect="1"/>
+          </p:cNvPicPr>
+          <p:nvPr/>
+        </p:nvPicPr>
+        <p:blipFill>
+          <a:blip r:embed="rId3"/>
+          <a:stretch>
+            <a:fillRect/>
+          </a:stretch>
+        </p:blipFill>
+        <p:spPr>
+          <a:xfrm>
+            <a:off x="504001" y="1145286"/>
+            <a:ext cx="8714286" cy="5509524"/>
+          </a:xfrm>
+          <a:prstGeom prst="rect">
+            <a:avLst/>
+          </a:prstGeom>
+        </p:spPr>
+      </p:pic>
+      <p:sp>
+        <p:nvSpPr>
+          <p:cNvPr id="4" name="Rectangle 3">
+            <a:extLst>
+              <a:ext uri="{FF2B5EF4-FFF2-40B4-BE49-F238E27FC236}">
+                <a16:creationId xmlns:a16="http://schemas.microsoft.com/office/drawing/2014/main" id="{6F1124D1-22A0-4DD8-876B-97EAE10C3B27}"/>
+              </a:ext>
+            </a:extLst>
+          </p:cNvPr>
+          <p:cNvSpPr/>
+          <p:nvPr/>
+        </p:nvSpPr>
+        <p:spPr>
+          <a:xfrm>
+            <a:off x="5999747" y="412633"/>
+            <a:ext cx="6096000" cy="307777"/>
+          </a:xfrm>
+          <a:prstGeom prst="rect">
+            <a:avLst/>
+          </a:prstGeom>
+        </p:spPr>
+        <p:txBody>
+          <a:bodyPr>
+            <a:spAutoFit/>
+          </a:bodyPr>
+          <a:lstStyle/>
+          <a:p>
+            <a:pPr marL="0" marR="0" lvl="0" indent="0" algn="l" defTabSz="1088776" rtl="0" eaLnBrk="1" fontAlgn="auto" latinLnBrk="0" hangingPunct="1">
+              <a:lnSpc>
+                <a:spcPct val="100000"/>
+              </a:lnSpc>
+              <a:spcBef>
+                <a:spcPts val="0"/>
+              </a:spcBef>
+              <a:spcAft>
+                <a:spcPts val="0"/>
+              </a:spcAft>
+              <a:buClrTx/>
+              <a:buSzTx/>
+              <a:buFontTx/>
+              <a:buNone/>
+              <a:tabLst/>
+              <a:defRPr/>
+            </a:pPr>
+            <a:r>
+              <a:rPr kumimoji="0" lang="de-DE" sz="1400" b="0" i="0" u="sng" strike="noStrike" kern="1200" cap="none" spc="0" normalizeH="0" baseline="0" noProof="0" dirty="0">
+                <a:ln>
+                  <a:noFill/>
+                </a:ln>
+                <a:solidFill>
+                  <a:srgbClr val="0563C1"/>
+                </a:solidFill>
+                <a:effectLst/>
+                <a:uLnTx/>
+                <a:uFillTx/>
+                <a:latin typeface="Calibri" panose="020F0502020204030204" pitchFamily="34" charset="0"/>
+                <a:ea typeface="Calibri" panose="020F0502020204030204" pitchFamily="34" charset="0"/>
+                <a:cs typeface="+mn-cs"/>
+                <a:hlinkClick r:id="rId4"/>
+              </a:rPr>
+              <a:t>https://github.wdf.sap.corp/pages/kubernetes/gardener/#features</a:t>
+            </a:r>
+            <a:endParaRPr kumimoji="0" lang="de-DE" sz="1400" b="0" i="0" u="none" strike="noStrike" kern="1200" cap="none" spc="0" normalizeH="0" baseline="0" noProof="0" dirty="0">
+              <a:ln>
+                <a:noFill/>
+              </a:ln>
+              <a:solidFill>
+                <a:srgbClr val="000000"/>
+              </a:solidFill>
+              <a:effectLst/>
+              <a:uLnTx/>
+              <a:uFillTx/>
+              <a:latin typeface="Arial"/>
+              <a:ea typeface="+mn-ea"/>
+              <a:cs typeface="+mn-cs"/>
+            </a:endParaRPr>
+          </a:p>
+        </p:txBody>
+      </p:sp>
+      <p:sp>
+        <p:nvSpPr>
+          <p:cNvPr id="5" name="Rectangle 4">
+            <a:extLst>
+              <a:ext uri="{FF2B5EF4-FFF2-40B4-BE49-F238E27FC236}">
+                <a16:creationId xmlns:a16="http://schemas.microsoft.com/office/drawing/2014/main" id="{30A8012F-DD76-4B7D-B7EA-B23437F455DC}"/>
+              </a:ext>
+            </a:extLst>
+          </p:cNvPr>
+          <p:cNvSpPr/>
+          <p:nvPr/>
+        </p:nvSpPr>
+        <p:spPr>
+          <a:xfrm>
+            <a:off x="5999747" y="656922"/>
+            <a:ext cx="6410919" cy="307777"/>
+          </a:xfrm>
+          <a:prstGeom prst="rect">
+            <a:avLst/>
+          </a:prstGeom>
+        </p:spPr>
+        <p:txBody>
+          <a:bodyPr wrap="square">
+            <a:spAutoFit/>
+          </a:bodyPr>
+          <a:lstStyle/>
+          <a:p>
+            <a:pPr marL="0" marR="0" lvl="0" indent="0" algn="l" defTabSz="1088776" rtl="0" eaLnBrk="1" fontAlgn="auto" latinLnBrk="0" hangingPunct="1">
+              <a:lnSpc>
+                <a:spcPct val="100000"/>
+              </a:lnSpc>
+              <a:spcBef>
+                <a:spcPts val="0"/>
+              </a:spcBef>
+              <a:spcAft>
+                <a:spcPts val="0"/>
+              </a:spcAft>
+              <a:buClrTx/>
+              <a:buSzTx/>
+              <a:buFontTx/>
+              <a:buNone/>
+              <a:tabLst/>
+              <a:defRPr/>
+            </a:pPr>
+            <a:r>
+              <a:rPr kumimoji="0" lang="de-DE" sz="1400" b="0" i="0" u="none" strike="noStrike" kern="1200" cap="none" spc="0" normalizeH="0" baseline="0" noProof="0" dirty="0">
+                <a:ln>
+                  <a:noFill/>
+                </a:ln>
+                <a:solidFill>
+                  <a:srgbClr val="000000"/>
+                </a:solidFill>
+                <a:effectLst/>
+                <a:uLnTx/>
+                <a:uFillTx/>
+                <a:latin typeface="Arial"/>
+                <a:ea typeface="+mn-ea"/>
+                <a:cs typeface="+mn-cs"/>
+                <a:hlinkClick r:id="rId5"/>
+              </a:rPr>
+              <a:t>https://github.wdf.sap.corp/kubernetes/kube-docs/wiki/Gardener-Service-FAQ</a:t>
+            </a:r>
+            <a:endParaRPr kumimoji="0" lang="de-DE" sz="1400" b="0" i="0" u="none" strike="noStrike" kern="1200" cap="none" spc="0" normalizeH="0" baseline="0" noProof="0" dirty="0">
+              <a:ln>
+                <a:noFill/>
+              </a:ln>
+              <a:solidFill>
+                <a:srgbClr val="000000"/>
+              </a:solidFill>
+              <a:effectLst/>
+              <a:uLnTx/>
+              <a:uFillTx/>
+              <a:latin typeface="Arial"/>
+              <a:ea typeface="+mn-ea"/>
+              <a:cs typeface="+mn-cs"/>
+            </a:endParaRPr>
+          </a:p>
+        </p:txBody>
+      </p:sp>
+    </p:spTree>
+    <p:extLst>
+      <p:ext uri="{BB962C8B-B14F-4D97-AF65-F5344CB8AC3E}">
+        <p14:creationId xmlns:p14="http://schemas.microsoft.com/office/powerpoint/2010/main" val="2707452049"/>
+      </p:ext>
+    </p:extLst>
+  </p:cSld>
+  <p:clrMapOvr>
+    <a:masterClrMapping/>
+  </p:clrMapOvr>
+</p:sld>
+</file>
+
+<file path=ppt/slides/slide22.xml><?xml version="1.0" encoding="utf-8"?>
+<p:sld xmlns:a="http://schemas.openxmlformats.org/drawingml/2006/main" xmlns:r="http://schemas.openxmlformats.org/officeDocument/2006/relationships" xmlns:p="http://schemas.openxmlformats.org/presentationml/2006/main">
+  <p:cSld>
+    <p:spTree>
+      <p:nvGrpSpPr>
+        <p:cNvPr id="1" name=""/>
+        <p:cNvGrpSpPr/>
+        <p:nvPr/>
+      </p:nvGrpSpPr>
+      <p:grpSpPr>
+        <a:xfrm>
+          <a:off x="0" y="0"/>
+          <a:ext cx="0" cy="0"/>
+          <a:chOff x="0" y="0"/>
+          <a:chExt cx="0" cy="0"/>
+        </a:xfrm>
+      </p:grpSpPr>
       <p:grpSp>
         <p:nvGrpSpPr>
           <p:cNvPr id="4" name="Group 3"/>
@@ -23111,8 +24217,37 @@
             <a:bodyPr rtlCol="0" anchor="ctr"/>
             <a:lstStyle/>
             <a:p>
-              <a:pPr algn="ctr"/>
-              <a:endParaRPr lang="en-US" dirty="0"/>
+              <a:pPr marL="0" marR="0" lvl="0" indent="0" algn="ctr" defTabSz="1088776" rtl="0" eaLnBrk="1" fontAlgn="auto" latinLnBrk="0" hangingPunct="1">
+                <a:lnSpc>
+                  <a:spcPct val="100000"/>
+                </a:lnSpc>
+                <a:spcBef>
+                  <a:spcPts val="0"/>
+                </a:spcBef>
+                <a:spcAft>
+                  <a:spcPts val="0"/>
+                </a:spcAft>
+                <a:buClrTx/>
+                <a:buSzTx/>
+                <a:buFontTx/>
+                <a:buNone/>
+                <a:tabLst/>
+                <a:defRPr/>
+              </a:pPr>
+              <a:endParaRPr kumimoji="0" lang="en-US" sz="2100" b="0" i="0" u="none" strike="noStrike" kern="1200" cap="none" spc="0" normalizeH="0" baseline="0" noProof="0" dirty="0">
+                <a:ln>
+                  <a:noFill/>
+                </a:ln>
+                <a:solidFill>
+                  <a:srgbClr val="FFFFFF"/>
+                </a:solidFill>
+                <a:effectLst/>
+                <a:uLnTx/>
+                <a:uFillTx/>
+                <a:latin typeface="Arial"/>
+                <a:ea typeface="+mn-ea"/>
+                <a:cs typeface="+mn-cs"/>
+              </a:endParaRPr>
             </a:p>
           </p:txBody>
         </p:sp>
@@ -23148,12 +24283,34 @@
             <a:bodyPr rtlCol="0" anchor="ctr"/>
             <a:lstStyle/>
             <a:p>
-              <a:pPr algn="ctr" defTabSz="914126"/>
+              <a:pPr marL="0" marR="0" lvl="0" indent="0" algn="ctr" defTabSz="914126" rtl="0" eaLnBrk="1" fontAlgn="auto" latinLnBrk="0" hangingPunct="1">
+                <a:lnSpc>
+                  <a:spcPct val="100000"/>
+                </a:lnSpc>
+                <a:spcBef>
+                  <a:spcPts val="0"/>
+                </a:spcBef>
+                <a:spcAft>
+                  <a:spcPts val="0"/>
+                </a:spcAft>
+                <a:buClrTx/>
+                <a:buSzTx/>
+                <a:buFontTx/>
+                <a:buNone/>
+                <a:tabLst/>
+                <a:defRPr/>
+              </a:pPr>
               <a:r>
-                <a:rPr lang="en-US" sz="800" kern="0" dirty="0">
+                <a:rPr kumimoji="0" lang="en-US" sz="800" b="0" i="0" u="none" strike="noStrike" kern="0" cap="none" spc="0" normalizeH="0" baseline="0" noProof="0" dirty="0">
+                  <a:ln>
+                    <a:noFill/>
+                  </a:ln>
                   <a:solidFill>
                     <a:prstClr val="white"/>
                   </a:solidFill>
+                  <a:effectLst/>
+                  <a:uLnTx/>
+                  <a:uFillTx/>
                   <a:latin typeface="Calibri" panose="020F0502020204030204"/>
                   <a:ea typeface=""/>
                   <a:cs typeface=""/>
@@ -23195,12 +24352,34 @@
             <a:bodyPr rtlCol="0" anchor="ctr"/>
             <a:lstStyle/>
             <a:p>
-              <a:pPr algn="ctr" defTabSz="914126"/>
+              <a:pPr marL="0" marR="0" lvl="0" indent="0" algn="ctr" defTabSz="914126" rtl="0" eaLnBrk="1" fontAlgn="auto" latinLnBrk="0" hangingPunct="1">
+                <a:lnSpc>
+                  <a:spcPct val="100000"/>
+                </a:lnSpc>
+                <a:spcBef>
+                  <a:spcPts val="0"/>
+                </a:spcBef>
+                <a:spcAft>
+                  <a:spcPts val="0"/>
+                </a:spcAft>
+                <a:buClrTx/>
+                <a:buSzTx/>
+                <a:buFontTx/>
+                <a:buNone/>
+                <a:tabLst/>
+                <a:defRPr/>
+              </a:pPr>
               <a:r>
-                <a:rPr lang="en-US" sz="800" kern="0" dirty="0">
+                <a:rPr kumimoji="0" lang="en-US" sz="800" b="0" i="0" u="none" strike="noStrike" kern="0" cap="none" spc="0" normalizeH="0" baseline="0" noProof="0" dirty="0">
+                  <a:ln>
+                    <a:noFill/>
+                  </a:ln>
                   <a:solidFill>
                     <a:prstClr val="white"/>
                   </a:solidFill>
+                  <a:effectLst/>
+                  <a:uLnTx/>
+                  <a:uFillTx/>
                   <a:latin typeface="Calibri" panose="020F0502020204030204"/>
                   <a:ea typeface=""/>
                   <a:cs typeface=""/>
@@ -23242,12 +24421,34 @@
             <a:bodyPr rtlCol="0" anchor="ctr"/>
             <a:lstStyle/>
             <a:p>
-              <a:pPr algn="ctr" defTabSz="914126"/>
+              <a:pPr marL="0" marR="0" lvl="0" indent="0" algn="ctr" defTabSz="914126" rtl="0" eaLnBrk="1" fontAlgn="auto" latinLnBrk="0" hangingPunct="1">
+                <a:lnSpc>
+                  <a:spcPct val="100000"/>
+                </a:lnSpc>
+                <a:spcBef>
+                  <a:spcPts val="0"/>
+                </a:spcBef>
+                <a:spcAft>
+                  <a:spcPts val="0"/>
+                </a:spcAft>
+                <a:buClrTx/>
+                <a:buSzTx/>
+                <a:buFontTx/>
+                <a:buNone/>
+                <a:tabLst/>
+                <a:defRPr/>
+              </a:pPr>
               <a:r>
-                <a:rPr lang="en-US" sz="800" kern="0" dirty="0">
+                <a:rPr kumimoji="0" lang="en-US" sz="800" b="0" i="0" u="none" strike="noStrike" kern="0" cap="none" spc="0" normalizeH="0" baseline="0" noProof="0" dirty="0">
+                  <a:ln>
+                    <a:noFill/>
+                  </a:ln>
                   <a:solidFill>
                     <a:prstClr val="white"/>
                   </a:solidFill>
+                  <a:effectLst/>
+                  <a:uLnTx/>
+                  <a:uFillTx/>
                   <a:latin typeface="Calibri" panose="020F0502020204030204"/>
                   <a:ea typeface=""/>
                   <a:cs typeface=""/>
@@ -23289,12 +24490,34 @@
             <a:bodyPr rtlCol="0" anchor="ctr"/>
             <a:lstStyle/>
             <a:p>
-              <a:pPr algn="ctr" defTabSz="914126"/>
+              <a:pPr marL="0" marR="0" lvl="0" indent="0" algn="ctr" defTabSz="914126" rtl="0" eaLnBrk="1" fontAlgn="auto" latinLnBrk="0" hangingPunct="1">
+                <a:lnSpc>
+                  <a:spcPct val="100000"/>
+                </a:lnSpc>
+                <a:spcBef>
+                  <a:spcPts val="0"/>
+                </a:spcBef>
+                <a:spcAft>
+                  <a:spcPts val="0"/>
+                </a:spcAft>
+                <a:buClrTx/>
+                <a:buSzTx/>
+                <a:buFontTx/>
+                <a:buNone/>
+                <a:tabLst/>
+                <a:defRPr/>
+              </a:pPr>
               <a:r>
-                <a:rPr lang="en-US" sz="800" kern="0" dirty="0">
+                <a:rPr kumimoji="0" lang="en-US" sz="800" b="0" i="0" u="none" strike="noStrike" kern="0" cap="none" spc="0" normalizeH="0" baseline="0" noProof="0" dirty="0">
+                  <a:ln>
+                    <a:noFill/>
+                  </a:ln>
                   <a:solidFill>
                     <a:prstClr val="white"/>
                   </a:solidFill>
+                  <a:effectLst/>
+                  <a:uLnTx/>
+                  <a:uFillTx/>
                   <a:latin typeface="Calibri" panose="020F0502020204030204"/>
                   <a:ea typeface=""/>
                   <a:cs typeface=""/>
@@ -23336,12 +24559,34 @@
             <a:bodyPr rtlCol="0" anchor="ctr"/>
             <a:lstStyle/>
             <a:p>
-              <a:pPr algn="ctr" defTabSz="914126"/>
+              <a:pPr marL="0" marR="0" lvl="0" indent="0" algn="ctr" defTabSz="914126" rtl="0" eaLnBrk="1" fontAlgn="auto" latinLnBrk="0" hangingPunct="1">
+                <a:lnSpc>
+                  <a:spcPct val="100000"/>
+                </a:lnSpc>
+                <a:spcBef>
+                  <a:spcPts val="0"/>
+                </a:spcBef>
+                <a:spcAft>
+                  <a:spcPts val="0"/>
+                </a:spcAft>
+                <a:buClrTx/>
+                <a:buSzTx/>
+                <a:buFontTx/>
+                <a:buNone/>
+                <a:tabLst/>
+                <a:defRPr/>
+              </a:pPr>
               <a:r>
-                <a:rPr lang="en-US" sz="800" kern="0" dirty="0">
+                <a:rPr kumimoji="0" lang="en-US" sz="800" b="0" i="0" u="none" strike="noStrike" kern="0" cap="none" spc="0" normalizeH="0" baseline="0" noProof="0" dirty="0">
+                  <a:ln>
+                    <a:noFill/>
+                  </a:ln>
                   <a:solidFill>
                     <a:prstClr val="white"/>
                   </a:solidFill>
+                  <a:effectLst/>
+                  <a:uLnTx/>
+                  <a:uFillTx/>
                   <a:latin typeface="Calibri" panose="020F0502020204030204"/>
                   <a:ea typeface=""/>
                   <a:cs typeface=""/>
@@ -23383,12 +24628,34 @@
             <a:bodyPr rtlCol="0" anchor="ctr"/>
             <a:lstStyle/>
             <a:p>
-              <a:pPr algn="ctr" defTabSz="914126"/>
+              <a:pPr marL="0" marR="0" lvl="0" indent="0" algn="ctr" defTabSz="914126" rtl="0" eaLnBrk="1" fontAlgn="auto" latinLnBrk="0" hangingPunct="1">
+                <a:lnSpc>
+                  <a:spcPct val="100000"/>
+                </a:lnSpc>
+                <a:spcBef>
+                  <a:spcPts val="0"/>
+                </a:spcBef>
+                <a:spcAft>
+                  <a:spcPts val="0"/>
+                </a:spcAft>
+                <a:buClrTx/>
+                <a:buSzTx/>
+                <a:buFontTx/>
+                <a:buNone/>
+                <a:tabLst/>
+                <a:defRPr/>
+              </a:pPr>
               <a:r>
-                <a:rPr lang="en-US" sz="800" kern="0" dirty="0">
+                <a:rPr kumimoji="0" lang="en-US" sz="800" b="0" i="0" u="none" strike="noStrike" kern="0" cap="none" spc="0" normalizeH="0" baseline="0" noProof="0" dirty="0">
+                  <a:ln>
+                    <a:noFill/>
+                  </a:ln>
                   <a:solidFill>
                     <a:prstClr val="white"/>
                   </a:solidFill>
+                  <a:effectLst/>
+                  <a:uLnTx/>
+                  <a:uFillTx/>
                   <a:latin typeface="Calibri" panose="020F0502020204030204"/>
                   <a:ea typeface=""/>
                   <a:cs typeface=""/>
@@ -23420,8 +24687,38 @@
             </a:bodyPr>
             <a:lstStyle/>
             <a:p>
+              <a:pPr marL="0" marR="0" lvl="0" indent="0" algn="l" defTabSz="1088776" rtl="0" eaLnBrk="1" fontAlgn="auto" latinLnBrk="0" hangingPunct="1">
+                <a:lnSpc>
+                  <a:spcPct val="100000"/>
+                </a:lnSpc>
+                <a:spcBef>
+                  <a:spcPts val="0"/>
+                </a:spcBef>
+                <a:spcAft>
+                  <a:spcPts val="0"/>
+                </a:spcAft>
+                <a:buClrTx/>
+                <a:buSzTx/>
+                <a:buFontTx/>
+                <a:buNone/>
+                <a:tabLst/>
+                <a:defRPr/>
+              </a:pPr>
               <a:r>
-                <a:rPr lang="en-US" sz="1800" dirty="0"/>
+                <a:rPr kumimoji="0" lang="en-US" sz="1800" b="0" i="0" u="none" strike="noStrike" kern="1200" cap="none" spc="0" normalizeH="0" baseline="0" noProof="0" dirty="0">
+                  <a:ln>
+                    <a:noFill/>
+                  </a:ln>
+                  <a:solidFill>
+                    <a:srgbClr val="000000"/>
+                  </a:solidFill>
+                  <a:effectLst/>
+                  <a:uLnTx/>
+                  <a:uFillTx/>
+                  <a:latin typeface="Arial"/>
+                  <a:ea typeface="+mn-ea"/>
+                  <a:cs typeface="+mn-cs"/>
+                </a:rPr>
                 <a:t>HA</a:t>
               </a:r>
             </a:p>
@@ -23459,12 +24756,34 @@
             <a:bodyPr rtlCol="0" anchor="ctr"/>
             <a:lstStyle/>
             <a:p>
-              <a:pPr algn="ctr" defTabSz="914126"/>
+              <a:pPr marL="0" marR="0" lvl="0" indent="0" algn="ctr" defTabSz="914126" rtl="0" eaLnBrk="1" fontAlgn="auto" latinLnBrk="0" hangingPunct="1">
+                <a:lnSpc>
+                  <a:spcPct val="100000"/>
+                </a:lnSpc>
+                <a:spcBef>
+                  <a:spcPts val="0"/>
+                </a:spcBef>
+                <a:spcAft>
+                  <a:spcPts val="0"/>
+                </a:spcAft>
+                <a:buClrTx/>
+                <a:buSzTx/>
+                <a:buFontTx/>
+                <a:buNone/>
+                <a:tabLst/>
+                <a:defRPr/>
+              </a:pPr>
               <a:r>
-                <a:rPr lang="en-US" sz="800" kern="0" dirty="0">
+                <a:rPr kumimoji="0" lang="en-US" sz="800" b="0" i="0" u="none" strike="noStrike" kern="0" cap="none" spc="0" normalizeH="0" baseline="0" noProof="0" dirty="0">
+                  <a:ln>
+                    <a:noFill/>
+                  </a:ln>
                   <a:solidFill>
                     <a:prstClr val="white"/>
                   </a:solidFill>
+                  <a:effectLst/>
+                  <a:uLnTx/>
+                  <a:uFillTx/>
                   <a:latin typeface="Calibri" panose="020F0502020204030204"/>
                   <a:ea typeface=""/>
                   <a:cs typeface=""/>
@@ -23519,40 +24838,181 @@
           </a:bodyPr>
           <a:lstStyle/>
           <a:p>
-            <a:r>
-              <a:rPr lang="en-US" sz="2000" dirty="0"/>
+            <a:pPr marL="0" marR="0" lvl="0" indent="0" algn="l" defTabSz="1088776" rtl="0" eaLnBrk="1" fontAlgn="auto" latinLnBrk="0" hangingPunct="1">
+              <a:lnSpc>
+                <a:spcPct val="100000"/>
+              </a:lnSpc>
+              <a:spcBef>
+                <a:spcPts val="0"/>
+              </a:spcBef>
+              <a:spcAft>
+                <a:spcPts val="0"/>
+              </a:spcAft>
+              <a:buClrTx/>
+              <a:buSzTx/>
+              <a:buFontTx/>
+              <a:buNone/>
+              <a:tabLst/>
+              <a:defRPr/>
+            </a:pPr>
+            <a:r>
+              <a:rPr kumimoji="0" lang="en-US" sz="2000" b="0" i="0" u="none" strike="noStrike" kern="1200" cap="none" spc="0" normalizeH="0" baseline="0" noProof="0" dirty="0">
+                <a:ln>
+                  <a:noFill/>
+                </a:ln>
+                <a:solidFill>
+                  <a:srgbClr val="000000"/>
+                </a:solidFill>
+                <a:effectLst/>
+                <a:uLnTx/>
+                <a:uFillTx/>
+                <a:latin typeface="Arial"/>
+                <a:ea typeface="+mn-ea"/>
+                <a:cs typeface="+mn-cs"/>
+              </a:rPr>
               <a:t>The </a:t>
             </a:r>
             <a:r>
-              <a:rPr lang="en-US" sz="2000" dirty="0">
+              <a:rPr kumimoji="0" lang="en-US" sz="2000" b="0" i="0" u="none" strike="noStrike" kern="1200" cap="none" spc="0" normalizeH="0" baseline="0" noProof="0" dirty="0">
+                <a:ln>
+                  <a:noFill/>
+                </a:ln>
+                <a:solidFill>
+                  <a:srgbClr val="000000"/>
+                </a:solidFill>
+                <a:effectLst/>
                 <a:highlight>
                   <a:srgbClr val="FF0000"/>
                 </a:highlight>
+                <a:uLnTx/>
+                <a:uFillTx/>
+                <a:latin typeface="Arial"/>
+                <a:ea typeface="+mn-ea"/>
+                <a:cs typeface="+mn-cs"/>
               </a:rPr>
               <a:t>red nodes</a:t>
             </a:r>
             <a:r>
-              <a:rPr lang="en-US" sz="2000" dirty="0"/>
+              <a:rPr kumimoji="0" lang="en-US" sz="2000" b="0" i="0" u="none" strike="noStrike" kern="1200" cap="none" spc="0" normalizeH="0" baseline="0" noProof="0" dirty="0">
+                <a:ln>
+                  <a:noFill/>
+                </a:ln>
+                <a:solidFill>
+                  <a:srgbClr val="000000"/>
+                </a:solidFill>
+                <a:effectLst/>
+                <a:uLnTx/>
+                <a:uFillTx/>
+                <a:latin typeface="Arial"/>
+                <a:ea typeface="+mn-ea"/>
+                <a:cs typeface="+mn-cs"/>
+              </a:rPr>
               <a:t> run the control plane,</a:t>
             </a:r>
           </a:p>
           <a:p>
-            <a:r>
-              <a:rPr lang="en-US" sz="2000" dirty="0"/>
+            <a:pPr marL="0" marR="0" lvl="0" indent="0" algn="l" defTabSz="1088776" rtl="0" eaLnBrk="1" fontAlgn="auto" latinLnBrk="0" hangingPunct="1">
+              <a:lnSpc>
+                <a:spcPct val="100000"/>
+              </a:lnSpc>
+              <a:spcBef>
+                <a:spcPts val="0"/>
+              </a:spcBef>
+              <a:spcAft>
+                <a:spcPts val="0"/>
+              </a:spcAft>
+              <a:buClrTx/>
+              <a:buSzTx/>
+              <a:buFontTx/>
+              <a:buNone/>
+              <a:tabLst/>
+              <a:defRPr/>
+            </a:pPr>
+            <a:r>
+              <a:rPr kumimoji="0" lang="en-US" sz="2000" b="0" i="0" u="none" strike="noStrike" kern="1200" cap="none" spc="0" normalizeH="0" baseline="0" noProof="0" dirty="0">
+                <a:ln>
+                  <a:noFill/>
+                </a:ln>
+                <a:solidFill>
+                  <a:srgbClr val="000000"/>
+                </a:solidFill>
+                <a:effectLst/>
+                <a:uLnTx/>
+                <a:uFillTx/>
+                <a:latin typeface="Arial"/>
+                <a:ea typeface="+mn-ea"/>
+                <a:cs typeface="+mn-cs"/>
+              </a:rPr>
               <a:t>often in HA and on separate hardware</a:t>
             </a:r>
           </a:p>
           <a:p>
-            <a:r>
-              <a:rPr lang="en-US" sz="2000" dirty="0"/>
+            <a:pPr marL="0" marR="0" lvl="0" indent="0" algn="l" defTabSz="1088776" rtl="0" eaLnBrk="1" fontAlgn="auto" latinLnBrk="0" hangingPunct="1">
+              <a:lnSpc>
+                <a:spcPct val="100000"/>
+              </a:lnSpc>
+              <a:spcBef>
+                <a:spcPts val="0"/>
+              </a:spcBef>
+              <a:spcAft>
+                <a:spcPts val="0"/>
+              </a:spcAft>
+              <a:buClrTx/>
+              <a:buSzTx/>
+              <a:buFontTx/>
+              <a:buNone/>
+              <a:tabLst/>
+              <a:defRPr/>
+            </a:pPr>
+            <a:r>
+              <a:rPr kumimoji="0" lang="en-US" sz="2000" b="0" i="0" u="none" strike="noStrike" kern="1200" cap="none" spc="0" normalizeH="0" baseline="0" noProof="0" dirty="0">
+                <a:ln>
+                  <a:noFill/>
+                </a:ln>
+                <a:solidFill>
+                  <a:srgbClr val="000000"/>
+                </a:solidFill>
+                <a:effectLst/>
+                <a:uLnTx/>
+                <a:uFillTx/>
+                <a:latin typeface="Arial"/>
+                <a:ea typeface="+mn-ea"/>
+                <a:cs typeface="+mn-cs"/>
+              </a:rPr>
               <a:t>(usually quite </a:t>
             </a:r>
             <a:r>
-              <a:rPr lang="en-US" sz="2000" b="1" dirty="0"/>
+              <a:rPr kumimoji="0" lang="en-US" sz="2000" b="1" i="0" u="none" strike="noStrike" kern="1200" cap="none" spc="0" normalizeH="0" baseline="0" noProof="0" dirty="0">
+                <a:ln>
+                  <a:noFill/>
+                </a:ln>
+                <a:solidFill>
+                  <a:srgbClr val="000000"/>
+                </a:solidFill>
+                <a:effectLst/>
+                <a:uLnTx/>
+                <a:uFillTx/>
+                <a:latin typeface="Arial"/>
+                <a:ea typeface="+mn-ea"/>
+                <a:cs typeface="+mn-cs"/>
+              </a:rPr>
               <a:t>underutilized</a:t>
             </a:r>
             <a:r>
-              <a:rPr lang="en-US" sz="2000" dirty="0"/>
+              <a:rPr kumimoji="0" lang="en-US" sz="2000" b="0" i="0" u="none" strike="noStrike" kern="1200" cap="none" spc="0" normalizeH="0" baseline="0" noProof="0" dirty="0">
+                <a:ln>
+                  <a:noFill/>
+                </a:ln>
+                <a:solidFill>
+                  <a:srgbClr val="000000"/>
+                </a:solidFill>
+                <a:effectLst/>
+                <a:uLnTx/>
+                <a:uFillTx/>
+                <a:latin typeface="Arial"/>
+                <a:ea typeface="+mn-ea"/>
+                <a:cs typeface="+mn-cs"/>
+              </a:rPr>
               <a:t>) </a:t>
             </a:r>
           </a:p>
@@ -23580,35 +25040,142 @@
           </a:bodyPr>
           <a:lstStyle/>
           <a:p>
-            <a:r>
-              <a:rPr lang="en-US" sz="2000" dirty="0"/>
+            <a:pPr marL="0" marR="0" lvl="0" indent="0" algn="l" defTabSz="1088776" rtl="0" eaLnBrk="1" fontAlgn="auto" latinLnBrk="0" hangingPunct="1">
+              <a:lnSpc>
+                <a:spcPct val="100000"/>
+              </a:lnSpc>
+              <a:spcBef>
+                <a:spcPts val="0"/>
+              </a:spcBef>
+              <a:spcAft>
+                <a:spcPts val="0"/>
+              </a:spcAft>
+              <a:buClrTx/>
+              <a:buSzTx/>
+              <a:buFontTx/>
+              <a:buNone/>
+              <a:tabLst/>
+              <a:defRPr/>
+            </a:pPr>
+            <a:r>
+              <a:rPr kumimoji="0" lang="en-US" sz="2000" b="0" i="0" u="none" strike="noStrike" kern="1200" cap="none" spc="0" normalizeH="0" baseline="0" noProof="0" dirty="0">
+                <a:ln>
+                  <a:noFill/>
+                </a:ln>
+                <a:solidFill>
+                  <a:srgbClr val="000000"/>
+                </a:solidFill>
+                <a:effectLst/>
+                <a:uLnTx/>
+                <a:uFillTx/>
+                <a:latin typeface="Arial"/>
+                <a:ea typeface="+mn-ea"/>
+                <a:cs typeface="+mn-cs"/>
+              </a:rPr>
               <a:t>The </a:t>
             </a:r>
             <a:r>
-              <a:rPr lang="en-US" sz="2000" dirty="0">
+              <a:rPr kumimoji="0" lang="en-US" sz="2000" b="0" i="0" u="none" strike="noStrike" kern="1200" cap="none" spc="0" normalizeH="0" baseline="0" noProof="0" dirty="0">
+                <a:ln>
+                  <a:noFill/>
+                </a:ln>
+                <a:solidFill>
+                  <a:srgbClr val="000000"/>
+                </a:solidFill>
+                <a:effectLst/>
                 <a:highlight>
                   <a:srgbClr val="0F46A7"/>
                 </a:highlight>
+                <a:uLnTx/>
+                <a:uFillTx/>
+                <a:latin typeface="Arial"/>
+                <a:ea typeface="+mn-ea"/>
+                <a:cs typeface="+mn-cs"/>
               </a:rPr>
               <a:t>blue nodes</a:t>
             </a:r>
             <a:r>
-              <a:rPr lang="en-US" sz="2000" dirty="0"/>
+              <a:rPr kumimoji="0" lang="en-US" sz="2000" b="0" i="0" u="none" strike="noStrike" kern="1200" cap="none" spc="0" normalizeH="0" baseline="0" noProof="0" dirty="0">
+                <a:ln>
+                  <a:noFill/>
+                </a:ln>
+                <a:solidFill>
+                  <a:srgbClr val="000000"/>
+                </a:solidFill>
+                <a:effectLst/>
+                <a:uLnTx/>
+                <a:uFillTx/>
+                <a:latin typeface="Arial"/>
+                <a:ea typeface="+mn-ea"/>
+                <a:cs typeface="+mn-cs"/>
+              </a:rPr>
               <a:t> run the actual workload and is managed by Master Nodes </a:t>
             </a:r>
             <a:br>
-              <a:rPr lang="en-US" sz="2000" dirty="0"/>
+              <a:rPr kumimoji="0" lang="en-US" sz="2000" b="0" i="0" u="none" strike="noStrike" kern="1200" cap="none" spc="0" normalizeH="0" baseline="0" noProof="0" dirty="0">
+                <a:ln>
+                  <a:noFill/>
+                </a:ln>
+                <a:solidFill>
+                  <a:srgbClr val="000000"/>
+                </a:solidFill>
+                <a:effectLst/>
+                <a:uLnTx/>
+                <a:uFillTx/>
+                <a:latin typeface="Arial"/>
+                <a:ea typeface="+mn-ea"/>
+                <a:cs typeface="+mn-cs"/>
+              </a:rPr>
             </a:br>
             <a:r>
-              <a:rPr lang="en-US" sz="2000" dirty="0"/>
+              <a:rPr kumimoji="0" lang="en-US" sz="2000" b="0" i="0" u="none" strike="noStrike" kern="1200" cap="none" spc="0" normalizeH="0" baseline="0" noProof="0" dirty="0">
+                <a:ln>
+                  <a:noFill/>
+                </a:ln>
+                <a:solidFill>
+                  <a:srgbClr val="000000"/>
+                </a:solidFill>
+                <a:effectLst/>
+                <a:uLnTx/>
+                <a:uFillTx/>
+                <a:latin typeface="Arial"/>
+                <a:ea typeface="+mn-ea"/>
+                <a:cs typeface="+mn-cs"/>
+              </a:rPr>
               <a:t>(usually </a:t>
             </a:r>
             <a:r>
-              <a:rPr lang="en-US" sz="2000" b="1" dirty="0"/>
+              <a:rPr kumimoji="0" lang="en-US" sz="2000" b="1" i="0" u="none" strike="noStrike" kern="1200" cap="none" spc="0" normalizeH="0" baseline="0" noProof="0" dirty="0">
+                <a:ln>
+                  <a:noFill/>
+                </a:ln>
+                <a:solidFill>
+                  <a:srgbClr val="000000"/>
+                </a:solidFill>
+                <a:effectLst/>
+                <a:uLnTx/>
+                <a:uFillTx/>
+                <a:latin typeface="Arial"/>
+                <a:ea typeface="+mn-ea"/>
+                <a:cs typeface="+mn-cs"/>
+              </a:rPr>
               <a:t>pretty well utilized</a:t>
             </a:r>
             <a:r>
-              <a:rPr lang="en-US" sz="2000" dirty="0"/>
+              <a:rPr kumimoji="0" lang="en-US" sz="2000" b="0" i="0" u="none" strike="noStrike" kern="1200" cap="none" spc="0" normalizeH="0" baseline="0" noProof="0" dirty="0">
+                <a:ln>
+                  <a:noFill/>
+                </a:ln>
+                <a:solidFill>
+                  <a:srgbClr val="000000"/>
+                </a:solidFill>
+                <a:effectLst/>
+                <a:uLnTx/>
+                <a:uFillTx/>
+                <a:latin typeface="Arial"/>
+                <a:ea typeface="+mn-ea"/>
+                <a:cs typeface="+mn-cs"/>
+              </a:rPr>
               <a:t>)</a:t>
             </a:r>
           </a:p>
@@ -23669,8 +25236,37 @@
             <a:bodyPr rtlCol="0" anchor="ctr"/>
             <a:lstStyle/>
             <a:p>
-              <a:pPr algn="ctr"/>
-              <a:endParaRPr lang="en-US" dirty="0"/>
+              <a:pPr marL="0" marR="0" lvl="0" indent="0" algn="ctr" defTabSz="1088776" rtl="0" eaLnBrk="1" fontAlgn="auto" latinLnBrk="0" hangingPunct="1">
+                <a:lnSpc>
+                  <a:spcPct val="100000"/>
+                </a:lnSpc>
+                <a:spcBef>
+                  <a:spcPts val="0"/>
+                </a:spcBef>
+                <a:spcAft>
+                  <a:spcPts val="0"/>
+                </a:spcAft>
+                <a:buClrTx/>
+                <a:buSzTx/>
+                <a:buFontTx/>
+                <a:buNone/>
+                <a:tabLst/>
+                <a:defRPr/>
+              </a:pPr>
+              <a:endParaRPr kumimoji="0" lang="en-US" sz="2100" b="0" i="0" u="none" strike="noStrike" kern="1200" cap="none" spc="0" normalizeH="0" baseline="0" noProof="0" dirty="0">
+                <a:ln>
+                  <a:noFill/>
+                </a:ln>
+                <a:solidFill>
+                  <a:srgbClr val="FFFFFF"/>
+                </a:solidFill>
+                <a:effectLst/>
+                <a:uLnTx/>
+                <a:uFillTx/>
+                <a:latin typeface="Arial"/>
+                <a:ea typeface="+mn-ea"/>
+                <a:cs typeface="+mn-cs"/>
+              </a:endParaRPr>
             </a:p>
           </p:txBody>
         </p:sp>
@@ -23715,8 +25311,37 @@
             <a:bodyPr rtlCol="0" anchor="ctr"/>
             <a:lstStyle/>
             <a:p>
-              <a:pPr algn="ctr"/>
-              <a:endParaRPr lang="en-US" dirty="0"/>
+              <a:pPr marL="0" marR="0" lvl="0" indent="0" algn="ctr" defTabSz="1088776" rtl="0" eaLnBrk="1" fontAlgn="auto" latinLnBrk="0" hangingPunct="1">
+                <a:lnSpc>
+                  <a:spcPct val="100000"/>
+                </a:lnSpc>
+                <a:spcBef>
+                  <a:spcPts val="0"/>
+                </a:spcBef>
+                <a:spcAft>
+                  <a:spcPts val="0"/>
+                </a:spcAft>
+                <a:buClrTx/>
+                <a:buSzTx/>
+                <a:buFontTx/>
+                <a:buNone/>
+                <a:tabLst/>
+                <a:defRPr/>
+              </a:pPr>
+              <a:endParaRPr kumimoji="0" lang="en-US" sz="2100" b="0" i="0" u="none" strike="noStrike" kern="1200" cap="none" spc="0" normalizeH="0" baseline="0" noProof="0" dirty="0">
+                <a:ln>
+                  <a:noFill/>
+                </a:ln>
+                <a:solidFill>
+                  <a:srgbClr val="FFFFFF"/>
+                </a:solidFill>
+                <a:effectLst/>
+                <a:uLnTx/>
+                <a:uFillTx/>
+                <a:latin typeface="Arial"/>
+                <a:ea typeface="+mn-ea"/>
+                <a:cs typeface="+mn-cs"/>
+              </a:endParaRPr>
             </a:p>
           </p:txBody>
         </p:sp>
@@ -23761,8 +25386,37 @@
             <a:bodyPr rtlCol="0" anchor="ctr"/>
             <a:lstStyle/>
             <a:p>
-              <a:pPr algn="ctr"/>
-              <a:endParaRPr lang="en-US" dirty="0"/>
+              <a:pPr marL="0" marR="0" lvl="0" indent="0" algn="ctr" defTabSz="1088776" rtl="0" eaLnBrk="1" fontAlgn="auto" latinLnBrk="0" hangingPunct="1">
+                <a:lnSpc>
+                  <a:spcPct val="100000"/>
+                </a:lnSpc>
+                <a:spcBef>
+                  <a:spcPts val="0"/>
+                </a:spcBef>
+                <a:spcAft>
+                  <a:spcPts val="0"/>
+                </a:spcAft>
+                <a:buClrTx/>
+                <a:buSzTx/>
+                <a:buFontTx/>
+                <a:buNone/>
+                <a:tabLst/>
+                <a:defRPr/>
+              </a:pPr>
+              <a:endParaRPr kumimoji="0" lang="en-US" sz="2100" b="0" i="0" u="none" strike="noStrike" kern="1200" cap="none" spc="0" normalizeH="0" baseline="0" noProof="0" dirty="0">
+                <a:ln>
+                  <a:noFill/>
+                </a:ln>
+                <a:solidFill>
+                  <a:srgbClr val="FFFFFF"/>
+                </a:solidFill>
+                <a:effectLst/>
+                <a:uLnTx/>
+                <a:uFillTx/>
+                <a:latin typeface="Arial"/>
+                <a:ea typeface="+mn-ea"/>
+                <a:cs typeface="+mn-cs"/>
+              </a:endParaRPr>
             </a:p>
           </p:txBody>
         </p:sp>
@@ -23798,12 +25452,34 @@
             <a:bodyPr rtlCol="0" anchor="ctr"/>
             <a:lstStyle/>
             <a:p>
-              <a:pPr algn="ctr" defTabSz="914126"/>
+              <a:pPr marL="0" marR="0" lvl="0" indent="0" algn="ctr" defTabSz="914126" rtl="0" eaLnBrk="1" fontAlgn="auto" latinLnBrk="0" hangingPunct="1">
+                <a:lnSpc>
+                  <a:spcPct val="100000"/>
+                </a:lnSpc>
+                <a:spcBef>
+                  <a:spcPts val="0"/>
+                </a:spcBef>
+                <a:spcAft>
+                  <a:spcPts val="0"/>
+                </a:spcAft>
+                <a:buClrTx/>
+                <a:buSzTx/>
+                <a:buFontTx/>
+                <a:buNone/>
+                <a:tabLst/>
+                <a:defRPr/>
+              </a:pPr>
               <a:r>
-                <a:rPr lang="en-US" sz="800" kern="0" dirty="0">
+                <a:rPr kumimoji="0" lang="en-US" sz="800" b="0" i="0" u="none" strike="noStrike" kern="0" cap="none" spc="0" normalizeH="0" baseline="0" noProof="0" dirty="0">
+                  <a:ln>
+                    <a:noFill/>
+                  </a:ln>
                   <a:solidFill>
                     <a:prstClr val="white"/>
                   </a:solidFill>
+                  <a:effectLst/>
+                  <a:uLnTx/>
+                  <a:uFillTx/>
                   <a:latin typeface="Calibri" panose="020F0502020204030204"/>
                   <a:ea typeface=""/>
                   <a:cs typeface=""/>
@@ -23845,12 +25521,34 @@
             <a:bodyPr rtlCol="0" anchor="ctr"/>
             <a:lstStyle/>
             <a:p>
-              <a:pPr algn="ctr" defTabSz="914126"/>
+              <a:pPr marL="0" marR="0" lvl="0" indent="0" algn="ctr" defTabSz="914126" rtl="0" eaLnBrk="1" fontAlgn="auto" latinLnBrk="0" hangingPunct="1">
+                <a:lnSpc>
+                  <a:spcPct val="100000"/>
+                </a:lnSpc>
+                <a:spcBef>
+                  <a:spcPts val="0"/>
+                </a:spcBef>
+                <a:spcAft>
+                  <a:spcPts val="0"/>
+                </a:spcAft>
+                <a:buClrTx/>
+                <a:buSzTx/>
+                <a:buFontTx/>
+                <a:buNone/>
+                <a:tabLst/>
+                <a:defRPr/>
+              </a:pPr>
               <a:r>
-                <a:rPr lang="en-US" sz="800" kern="0" dirty="0">
+                <a:rPr kumimoji="0" lang="en-US" sz="800" b="0" i="0" u="none" strike="noStrike" kern="0" cap="none" spc="0" normalizeH="0" baseline="0" noProof="0" dirty="0">
+                  <a:ln>
+                    <a:noFill/>
+                  </a:ln>
                   <a:solidFill>
                     <a:prstClr val="white"/>
                   </a:solidFill>
+                  <a:effectLst/>
+                  <a:uLnTx/>
+                  <a:uFillTx/>
                   <a:latin typeface="Calibri" panose="020F0502020204030204"/>
                   <a:ea typeface=""/>
                   <a:cs typeface=""/>
@@ -23892,12 +25590,34 @@
             <a:bodyPr rtlCol="0" anchor="ctr"/>
             <a:lstStyle/>
             <a:p>
-              <a:pPr algn="ctr" defTabSz="914126"/>
+              <a:pPr marL="0" marR="0" lvl="0" indent="0" algn="ctr" defTabSz="914126" rtl="0" eaLnBrk="1" fontAlgn="auto" latinLnBrk="0" hangingPunct="1">
+                <a:lnSpc>
+                  <a:spcPct val="100000"/>
+                </a:lnSpc>
+                <a:spcBef>
+                  <a:spcPts val="0"/>
+                </a:spcBef>
+                <a:spcAft>
+                  <a:spcPts val="0"/>
+                </a:spcAft>
+                <a:buClrTx/>
+                <a:buSzTx/>
+                <a:buFontTx/>
+                <a:buNone/>
+                <a:tabLst/>
+                <a:defRPr/>
+              </a:pPr>
               <a:r>
-                <a:rPr lang="en-US" sz="800" kern="0" dirty="0">
+                <a:rPr kumimoji="0" lang="en-US" sz="800" b="0" i="0" u="none" strike="noStrike" kern="0" cap="none" spc="0" normalizeH="0" baseline="0" noProof="0" dirty="0">
+                  <a:ln>
+                    <a:noFill/>
+                  </a:ln>
                   <a:solidFill>
                     <a:prstClr val="white"/>
                   </a:solidFill>
+                  <a:effectLst/>
+                  <a:uLnTx/>
+                  <a:uFillTx/>
                   <a:latin typeface="Calibri" panose="020F0502020204030204"/>
                   <a:ea typeface=""/>
                   <a:cs typeface=""/>
@@ -23939,12 +25659,34 @@
             <a:bodyPr rtlCol="0" anchor="ctr"/>
             <a:lstStyle/>
             <a:p>
-              <a:pPr algn="ctr" defTabSz="914126"/>
+              <a:pPr marL="0" marR="0" lvl="0" indent="0" algn="ctr" defTabSz="914126" rtl="0" eaLnBrk="1" fontAlgn="auto" latinLnBrk="0" hangingPunct="1">
+                <a:lnSpc>
+                  <a:spcPct val="100000"/>
+                </a:lnSpc>
+                <a:spcBef>
+                  <a:spcPts val="0"/>
+                </a:spcBef>
+                <a:spcAft>
+                  <a:spcPts val="0"/>
+                </a:spcAft>
+                <a:buClrTx/>
+                <a:buSzTx/>
+                <a:buFontTx/>
+                <a:buNone/>
+                <a:tabLst/>
+                <a:defRPr/>
+              </a:pPr>
               <a:r>
-                <a:rPr lang="en-US" sz="800" kern="0" dirty="0">
+                <a:rPr kumimoji="0" lang="en-US" sz="800" b="0" i="0" u="none" strike="noStrike" kern="0" cap="none" spc="0" normalizeH="0" baseline="0" noProof="0" dirty="0">
+                  <a:ln>
+                    <a:noFill/>
+                  </a:ln>
                   <a:solidFill>
                     <a:prstClr val="white"/>
                   </a:solidFill>
+                  <a:effectLst/>
+                  <a:uLnTx/>
+                  <a:uFillTx/>
                   <a:latin typeface="Calibri" panose="020F0502020204030204"/>
                   <a:ea typeface=""/>
                   <a:cs typeface=""/>
@@ -23986,12 +25728,34 @@
             <a:bodyPr rtlCol="0" anchor="ctr"/>
             <a:lstStyle/>
             <a:p>
-              <a:pPr algn="ctr" defTabSz="914126"/>
+              <a:pPr marL="0" marR="0" lvl="0" indent="0" algn="ctr" defTabSz="914126" rtl="0" eaLnBrk="1" fontAlgn="auto" latinLnBrk="0" hangingPunct="1">
+                <a:lnSpc>
+                  <a:spcPct val="100000"/>
+                </a:lnSpc>
+                <a:spcBef>
+                  <a:spcPts val="0"/>
+                </a:spcBef>
+                <a:spcAft>
+                  <a:spcPts val="0"/>
+                </a:spcAft>
+                <a:buClrTx/>
+                <a:buSzTx/>
+                <a:buFontTx/>
+                <a:buNone/>
+                <a:tabLst/>
+                <a:defRPr/>
+              </a:pPr>
               <a:r>
-                <a:rPr lang="en-US" sz="800" kern="0" dirty="0">
+                <a:rPr kumimoji="0" lang="en-US" sz="800" b="0" i="0" u="none" strike="noStrike" kern="0" cap="none" spc="0" normalizeH="0" baseline="0" noProof="0" dirty="0">
+                  <a:ln>
+                    <a:noFill/>
+                  </a:ln>
                   <a:solidFill>
                     <a:prstClr val="white"/>
                   </a:solidFill>
+                  <a:effectLst/>
+                  <a:uLnTx/>
+                  <a:uFillTx/>
                   <a:latin typeface="Calibri" panose="020F0502020204030204"/>
                   <a:ea typeface=""/>
                   <a:cs typeface=""/>
@@ -24033,12 +25797,34 @@
             <a:bodyPr rtlCol="0" anchor="ctr"/>
             <a:lstStyle/>
             <a:p>
-              <a:pPr algn="ctr" defTabSz="914126"/>
+              <a:pPr marL="0" marR="0" lvl="0" indent="0" algn="ctr" defTabSz="914126" rtl="0" eaLnBrk="1" fontAlgn="auto" latinLnBrk="0" hangingPunct="1">
+                <a:lnSpc>
+                  <a:spcPct val="100000"/>
+                </a:lnSpc>
+                <a:spcBef>
+                  <a:spcPts val="0"/>
+                </a:spcBef>
+                <a:spcAft>
+                  <a:spcPts val="0"/>
+                </a:spcAft>
+                <a:buClrTx/>
+                <a:buSzTx/>
+                <a:buFontTx/>
+                <a:buNone/>
+                <a:tabLst/>
+                <a:defRPr/>
+              </a:pPr>
               <a:r>
-                <a:rPr lang="en-US" sz="800" kern="0" dirty="0">
+                <a:rPr kumimoji="0" lang="en-US" sz="800" b="0" i="0" u="none" strike="noStrike" kern="0" cap="none" spc="0" normalizeH="0" baseline="0" noProof="0" dirty="0">
+                  <a:ln>
+                    <a:noFill/>
+                  </a:ln>
                   <a:solidFill>
                     <a:prstClr val="white"/>
                   </a:solidFill>
+                  <a:effectLst/>
+                  <a:uLnTx/>
+                  <a:uFillTx/>
                   <a:latin typeface="Calibri" panose="020F0502020204030204"/>
                   <a:ea typeface=""/>
                   <a:cs typeface=""/>
@@ -24070,11 +25856,54 @@
             </a:bodyPr>
             <a:lstStyle/>
             <a:p>
+              <a:pPr marL="0" marR="0" lvl="0" indent="0" algn="l" defTabSz="1088776" rtl="0" eaLnBrk="1" fontAlgn="auto" latinLnBrk="0" hangingPunct="1">
+                <a:lnSpc>
+                  <a:spcPct val="100000"/>
+                </a:lnSpc>
+                <a:spcBef>
+                  <a:spcPts val="0"/>
+                </a:spcBef>
+                <a:spcAft>
+                  <a:spcPts val="0"/>
+                </a:spcAft>
+                <a:buClrTx/>
+                <a:buSzTx/>
+                <a:buFontTx/>
+                <a:buNone/>
+                <a:tabLst/>
+                <a:defRPr/>
+              </a:pPr>
               <a:r>
-                <a:rPr lang="en-US" sz="1800" dirty="0"/>
+                <a:rPr kumimoji="0" lang="en-US" sz="1800" b="0" i="0" u="none" strike="noStrike" kern="1200" cap="none" spc="0" normalizeH="0" baseline="0" noProof="0" dirty="0">
+                  <a:ln>
+                    <a:noFill/>
+                  </a:ln>
+                  <a:solidFill>
+                    <a:srgbClr val="000000"/>
+                  </a:solidFill>
+                  <a:effectLst/>
+                  <a:uLnTx/>
+                  <a:uFillTx/>
+                  <a:latin typeface="Arial"/>
+                  <a:ea typeface="+mn-ea"/>
+                  <a:cs typeface="+mn-cs"/>
+                </a:rPr>
                 <a:t>HA</a:t>
               </a:r>
-              <a:endParaRPr lang="en-US" dirty="0"/>
+              <a:endParaRPr kumimoji="0" lang="en-US" sz="2100" b="0" i="0" u="none" strike="noStrike" kern="1200" cap="none" spc="0" normalizeH="0" baseline="0" noProof="0" dirty="0">
+                <a:ln>
+                  <a:noFill/>
+                </a:ln>
+                <a:solidFill>
+                  <a:srgbClr val="000000"/>
+                </a:solidFill>
+                <a:effectLst/>
+                <a:uLnTx/>
+                <a:uFillTx/>
+                <a:latin typeface="Arial"/>
+                <a:ea typeface="+mn-ea"/>
+                <a:cs typeface="+mn-cs"/>
+              </a:endParaRPr>
             </a:p>
           </p:txBody>
         </p:sp>
@@ -24110,12 +25939,34 @@
             <a:bodyPr rtlCol="0" anchor="ctr"/>
             <a:lstStyle/>
             <a:p>
-              <a:pPr algn="ctr" defTabSz="914126"/>
+              <a:pPr marL="0" marR="0" lvl="0" indent="0" algn="ctr" defTabSz="914126" rtl="0" eaLnBrk="1" fontAlgn="auto" latinLnBrk="0" hangingPunct="1">
+                <a:lnSpc>
+                  <a:spcPct val="100000"/>
+                </a:lnSpc>
+                <a:spcBef>
+                  <a:spcPts val="0"/>
+                </a:spcBef>
+                <a:spcAft>
+                  <a:spcPts val="0"/>
+                </a:spcAft>
+                <a:buClrTx/>
+                <a:buSzTx/>
+                <a:buFontTx/>
+                <a:buNone/>
+                <a:tabLst/>
+                <a:defRPr/>
+              </a:pPr>
               <a:r>
-                <a:rPr lang="en-US" sz="800" kern="0" dirty="0">
+                <a:rPr kumimoji="0" lang="en-US" sz="800" b="0" i="0" u="none" strike="noStrike" kern="0" cap="none" spc="0" normalizeH="0" baseline="0" noProof="0" dirty="0">
+                  <a:ln>
+                    <a:noFill/>
+                  </a:ln>
                   <a:solidFill>
                     <a:prstClr val="white"/>
                   </a:solidFill>
+                  <a:effectLst/>
+                  <a:uLnTx/>
+                  <a:uFillTx/>
                   <a:latin typeface="Calibri" panose="020F0502020204030204"/>
                   <a:ea typeface=""/>
                   <a:cs typeface=""/>
@@ -24157,12 +26008,34 @@
             <a:bodyPr rtlCol="0" anchor="ctr"/>
             <a:lstStyle/>
             <a:p>
-              <a:pPr algn="ctr" defTabSz="914126"/>
+              <a:pPr marL="0" marR="0" lvl="0" indent="0" algn="ctr" defTabSz="914126" rtl="0" eaLnBrk="1" fontAlgn="auto" latinLnBrk="0" hangingPunct="1">
+                <a:lnSpc>
+                  <a:spcPct val="100000"/>
+                </a:lnSpc>
+                <a:spcBef>
+                  <a:spcPts val="0"/>
+                </a:spcBef>
+                <a:spcAft>
+                  <a:spcPts val="0"/>
+                </a:spcAft>
+                <a:buClrTx/>
+                <a:buSzTx/>
+                <a:buFontTx/>
+                <a:buNone/>
+                <a:tabLst/>
+                <a:defRPr/>
+              </a:pPr>
               <a:r>
-                <a:rPr lang="en-US" sz="800" kern="0" dirty="0">
+                <a:rPr kumimoji="0" lang="en-US" sz="800" b="0" i="0" u="none" strike="noStrike" kern="0" cap="none" spc="0" normalizeH="0" baseline="0" noProof="0" dirty="0">
+                  <a:ln>
+                    <a:noFill/>
+                  </a:ln>
                   <a:solidFill>
                     <a:prstClr val="white"/>
                   </a:solidFill>
+                  <a:effectLst/>
+                  <a:uLnTx/>
+                  <a:uFillTx/>
                   <a:latin typeface="Calibri" panose="020F0502020204030204"/>
                   <a:ea typeface=""/>
                   <a:cs typeface=""/>
@@ -24204,12 +26077,34 @@
             <a:bodyPr rtlCol="0" anchor="ctr"/>
             <a:lstStyle/>
             <a:p>
-              <a:pPr algn="ctr" defTabSz="914126"/>
+              <a:pPr marL="0" marR="0" lvl="0" indent="0" algn="ctr" defTabSz="914126" rtl="0" eaLnBrk="1" fontAlgn="auto" latinLnBrk="0" hangingPunct="1">
+                <a:lnSpc>
+                  <a:spcPct val="100000"/>
+                </a:lnSpc>
+                <a:spcBef>
+                  <a:spcPts val="0"/>
+                </a:spcBef>
+                <a:spcAft>
+                  <a:spcPts val="0"/>
+                </a:spcAft>
+                <a:buClrTx/>
+                <a:buSzTx/>
+                <a:buFontTx/>
+                <a:buNone/>
+                <a:tabLst/>
+                <a:defRPr/>
+              </a:pPr>
               <a:r>
-                <a:rPr lang="en-US" sz="800" kern="0" dirty="0">
+                <a:rPr kumimoji="0" lang="en-US" sz="800" b="0" i="0" u="none" strike="noStrike" kern="0" cap="none" spc="0" normalizeH="0" baseline="0" noProof="0" dirty="0">
+                  <a:ln>
+                    <a:noFill/>
+                  </a:ln>
                   <a:solidFill>
                     <a:prstClr val="white"/>
                   </a:solidFill>
+                  <a:effectLst/>
+                  <a:uLnTx/>
+                  <a:uFillTx/>
                   <a:latin typeface="Calibri" panose="020F0502020204030204"/>
                   <a:ea typeface=""/>
                   <a:cs typeface=""/>
@@ -24251,12 +26146,34 @@
             <a:bodyPr rtlCol="0" anchor="ctr"/>
             <a:lstStyle/>
             <a:p>
-              <a:pPr algn="ctr" defTabSz="914126"/>
+              <a:pPr marL="0" marR="0" lvl="0" indent="0" algn="ctr" defTabSz="914126" rtl="0" eaLnBrk="1" fontAlgn="auto" latinLnBrk="0" hangingPunct="1">
+                <a:lnSpc>
+                  <a:spcPct val="100000"/>
+                </a:lnSpc>
+                <a:spcBef>
+                  <a:spcPts val="0"/>
+                </a:spcBef>
+                <a:spcAft>
+                  <a:spcPts val="0"/>
+                </a:spcAft>
+                <a:buClrTx/>
+                <a:buSzTx/>
+                <a:buFontTx/>
+                <a:buNone/>
+                <a:tabLst/>
+                <a:defRPr/>
+              </a:pPr>
               <a:r>
-                <a:rPr lang="en-US" sz="800" kern="0" dirty="0">
+                <a:rPr kumimoji="0" lang="en-US" sz="800" b="0" i="0" u="none" strike="noStrike" kern="0" cap="none" spc="0" normalizeH="0" baseline="0" noProof="0" dirty="0">
+                  <a:ln>
+                    <a:noFill/>
+                  </a:ln>
                   <a:solidFill>
                     <a:prstClr val="white"/>
                   </a:solidFill>
+                  <a:effectLst/>
+                  <a:uLnTx/>
+                  <a:uFillTx/>
                   <a:latin typeface="Calibri" panose="020F0502020204030204"/>
                   <a:ea typeface=""/>
                   <a:cs typeface=""/>
@@ -24298,12 +26215,34 @@
             <a:bodyPr rtlCol="0" anchor="ctr"/>
             <a:lstStyle/>
             <a:p>
-              <a:pPr algn="ctr" defTabSz="914126"/>
+              <a:pPr marL="0" marR="0" lvl="0" indent="0" algn="ctr" defTabSz="914126" rtl="0" eaLnBrk="1" fontAlgn="auto" latinLnBrk="0" hangingPunct="1">
+                <a:lnSpc>
+                  <a:spcPct val="100000"/>
+                </a:lnSpc>
+                <a:spcBef>
+                  <a:spcPts val="0"/>
+                </a:spcBef>
+                <a:spcAft>
+                  <a:spcPts val="0"/>
+                </a:spcAft>
+                <a:buClrTx/>
+                <a:buSzTx/>
+                <a:buFontTx/>
+                <a:buNone/>
+                <a:tabLst/>
+                <a:defRPr/>
+              </a:pPr>
               <a:r>
-                <a:rPr lang="en-US" sz="800" kern="0" dirty="0">
+                <a:rPr kumimoji="0" lang="en-US" sz="800" b="0" i="0" u="none" strike="noStrike" kern="0" cap="none" spc="0" normalizeH="0" baseline="0" noProof="0" dirty="0">
+                  <a:ln>
+                    <a:noFill/>
+                  </a:ln>
                   <a:solidFill>
                     <a:prstClr val="white"/>
                   </a:solidFill>
+                  <a:effectLst/>
+                  <a:uLnTx/>
+                  <a:uFillTx/>
                   <a:latin typeface="Calibri" panose="020F0502020204030204"/>
                   <a:ea typeface=""/>
                   <a:cs typeface=""/>
@@ -24335,8 +26274,38 @@
             </a:bodyPr>
             <a:lstStyle/>
             <a:p>
+              <a:pPr marL="0" marR="0" lvl="0" indent="0" algn="l" defTabSz="1088776" rtl="0" eaLnBrk="1" fontAlgn="auto" latinLnBrk="0" hangingPunct="1">
+                <a:lnSpc>
+                  <a:spcPct val="100000"/>
+                </a:lnSpc>
+                <a:spcBef>
+                  <a:spcPts val="0"/>
+                </a:spcBef>
+                <a:spcAft>
+                  <a:spcPts val="0"/>
+                </a:spcAft>
+                <a:buClrTx/>
+                <a:buSzTx/>
+                <a:buFontTx/>
+                <a:buNone/>
+                <a:tabLst/>
+                <a:defRPr/>
+              </a:pPr>
               <a:r>
-                <a:rPr lang="en-US" sz="1800" dirty="0"/>
+                <a:rPr kumimoji="0" lang="en-US" sz="1800" b="0" i="0" u="none" strike="noStrike" kern="1200" cap="none" spc="0" normalizeH="0" baseline="0" noProof="0" dirty="0">
+                  <a:ln>
+                    <a:noFill/>
+                  </a:ln>
+                  <a:solidFill>
+                    <a:srgbClr val="000000"/>
+                  </a:solidFill>
+                  <a:effectLst/>
+                  <a:uLnTx/>
+                  <a:uFillTx/>
+                  <a:latin typeface="Arial"/>
+                  <a:ea typeface="+mn-ea"/>
+                  <a:cs typeface="+mn-cs"/>
+                </a:rPr>
                 <a:t>HA</a:t>
               </a:r>
             </a:p>
@@ -24374,12 +26343,34 @@
             <a:bodyPr rtlCol="0" anchor="ctr"/>
             <a:lstStyle/>
             <a:p>
-              <a:pPr algn="ctr" defTabSz="914126"/>
+              <a:pPr marL="0" marR="0" lvl="0" indent="0" algn="ctr" defTabSz="914126" rtl="0" eaLnBrk="1" fontAlgn="auto" latinLnBrk="0" hangingPunct="1">
+                <a:lnSpc>
+                  <a:spcPct val="100000"/>
+                </a:lnSpc>
+                <a:spcBef>
+                  <a:spcPts val="0"/>
+                </a:spcBef>
+                <a:spcAft>
+                  <a:spcPts val="0"/>
+                </a:spcAft>
+                <a:buClrTx/>
+                <a:buSzTx/>
+                <a:buFontTx/>
+                <a:buNone/>
+                <a:tabLst/>
+                <a:defRPr/>
+              </a:pPr>
               <a:r>
-                <a:rPr lang="en-US" sz="800" kern="0" dirty="0">
+                <a:rPr kumimoji="0" lang="en-US" sz="800" b="0" i="0" u="none" strike="noStrike" kern="0" cap="none" spc="0" normalizeH="0" baseline="0" noProof="0" dirty="0">
+                  <a:ln>
+                    <a:noFill/>
+                  </a:ln>
                   <a:solidFill>
                     <a:prstClr val="white"/>
                   </a:solidFill>
+                  <a:effectLst/>
+                  <a:uLnTx/>
+                  <a:uFillTx/>
                   <a:latin typeface="Calibri" panose="020F0502020204030204"/>
                   <a:ea typeface=""/>
                   <a:cs typeface=""/>
@@ -24421,12 +26412,34 @@
             <a:bodyPr rtlCol="0" anchor="ctr"/>
             <a:lstStyle/>
             <a:p>
-              <a:pPr algn="ctr" defTabSz="914126"/>
+              <a:pPr marL="0" marR="0" lvl="0" indent="0" algn="ctr" defTabSz="914126" rtl="0" eaLnBrk="1" fontAlgn="auto" latinLnBrk="0" hangingPunct="1">
+                <a:lnSpc>
+                  <a:spcPct val="100000"/>
+                </a:lnSpc>
+                <a:spcBef>
+                  <a:spcPts val="0"/>
+                </a:spcBef>
+                <a:spcAft>
+                  <a:spcPts val="0"/>
+                </a:spcAft>
+                <a:buClrTx/>
+                <a:buSzTx/>
+                <a:buFontTx/>
+                <a:buNone/>
+                <a:tabLst/>
+                <a:defRPr/>
+              </a:pPr>
               <a:r>
-                <a:rPr lang="en-US" sz="800" kern="0" dirty="0">
+                <a:rPr kumimoji="0" lang="en-US" sz="800" b="0" i="0" u="none" strike="noStrike" kern="0" cap="none" spc="0" normalizeH="0" baseline="0" noProof="0" dirty="0">
+                  <a:ln>
+                    <a:noFill/>
+                  </a:ln>
                   <a:solidFill>
                     <a:prstClr val="white"/>
                   </a:solidFill>
+                  <a:effectLst/>
+                  <a:uLnTx/>
+                  <a:uFillTx/>
                   <a:latin typeface="Calibri" panose="020F0502020204030204"/>
                   <a:ea typeface=""/>
                   <a:cs typeface=""/>
@@ -24468,12 +26481,34 @@
             <a:bodyPr rtlCol="0" anchor="ctr"/>
             <a:lstStyle/>
             <a:p>
-              <a:pPr algn="ctr" defTabSz="914126"/>
+              <a:pPr marL="0" marR="0" lvl="0" indent="0" algn="ctr" defTabSz="914126" rtl="0" eaLnBrk="1" fontAlgn="auto" latinLnBrk="0" hangingPunct="1">
+                <a:lnSpc>
+                  <a:spcPct val="100000"/>
+                </a:lnSpc>
+                <a:spcBef>
+                  <a:spcPts val="0"/>
+                </a:spcBef>
+                <a:spcAft>
+                  <a:spcPts val="0"/>
+                </a:spcAft>
+                <a:buClrTx/>
+                <a:buSzTx/>
+                <a:buFontTx/>
+                <a:buNone/>
+                <a:tabLst/>
+                <a:defRPr/>
+              </a:pPr>
               <a:r>
-                <a:rPr lang="en-US" sz="800" kern="0" dirty="0">
+                <a:rPr kumimoji="0" lang="en-US" sz="800" b="0" i="0" u="none" strike="noStrike" kern="0" cap="none" spc="0" normalizeH="0" baseline="0" noProof="0" dirty="0">
+                  <a:ln>
+                    <a:noFill/>
+                  </a:ln>
                   <a:solidFill>
                     <a:prstClr val="white"/>
                   </a:solidFill>
+                  <a:effectLst/>
+                  <a:uLnTx/>
+                  <a:uFillTx/>
                   <a:latin typeface="Calibri" panose="020F0502020204030204"/>
                   <a:ea typeface=""/>
                   <a:cs typeface=""/>
@@ -24515,12 +26550,34 @@
             <a:bodyPr rtlCol="0" anchor="ctr"/>
             <a:lstStyle/>
             <a:p>
-              <a:pPr algn="ctr" defTabSz="914126"/>
+              <a:pPr marL="0" marR="0" lvl="0" indent="0" algn="ctr" defTabSz="914126" rtl="0" eaLnBrk="1" fontAlgn="auto" latinLnBrk="0" hangingPunct="1">
+                <a:lnSpc>
+                  <a:spcPct val="100000"/>
+                </a:lnSpc>
+                <a:spcBef>
+                  <a:spcPts val="0"/>
+                </a:spcBef>
+                <a:spcAft>
+                  <a:spcPts val="0"/>
+                </a:spcAft>
+                <a:buClrTx/>
+                <a:buSzTx/>
+                <a:buFontTx/>
+                <a:buNone/>
+                <a:tabLst/>
+                <a:defRPr/>
+              </a:pPr>
               <a:r>
-                <a:rPr lang="en-US" sz="800" kern="0" dirty="0">
+                <a:rPr kumimoji="0" lang="en-US" sz="800" b="0" i="0" u="none" strike="noStrike" kern="0" cap="none" spc="0" normalizeH="0" baseline="0" noProof="0" dirty="0">
+                  <a:ln>
+                    <a:noFill/>
+                  </a:ln>
                   <a:solidFill>
                     <a:prstClr val="white"/>
                   </a:solidFill>
+                  <a:effectLst/>
+                  <a:uLnTx/>
+                  <a:uFillTx/>
                   <a:latin typeface="Calibri" panose="020F0502020204030204"/>
                   <a:ea typeface=""/>
                   <a:cs typeface=""/>
@@ -24562,12 +26619,34 @@
             <a:bodyPr rtlCol="0" anchor="ctr"/>
             <a:lstStyle/>
             <a:p>
-              <a:pPr algn="ctr" defTabSz="914126"/>
+              <a:pPr marL="0" marR="0" lvl="0" indent="0" algn="ctr" defTabSz="914126" rtl="0" eaLnBrk="1" fontAlgn="auto" latinLnBrk="0" hangingPunct="1">
+                <a:lnSpc>
+                  <a:spcPct val="100000"/>
+                </a:lnSpc>
+                <a:spcBef>
+                  <a:spcPts val="0"/>
+                </a:spcBef>
+                <a:spcAft>
+                  <a:spcPts val="0"/>
+                </a:spcAft>
+                <a:buClrTx/>
+                <a:buSzTx/>
+                <a:buFontTx/>
+                <a:buNone/>
+                <a:tabLst/>
+                <a:defRPr/>
+              </a:pPr>
               <a:r>
-                <a:rPr lang="en-US" sz="800" kern="0" dirty="0">
+                <a:rPr kumimoji="0" lang="en-US" sz="800" b="0" i="0" u="none" strike="noStrike" kern="0" cap="none" spc="0" normalizeH="0" baseline="0" noProof="0" dirty="0">
+                  <a:ln>
+                    <a:noFill/>
+                  </a:ln>
                   <a:solidFill>
                     <a:prstClr val="white"/>
                   </a:solidFill>
+                  <a:effectLst/>
+                  <a:uLnTx/>
+                  <a:uFillTx/>
                   <a:latin typeface="Calibri" panose="020F0502020204030204"/>
                   <a:ea typeface=""/>
                   <a:cs typeface=""/>
@@ -24609,12 +26688,34 @@
             <a:bodyPr rtlCol="0" anchor="ctr"/>
             <a:lstStyle/>
             <a:p>
-              <a:pPr algn="ctr" defTabSz="914126"/>
+              <a:pPr marL="0" marR="0" lvl="0" indent="0" algn="ctr" defTabSz="914126" rtl="0" eaLnBrk="1" fontAlgn="auto" latinLnBrk="0" hangingPunct="1">
+                <a:lnSpc>
+                  <a:spcPct val="100000"/>
+                </a:lnSpc>
+                <a:spcBef>
+                  <a:spcPts val="0"/>
+                </a:spcBef>
+                <a:spcAft>
+                  <a:spcPts val="0"/>
+                </a:spcAft>
+                <a:buClrTx/>
+                <a:buSzTx/>
+                <a:buFontTx/>
+                <a:buNone/>
+                <a:tabLst/>
+                <a:defRPr/>
+              </a:pPr>
               <a:r>
-                <a:rPr lang="en-US" sz="800" kern="0" dirty="0">
+                <a:rPr kumimoji="0" lang="en-US" sz="800" b="0" i="0" u="none" strike="noStrike" kern="0" cap="none" spc="0" normalizeH="0" baseline="0" noProof="0" dirty="0">
+                  <a:ln>
+                    <a:noFill/>
+                  </a:ln>
                   <a:solidFill>
                     <a:prstClr val="white"/>
                   </a:solidFill>
+                  <a:effectLst/>
+                  <a:uLnTx/>
+                  <a:uFillTx/>
                   <a:latin typeface="Calibri" panose="020F0502020204030204"/>
                   <a:ea typeface=""/>
                   <a:cs typeface=""/>
@@ -24656,12 +26757,34 @@
             <a:bodyPr rtlCol="0" anchor="ctr"/>
             <a:lstStyle/>
             <a:p>
-              <a:pPr algn="ctr" defTabSz="914126"/>
+              <a:pPr marL="0" marR="0" lvl="0" indent="0" algn="ctr" defTabSz="914126" rtl="0" eaLnBrk="1" fontAlgn="auto" latinLnBrk="0" hangingPunct="1">
+                <a:lnSpc>
+                  <a:spcPct val="100000"/>
+                </a:lnSpc>
+                <a:spcBef>
+                  <a:spcPts val="0"/>
+                </a:spcBef>
+                <a:spcAft>
+                  <a:spcPts val="0"/>
+                </a:spcAft>
+                <a:buClrTx/>
+                <a:buSzTx/>
+                <a:buFontTx/>
+                <a:buNone/>
+                <a:tabLst/>
+                <a:defRPr/>
+              </a:pPr>
               <a:r>
-                <a:rPr lang="en-US" sz="800" kern="0" dirty="0">
+                <a:rPr kumimoji="0" lang="en-US" sz="800" b="0" i="0" u="none" strike="noStrike" kern="0" cap="none" spc="0" normalizeH="0" baseline="0" noProof="0" dirty="0">
+                  <a:ln>
+                    <a:noFill/>
+                  </a:ln>
                   <a:solidFill>
                     <a:prstClr val="white"/>
                   </a:solidFill>
+                  <a:effectLst/>
+                  <a:uLnTx/>
+                  <a:uFillTx/>
                   <a:latin typeface="Calibri" panose="020F0502020204030204"/>
                   <a:ea typeface=""/>
                   <a:cs typeface=""/>
@@ -24693,8 +26816,38 @@
             </a:bodyPr>
             <a:lstStyle/>
             <a:p>
+              <a:pPr marL="0" marR="0" lvl="0" indent="0" algn="l" defTabSz="1088776" rtl="0" eaLnBrk="1" fontAlgn="auto" latinLnBrk="0" hangingPunct="1">
+                <a:lnSpc>
+                  <a:spcPct val="100000"/>
+                </a:lnSpc>
+                <a:spcBef>
+                  <a:spcPts val="0"/>
+                </a:spcBef>
+                <a:spcAft>
+                  <a:spcPts val="0"/>
+                </a:spcAft>
+                <a:buClrTx/>
+                <a:buSzTx/>
+                <a:buFontTx/>
+                <a:buNone/>
+                <a:tabLst/>
+                <a:defRPr/>
+              </a:pPr>
               <a:r>
-                <a:rPr lang="en-US" sz="1800" dirty="0"/>
+                <a:rPr kumimoji="0" lang="en-US" sz="1800" b="0" i="0" u="none" strike="noStrike" kern="1200" cap="none" spc="0" normalizeH="0" baseline="0" noProof="0" dirty="0">
+                  <a:ln>
+                    <a:noFill/>
+                  </a:ln>
+                  <a:solidFill>
+                    <a:srgbClr val="000000"/>
+                  </a:solidFill>
+                  <a:effectLst/>
+                  <a:uLnTx/>
+                  <a:uFillTx/>
+                  <a:latin typeface="Arial"/>
+                  <a:ea typeface="+mn-ea"/>
+                  <a:cs typeface="+mn-cs"/>
+                </a:rPr>
                 <a:t>HA</a:t>
               </a:r>
             </a:p>
@@ -24732,12 +26885,34 @@
             <a:bodyPr rtlCol="0" anchor="ctr"/>
             <a:lstStyle/>
             <a:p>
-              <a:pPr algn="ctr" defTabSz="914126"/>
+              <a:pPr marL="0" marR="0" lvl="0" indent="0" algn="ctr" defTabSz="914126" rtl="0" eaLnBrk="1" fontAlgn="auto" latinLnBrk="0" hangingPunct="1">
+                <a:lnSpc>
+                  <a:spcPct val="100000"/>
+                </a:lnSpc>
+                <a:spcBef>
+                  <a:spcPts val="0"/>
+                </a:spcBef>
+                <a:spcAft>
+                  <a:spcPts val="0"/>
+                </a:spcAft>
+                <a:buClrTx/>
+                <a:buSzTx/>
+                <a:buFontTx/>
+                <a:buNone/>
+                <a:tabLst/>
+                <a:defRPr/>
+              </a:pPr>
               <a:r>
-                <a:rPr lang="en-US" sz="800" kern="0" dirty="0">
+                <a:rPr kumimoji="0" lang="en-US" sz="800" b="0" i="0" u="none" strike="noStrike" kern="0" cap="none" spc="0" normalizeH="0" baseline="0" noProof="0" dirty="0">
+                  <a:ln>
+                    <a:noFill/>
+                  </a:ln>
                   <a:solidFill>
                     <a:prstClr val="white"/>
                   </a:solidFill>
+                  <a:effectLst/>
+                  <a:uLnTx/>
+                  <a:uFillTx/>
                   <a:latin typeface="Calibri" panose="020F0502020204030204"/>
                   <a:ea typeface=""/>
                   <a:cs typeface=""/>
@@ -24779,12 +26954,34 @@
             <a:bodyPr rtlCol="0" anchor="ctr"/>
             <a:lstStyle/>
             <a:p>
-              <a:pPr algn="ctr" defTabSz="914126"/>
+              <a:pPr marL="0" marR="0" lvl="0" indent="0" algn="ctr" defTabSz="914126" rtl="0" eaLnBrk="1" fontAlgn="auto" latinLnBrk="0" hangingPunct="1">
+                <a:lnSpc>
+                  <a:spcPct val="100000"/>
+                </a:lnSpc>
+                <a:spcBef>
+                  <a:spcPts val="0"/>
+                </a:spcBef>
+                <a:spcAft>
+                  <a:spcPts val="0"/>
+                </a:spcAft>
+                <a:buClrTx/>
+                <a:buSzTx/>
+                <a:buFontTx/>
+                <a:buNone/>
+                <a:tabLst/>
+                <a:defRPr/>
+              </a:pPr>
               <a:r>
-                <a:rPr lang="en-US" sz="800" kern="0" dirty="0">
+                <a:rPr kumimoji="0" lang="en-US" sz="800" b="0" i="0" u="none" strike="noStrike" kern="0" cap="none" spc="0" normalizeH="0" baseline="0" noProof="0" dirty="0">
+                  <a:ln>
+                    <a:noFill/>
+                  </a:ln>
                   <a:solidFill>
                     <a:prstClr val="white"/>
                   </a:solidFill>
+                  <a:effectLst/>
+                  <a:uLnTx/>
+                  <a:uFillTx/>
                   <a:latin typeface="Calibri" panose="020F0502020204030204"/>
                   <a:ea typeface=""/>
                   <a:cs typeface=""/>
@@ -24835,8 +27032,37 @@
             <a:bodyPr rtlCol="0" anchor="ctr"/>
             <a:lstStyle/>
             <a:p>
-              <a:pPr algn="ctr"/>
-              <a:endParaRPr lang="en-US" dirty="0"/>
+              <a:pPr marL="0" marR="0" lvl="0" indent="0" algn="ctr" defTabSz="1088776" rtl="0" eaLnBrk="1" fontAlgn="auto" latinLnBrk="0" hangingPunct="1">
+                <a:lnSpc>
+                  <a:spcPct val="100000"/>
+                </a:lnSpc>
+                <a:spcBef>
+                  <a:spcPts val="0"/>
+                </a:spcBef>
+                <a:spcAft>
+                  <a:spcPts val="0"/>
+                </a:spcAft>
+                <a:buClrTx/>
+                <a:buSzTx/>
+                <a:buFontTx/>
+                <a:buNone/>
+                <a:tabLst/>
+                <a:defRPr/>
+              </a:pPr>
+              <a:endParaRPr kumimoji="0" lang="en-US" sz="2100" b="0" i="0" u="none" strike="noStrike" kern="1200" cap="none" spc="0" normalizeH="0" baseline="0" noProof="0" dirty="0">
+                <a:ln>
+                  <a:noFill/>
+                </a:ln>
+                <a:solidFill>
+                  <a:srgbClr val="FFFFFF"/>
+                </a:solidFill>
+                <a:effectLst/>
+                <a:uLnTx/>
+                <a:uFillTx/>
+                <a:latin typeface="Arial"/>
+                <a:ea typeface="+mn-ea"/>
+                <a:cs typeface="+mn-cs"/>
+              </a:endParaRPr>
             </a:p>
           </p:txBody>
         </p:sp>
@@ -24872,12 +27098,34 @@
             <a:bodyPr rtlCol="0" anchor="ctr"/>
             <a:lstStyle/>
             <a:p>
-              <a:pPr algn="ctr" defTabSz="914126"/>
+              <a:pPr marL="0" marR="0" lvl="0" indent="0" algn="ctr" defTabSz="914126" rtl="0" eaLnBrk="1" fontAlgn="auto" latinLnBrk="0" hangingPunct="1">
+                <a:lnSpc>
+                  <a:spcPct val="100000"/>
+                </a:lnSpc>
+                <a:spcBef>
+                  <a:spcPts val="0"/>
+                </a:spcBef>
+                <a:spcAft>
+                  <a:spcPts val="0"/>
+                </a:spcAft>
+                <a:buClrTx/>
+                <a:buSzTx/>
+                <a:buFontTx/>
+                <a:buNone/>
+                <a:tabLst/>
+                <a:defRPr/>
+              </a:pPr>
               <a:r>
-                <a:rPr lang="en-US" sz="800" kern="0" dirty="0">
+                <a:rPr kumimoji="0" lang="en-US" sz="800" b="0" i="0" u="none" strike="noStrike" kern="0" cap="none" spc="0" normalizeH="0" baseline="0" noProof="0" dirty="0">
+                  <a:ln>
+                    <a:noFill/>
+                  </a:ln>
                   <a:solidFill>
                     <a:prstClr val="white"/>
                   </a:solidFill>
+                  <a:effectLst/>
+                  <a:uLnTx/>
+                  <a:uFillTx/>
                   <a:latin typeface="Calibri" panose="020F0502020204030204"/>
                   <a:ea typeface=""/>
                   <a:cs typeface=""/>
@@ -24919,12 +27167,34 @@
             <a:bodyPr rtlCol="0" anchor="ctr"/>
             <a:lstStyle/>
             <a:p>
-              <a:pPr algn="ctr" defTabSz="914126"/>
+              <a:pPr marL="0" marR="0" lvl="0" indent="0" algn="ctr" defTabSz="914126" rtl="0" eaLnBrk="1" fontAlgn="auto" latinLnBrk="0" hangingPunct="1">
+                <a:lnSpc>
+                  <a:spcPct val="100000"/>
+                </a:lnSpc>
+                <a:spcBef>
+                  <a:spcPts val="0"/>
+                </a:spcBef>
+                <a:spcAft>
+                  <a:spcPts val="0"/>
+                </a:spcAft>
+                <a:buClrTx/>
+                <a:buSzTx/>
+                <a:buFontTx/>
+                <a:buNone/>
+                <a:tabLst/>
+                <a:defRPr/>
+              </a:pPr>
               <a:r>
-                <a:rPr lang="en-US" sz="800" kern="0" dirty="0">
+                <a:rPr kumimoji="0" lang="en-US" sz="800" b="0" i="0" u="none" strike="noStrike" kern="0" cap="none" spc="0" normalizeH="0" baseline="0" noProof="0" dirty="0">
+                  <a:ln>
+                    <a:noFill/>
+                  </a:ln>
                   <a:solidFill>
                     <a:prstClr val="white"/>
                   </a:solidFill>
+                  <a:effectLst/>
+                  <a:uLnTx/>
+                  <a:uFillTx/>
                   <a:latin typeface="Calibri" panose="020F0502020204030204"/>
                   <a:ea typeface=""/>
                   <a:cs typeface=""/>
@@ -24938,7 +27208,7 @@
     </p:spTree>
     <p:extLst>
       <p:ext uri="{BB962C8B-B14F-4D97-AF65-F5344CB8AC3E}">
-        <p14:creationId xmlns:p14="http://schemas.microsoft.com/office/powerpoint/2010/main" val="2871860752"/>
+        <p14:creationId xmlns:p14="http://schemas.microsoft.com/office/powerpoint/2010/main" val="1122092183"/>
       </p:ext>
     </p:extLst>
   </p:cSld>
@@ -25162,7 +27432,7 @@
 </p:sld>
 </file>
 
-<file path=ppt/slides/slide21.xml><?xml version="1.0" encoding="utf-8"?>
+<file path=ppt/slides/slide23.xml><?xml version="1.0" encoding="utf-8"?>
 <p:sld xmlns:a="http://schemas.openxmlformats.org/drawingml/2006/main" xmlns:r="http://schemas.openxmlformats.org/officeDocument/2006/relationships" xmlns:p="http://schemas.openxmlformats.org/presentationml/2006/main">
   <p:cSld>
     <p:spTree>
@@ -25238,7 +27508,10 @@
             <a:bodyPr lIns="89977" tIns="71981" rIns="89977" bIns="71981" rtlCol="0" anchor="ctr"/>
             <a:lstStyle/>
             <a:p>
-              <a:pPr algn="ctr" defTabSz="914126" fontAlgn="base">
+              <a:pPr marL="0" marR="0" lvl="0" indent="0" algn="ctr" defTabSz="914126" rtl="0" eaLnBrk="1" fontAlgn="base" latinLnBrk="0" hangingPunct="1">
+                <a:lnSpc>
+                  <a:spcPct val="100000"/>
+                </a:lnSpc>
                 <a:spcBef>
                   <a:spcPct val="50000"/>
                 </a:spcBef>
@@ -25249,11 +27522,22 @@
                   <a:srgbClr val="F0AB00"/>
                 </a:buClr>
                 <a:buSzPct val="80000"/>
+                <a:buFontTx/>
+                <a:buNone/>
+                <a:tabLst/>
+                <a:defRPr/>
               </a:pPr>
-              <a:endParaRPr lang="en-GB" sz="1799" kern="0" dirty="0" err="1">
-                <a:solidFill>
-                  <a:schemeClr val="tx1"/>
-                </a:solidFill>
+              <a:endParaRPr kumimoji="0" lang="en-GB" sz="1799" b="0" i="0" u="none" strike="noStrike" kern="0" cap="none" spc="0" normalizeH="0" baseline="0" noProof="0" dirty="0" err="1">
+                <a:ln>
+                  <a:noFill/>
+                </a:ln>
+                <a:solidFill>
+                  <a:srgbClr val="000000"/>
+                </a:solidFill>
+                <a:effectLst/>
+                <a:uLnTx/>
+                <a:uFillTx/>
+                <a:latin typeface="Arial"/>
                 <a:ea typeface="Arial Unicode MS" pitchFamily="34" charset="-128"/>
                 <a:cs typeface="Arial Unicode MS" pitchFamily="34" charset="-128"/>
               </a:endParaRPr>
@@ -25305,7 +27589,10 @@
             <a:bodyPr lIns="89977" tIns="71981" rIns="89977" bIns="71981" rtlCol="0" anchor="ctr"/>
             <a:lstStyle/>
             <a:p>
-              <a:pPr algn="ctr" defTabSz="914126" fontAlgn="base">
+              <a:pPr marL="0" marR="0" lvl="0" indent="0" algn="ctr" defTabSz="914126" rtl="0" eaLnBrk="1" fontAlgn="base" latinLnBrk="0" hangingPunct="1">
+                <a:lnSpc>
+                  <a:spcPct val="100000"/>
+                </a:lnSpc>
                 <a:spcBef>
                   <a:spcPct val="50000"/>
                 </a:spcBef>
@@ -25316,11 +27603,22 @@
                   <a:srgbClr val="F0AB00"/>
                 </a:buClr>
                 <a:buSzPct val="80000"/>
+                <a:buFontTx/>
+                <a:buNone/>
+                <a:tabLst/>
+                <a:defRPr/>
               </a:pPr>
-              <a:endParaRPr lang="en-GB" sz="1799" kern="0" dirty="0" err="1">
-                <a:solidFill>
-                  <a:schemeClr val="tx1"/>
-                </a:solidFill>
+              <a:endParaRPr kumimoji="0" lang="en-GB" sz="1799" b="0" i="0" u="none" strike="noStrike" kern="0" cap="none" spc="0" normalizeH="0" baseline="0" noProof="0" dirty="0" err="1">
+                <a:ln>
+                  <a:noFill/>
+                </a:ln>
+                <a:solidFill>
+                  <a:srgbClr val="000000"/>
+                </a:solidFill>
+                <a:effectLst/>
+                <a:uLnTx/>
+                <a:uFillTx/>
+                <a:latin typeface="Arial"/>
                 <a:ea typeface="Arial Unicode MS" pitchFamily="34" charset="-128"/>
                 <a:cs typeface="Arial Unicode MS" pitchFamily="34" charset="-128"/>
               </a:endParaRPr>
@@ -25349,28 +27647,109 @@
             </a:bodyPr>
             <a:lstStyle/>
             <a:p>
-              <a:pPr algn="ctr"/>
+              <a:pPr marL="0" marR="0" lvl="0" indent="0" algn="ctr" defTabSz="1088776" rtl="0" eaLnBrk="1" fontAlgn="auto" latinLnBrk="0" hangingPunct="1">
+                <a:lnSpc>
+                  <a:spcPct val="100000"/>
+                </a:lnSpc>
+                <a:spcBef>
+                  <a:spcPts val="0"/>
+                </a:spcBef>
+                <a:spcAft>
+                  <a:spcPts val="0"/>
+                </a:spcAft>
+                <a:buClrTx/>
+                <a:buSzTx/>
+                <a:buFontTx/>
+                <a:buNone/>
+                <a:tabLst/>
+                <a:defRPr/>
+              </a:pPr>
               <a:r>
-                <a:rPr lang="en-US" sz="1799" b="1" dirty="0">
+                <a:rPr kumimoji="0" lang="en-US" sz="1799" b="1" i="0" u="none" strike="noStrike" kern="1200" cap="none" spc="0" normalizeH="0" baseline="0" noProof="0" dirty="0">
+                  <a:ln>
+                    <a:noFill/>
+                  </a:ln>
+                  <a:solidFill>
+                    <a:srgbClr val="000000"/>
+                  </a:solidFill>
+                  <a:effectLst/>
+                  <a:uLnTx/>
+                  <a:uFillTx/>
                   <a:latin typeface="Calibri" panose="020F0502020204030204"/>
+                  <a:ea typeface="+mn-ea"/>
+                  <a:cs typeface="+mn-cs"/>
                 </a:rPr>
                 <a:t>Management Vector</a:t>
               </a:r>
             </a:p>
             <a:p>
-              <a:pPr algn="ctr"/>
+              <a:pPr marL="0" marR="0" lvl="0" indent="0" algn="ctr" defTabSz="1088776" rtl="0" eaLnBrk="1" fontAlgn="auto" latinLnBrk="0" hangingPunct="1">
+                <a:lnSpc>
+                  <a:spcPct val="100000"/>
+                </a:lnSpc>
+                <a:spcBef>
+                  <a:spcPts val="0"/>
+                </a:spcBef>
+                <a:spcAft>
+                  <a:spcPts val="0"/>
+                </a:spcAft>
+                <a:buClrTx/>
+                <a:buSzTx/>
+                <a:buFontTx/>
+                <a:buNone/>
+                <a:tabLst/>
+                <a:defRPr/>
+              </a:pPr>
               <a:r>
-                <a:rPr lang="en-US" sz="1799" b="1" dirty="0">
+                <a:rPr kumimoji="0" lang="en-US" sz="1799" b="1" i="0" u="none" strike="noStrike" kern="1200" cap="none" spc="0" normalizeH="0" baseline="0" noProof="0" dirty="0">
+                  <a:ln>
+                    <a:noFill/>
+                  </a:ln>
+                  <a:solidFill>
+                    <a:srgbClr val="000000"/>
+                  </a:solidFill>
+                  <a:effectLst/>
+                  <a:uLnTx/>
+                  <a:uFillTx/>
                   <a:latin typeface="Calibri" panose="020F0502020204030204"/>
+                  <a:ea typeface="+mn-ea"/>
+                  <a:cs typeface="+mn-cs"/>
                 </a:rPr>
                 <a:t>into all</a:t>
               </a:r>
             </a:p>
             <a:p>
-              <a:pPr algn="ctr"/>
+              <a:pPr marL="0" marR="0" lvl="0" indent="0" algn="ctr" defTabSz="1088776" rtl="0" eaLnBrk="1" fontAlgn="auto" latinLnBrk="0" hangingPunct="1">
+                <a:lnSpc>
+                  <a:spcPct val="100000"/>
+                </a:lnSpc>
+                <a:spcBef>
+                  <a:spcPts val="0"/>
+                </a:spcBef>
+                <a:spcAft>
+                  <a:spcPts val="0"/>
+                </a:spcAft>
+                <a:buClrTx/>
+                <a:buSzTx/>
+                <a:buFontTx/>
+                <a:buNone/>
+                <a:tabLst/>
+                <a:defRPr/>
+              </a:pPr>
               <a:r>
-                <a:rPr lang="en-US" sz="1799" b="1" dirty="0">
+                <a:rPr kumimoji="0" lang="en-US" sz="1799" b="1" i="0" u="none" strike="noStrike" kern="1200" cap="none" spc="0" normalizeH="0" baseline="0" noProof="0" dirty="0">
+                  <a:ln>
+                    <a:noFill/>
+                  </a:ln>
+                  <a:solidFill>
+                    <a:srgbClr val="000000"/>
+                  </a:solidFill>
+                  <a:effectLst/>
+                  <a:uLnTx/>
+                  <a:uFillTx/>
                   <a:latin typeface="Calibri" panose="020F0502020204030204"/>
+                  <a:ea typeface="+mn-ea"/>
+                  <a:cs typeface="+mn-cs"/>
                 </a:rPr>
                 <a:t>Control Planes</a:t>
               </a:r>
@@ -25436,9 +27815,37 @@
           </a:bodyPr>
           <a:lstStyle/>
           <a:p>
-            <a:r>
-              <a:rPr lang="en-US" sz="1799">
+            <a:pPr marL="0" marR="0" lvl="0" indent="0" algn="l" defTabSz="1088776" rtl="0" eaLnBrk="1" fontAlgn="auto" latinLnBrk="0" hangingPunct="1">
+              <a:lnSpc>
+                <a:spcPct val="100000"/>
+              </a:lnSpc>
+              <a:spcBef>
+                <a:spcPts val="0"/>
+              </a:spcBef>
+              <a:spcAft>
+                <a:spcPts val="0"/>
+              </a:spcAft>
+              <a:buClrTx/>
+              <a:buSzTx/>
+              <a:buFontTx/>
+              <a:buNone/>
+              <a:tabLst/>
+              <a:defRPr/>
+            </a:pPr>
+            <a:r>
+              <a:rPr kumimoji="0" lang="en-US" sz="1799" b="0" i="0" u="none" strike="noStrike" kern="1200" cap="none" spc="0" normalizeH="0" baseline="0" noProof="0">
+                <a:ln>
+                  <a:noFill/>
+                </a:ln>
+                <a:solidFill>
+                  <a:srgbClr val="000000"/>
+                </a:solidFill>
+                <a:effectLst/>
+                <a:uLnTx/>
+                <a:uFillTx/>
                 <a:latin typeface="Calibri" panose="020F0502020204030204"/>
+                <a:ea typeface="+mn-ea"/>
+                <a:cs typeface="+mn-cs"/>
               </a:rPr>
               <a:t>Seed Cluster</a:t>
             </a:r>
@@ -25473,10 +27880,33 @@
           <a:bodyPr rtlCol="0" anchor="ctr"/>
           <a:lstStyle/>
           <a:p>
-            <a:pPr algn="ctr" defTabSz="914126">
+            <a:pPr marL="0" marR="0" lvl="0" indent="0" algn="ctr" defTabSz="914126" rtl="0" eaLnBrk="1" fontAlgn="auto" latinLnBrk="0" hangingPunct="1">
+              <a:lnSpc>
+                <a:spcPct val="100000"/>
+              </a:lnSpc>
+              <a:spcBef>
+                <a:spcPts val="0"/>
+              </a:spcBef>
+              <a:spcAft>
+                <a:spcPts val="0"/>
+              </a:spcAft>
+              <a:buClrTx/>
+              <a:buSzTx/>
+              <a:buFontTx/>
+              <a:buNone/>
+              <a:tabLst/>
               <a:defRPr/>
             </a:pPr>
-            <a:endParaRPr lang="en-US" sz="1799" kern="0">
+            <a:endParaRPr kumimoji="0" lang="en-US" sz="1799" b="0" i="0" u="none" strike="noStrike" kern="0" cap="none" spc="0" normalizeH="0" baseline="0" noProof="0">
+              <a:ln>
+                <a:noFill/>
+              </a:ln>
+              <a:solidFill>
+                <a:srgbClr val="000000"/>
+              </a:solidFill>
+              <a:effectLst/>
+              <a:uLnTx/>
+              <a:uFillTx/>
               <a:latin typeface="Calibri" panose="020F0502020204030204"/>
               <a:ea typeface=""/>
               <a:cs typeface=""/>
@@ -25516,11 +27946,34 @@
           <a:bodyPr rtlCol="0" anchor="ctr"/>
           <a:lstStyle/>
           <a:p>
-            <a:pPr algn="ctr" defTabSz="914126">
+            <a:pPr marL="0" marR="0" lvl="0" indent="0" algn="ctr" defTabSz="914126" rtl="0" eaLnBrk="1" fontAlgn="auto" latinLnBrk="0" hangingPunct="1">
+              <a:lnSpc>
+                <a:spcPct val="100000"/>
+              </a:lnSpc>
+              <a:spcBef>
+                <a:spcPts val="0"/>
+              </a:spcBef>
+              <a:spcAft>
+                <a:spcPts val="0"/>
+              </a:spcAft>
+              <a:buClrTx/>
+              <a:buSzTx/>
+              <a:buFontTx/>
+              <a:buNone/>
+              <a:tabLst/>
               <a:defRPr/>
             </a:pPr>
             <a:r>
-              <a:rPr lang="en-US" sz="800" kern="0">
+              <a:rPr kumimoji="0" lang="en-US" sz="800" b="0" i="0" u="none" strike="noStrike" kern="0" cap="none" spc="0" normalizeH="0" baseline="0" noProof="0">
+                <a:ln>
+                  <a:noFill/>
+                </a:ln>
+                <a:solidFill>
+                  <a:srgbClr val="000000"/>
+                </a:solidFill>
+                <a:effectLst/>
+                <a:uLnTx/>
+                <a:uFillTx/>
                 <a:latin typeface="Calibri" panose="020F0502020204030204"/>
                 <a:ea typeface=""/>
                 <a:cs typeface=""/>
@@ -25562,11 +28015,34 @@
           <a:bodyPr rtlCol="0" anchor="ctr"/>
           <a:lstStyle/>
           <a:p>
-            <a:pPr algn="ctr" defTabSz="914126">
+            <a:pPr marL="0" marR="0" lvl="0" indent="0" algn="ctr" defTabSz="914126" rtl="0" eaLnBrk="1" fontAlgn="auto" latinLnBrk="0" hangingPunct="1">
+              <a:lnSpc>
+                <a:spcPct val="100000"/>
+              </a:lnSpc>
+              <a:spcBef>
+                <a:spcPts val="0"/>
+              </a:spcBef>
+              <a:spcAft>
+                <a:spcPts val="0"/>
+              </a:spcAft>
+              <a:buClrTx/>
+              <a:buSzTx/>
+              <a:buFontTx/>
+              <a:buNone/>
+              <a:tabLst/>
               <a:defRPr/>
             </a:pPr>
             <a:r>
-              <a:rPr lang="en-US" sz="800" kern="0">
+              <a:rPr kumimoji="0" lang="en-US" sz="800" b="0" i="0" u="none" strike="noStrike" kern="0" cap="none" spc="0" normalizeH="0" baseline="0" noProof="0">
+                <a:ln>
+                  <a:noFill/>
+                </a:ln>
+                <a:solidFill>
+                  <a:srgbClr val="000000"/>
+                </a:solidFill>
+                <a:effectLst/>
+                <a:uLnTx/>
+                <a:uFillTx/>
                 <a:latin typeface="Calibri" panose="020F0502020204030204"/>
                 <a:ea typeface=""/>
                 <a:cs typeface=""/>
@@ -25608,11 +28084,34 @@
           <a:bodyPr rtlCol="0" anchor="ctr"/>
           <a:lstStyle/>
           <a:p>
-            <a:pPr algn="ctr" defTabSz="914126">
+            <a:pPr marL="0" marR="0" lvl="0" indent="0" algn="ctr" defTabSz="914126" rtl="0" eaLnBrk="1" fontAlgn="auto" latinLnBrk="0" hangingPunct="1">
+              <a:lnSpc>
+                <a:spcPct val="100000"/>
+              </a:lnSpc>
+              <a:spcBef>
+                <a:spcPts val="0"/>
+              </a:spcBef>
+              <a:spcAft>
+                <a:spcPts val="0"/>
+              </a:spcAft>
+              <a:buClrTx/>
+              <a:buSzTx/>
+              <a:buFontTx/>
+              <a:buNone/>
+              <a:tabLst/>
               <a:defRPr/>
             </a:pPr>
             <a:r>
-              <a:rPr lang="en-US" sz="800" kern="0">
+              <a:rPr kumimoji="0" lang="en-US" sz="800" b="0" i="0" u="none" strike="noStrike" kern="0" cap="none" spc="0" normalizeH="0" baseline="0" noProof="0">
+                <a:ln>
+                  <a:noFill/>
+                </a:ln>
+                <a:solidFill>
+                  <a:srgbClr val="000000"/>
+                </a:solidFill>
+                <a:effectLst/>
+                <a:uLnTx/>
+                <a:uFillTx/>
                 <a:latin typeface="Calibri" panose="020F0502020204030204"/>
                 <a:ea typeface=""/>
                 <a:cs typeface=""/>
@@ -25654,11 +28153,34 @@
           <a:bodyPr rtlCol="0" anchor="ctr"/>
           <a:lstStyle/>
           <a:p>
-            <a:pPr algn="ctr" defTabSz="914126">
+            <a:pPr marL="0" marR="0" lvl="0" indent="0" algn="ctr" defTabSz="914126" rtl="0" eaLnBrk="1" fontAlgn="auto" latinLnBrk="0" hangingPunct="1">
+              <a:lnSpc>
+                <a:spcPct val="100000"/>
+              </a:lnSpc>
+              <a:spcBef>
+                <a:spcPts val="0"/>
+              </a:spcBef>
+              <a:spcAft>
+                <a:spcPts val="0"/>
+              </a:spcAft>
+              <a:buClrTx/>
+              <a:buSzTx/>
+              <a:buFontTx/>
+              <a:buNone/>
+              <a:tabLst/>
               <a:defRPr/>
             </a:pPr>
             <a:r>
-              <a:rPr lang="en-US" sz="800" kern="0">
+              <a:rPr kumimoji="0" lang="en-US" sz="800" b="0" i="0" u="none" strike="noStrike" kern="0" cap="none" spc="0" normalizeH="0" baseline="0" noProof="0">
+                <a:ln>
+                  <a:noFill/>
+                </a:ln>
+                <a:solidFill>
+                  <a:srgbClr val="000000"/>
+                </a:solidFill>
+                <a:effectLst/>
+                <a:uLnTx/>
+                <a:uFillTx/>
                 <a:latin typeface="Calibri" panose="020F0502020204030204"/>
                 <a:ea typeface=""/>
                 <a:cs typeface=""/>
@@ -25700,11 +28222,34 @@
           <a:bodyPr rtlCol="0" anchor="ctr"/>
           <a:lstStyle/>
           <a:p>
-            <a:pPr algn="ctr" defTabSz="914126">
+            <a:pPr marL="0" marR="0" lvl="0" indent="0" algn="ctr" defTabSz="914126" rtl="0" eaLnBrk="1" fontAlgn="auto" latinLnBrk="0" hangingPunct="1">
+              <a:lnSpc>
+                <a:spcPct val="100000"/>
+              </a:lnSpc>
+              <a:spcBef>
+                <a:spcPts val="0"/>
+              </a:spcBef>
+              <a:spcAft>
+                <a:spcPts val="0"/>
+              </a:spcAft>
+              <a:buClrTx/>
+              <a:buSzTx/>
+              <a:buFontTx/>
+              <a:buNone/>
+              <a:tabLst/>
               <a:defRPr/>
             </a:pPr>
             <a:r>
-              <a:rPr lang="en-US" sz="800" kern="0">
+              <a:rPr kumimoji="0" lang="en-US" sz="800" b="0" i="0" u="none" strike="noStrike" kern="0" cap="none" spc="0" normalizeH="0" baseline="0" noProof="0">
+                <a:ln>
+                  <a:noFill/>
+                </a:ln>
+                <a:solidFill>
+                  <a:srgbClr val="000000"/>
+                </a:solidFill>
+                <a:effectLst/>
+                <a:uLnTx/>
+                <a:uFillTx/>
                 <a:latin typeface="Calibri" panose="020F0502020204030204"/>
                 <a:ea typeface=""/>
                 <a:cs typeface=""/>
@@ -25746,11 +28291,34 @@
           <a:bodyPr rtlCol="0" anchor="ctr"/>
           <a:lstStyle/>
           <a:p>
-            <a:pPr algn="ctr" defTabSz="914126">
+            <a:pPr marL="0" marR="0" lvl="0" indent="0" algn="ctr" defTabSz="914126" rtl="0" eaLnBrk="1" fontAlgn="auto" latinLnBrk="0" hangingPunct="1">
+              <a:lnSpc>
+                <a:spcPct val="100000"/>
+              </a:lnSpc>
+              <a:spcBef>
+                <a:spcPts val="0"/>
+              </a:spcBef>
+              <a:spcAft>
+                <a:spcPts val="0"/>
+              </a:spcAft>
+              <a:buClrTx/>
+              <a:buSzTx/>
+              <a:buFontTx/>
+              <a:buNone/>
+              <a:tabLst/>
               <a:defRPr/>
             </a:pPr>
             <a:r>
-              <a:rPr lang="en-US" sz="800" kern="0">
+              <a:rPr kumimoji="0" lang="en-US" sz="800" b="0" i="0" u="none" strike="noStrike" kern="0" cap="none" spc="0" normalizeH="0" baseline="0" noProof="0">
+                <a:ln>
+                  <a:noFill/>
+                </a:ln>
+                <a:solidFill>
+                  <a:srgbClr val="000000"/>
+                </a:solidFill>
+                <a:effectLst/>
+                <a:uLnTx/>
+                <a:uFillTx/>
                 <a:latin typeface="Calibri" panose="020F0502020204030204"/>
                 <a:ea typeface=""/>
                 <a:cs typeface=""/>
@@ -25792,11 +28360,34 @@
           <a:bodyPr rtlCol="0" anchor="ctr"/>
           <a:lstStyle/>
           <a:p>
-            <a:pPr algn="ctr" defTabSz="914126">
+            <a:pPr marL="0" marR="0" lvl="0" indent="0" algn="ctr" defTabSz="914126" rtl="0" eaLnBrk="1" fontAlgn="auto" latinLnBrk="0" hangingPunct="1">
+              <a:lnSpc>
+                <a:spcPct val="100000"/>
+              </a:lnSpc>
+              <a:spcBef>
+                <a:spcPts val="0"/>
+              </a:spcBef>
+              <a:spcAft>
+                <a:spcPts val="0"/>
+              </a:spcAft>
+              <a:buClrTx/>
+              <a:buSzTx/>
+              <a:buFontTx/>
+              <a:buNone/>
+              <a:tabLst/>
               <a:defRPr/>
             </a:pPr>
             <a:r>
-              <a:rPr lang="en-US" sz="800" kern="0">
+              <a:rPr kumimoji="0" lang="en-US" sz="800" b="0" i="0" u="none" strike="noStrike" kern="0" cap="none" spc="0" normalizeH="0" baseline="0" noProof="0">
+                <a:ln>
+                  <a:noFill/>
+                </a:ln>
+                <a:solidFill>
+                  <a:srgbClr val="000000"/>
+                </a:solidFill>
+                <a:effectLst/>
+                <a:uLnTx/>
+                <a:uFillTx/>
                 <a:latin typeface="Calibri" panose="020F0502020204030204"/>
                 <a:ea typeface=""/>
                 <a:cs typeface=""/>
@@ -25828,9 +28419,37 @@
           </a:bodyPr>
           <a:lstStyle/>
           <a:p>
-            <a:r>
-              <a:rPr lang="en-US" sz="1799">
+            <a:pPr marL="0" marR="0" lvl="0" indent="0" algn="l" defTabSz="1088776" rtl="0" eaLnBrk="1" fontAlgn="auto" latinLnBrk="0" hangingPunct="1">
+              <a:lnSpc>
+                <a:spcPct val="100000"/>
+              </a:lnSpc>
+              <a:spcBef>
+                <a:spcPts val="0"/>
+              </a:spcBef>
+              <a:spcAft>
+                <a:spcPts val="0"/>
+              </a:spcAft>
+              <a:buClrTx/>
+              <a:buSzTx/>
+              <a:buFontTx/>
+              <a:buNone/>
+              <a:tabLst/>
+              <a:defRPr/>
+            </a:pPr>
+            <a:r>
+              <a:rPr kumimoji="0" lang="en-US" sz="1799" b="0" i="0" u="none" strike="noStrike" kern="1200" cap="none" spc="0" normalizeH="0" baseline="0" noProof="0">
+                <a:ln>
+                  <a:noFill/>
+                </a:ln>
+                <a:solidFill>
+                  <a:srgbClr val="000000"/>
+                </a:solidFill>
+                <a:effectLst/>
+                <a:uLnTx/>
+                <a:uFillTx/>
                 <a:latin typeface="Calibri" panose="020F0502020204030204"/>
+                <a:ea typeface="+mn-ea"/>
+                <a:cs typeface="+mn-cs"/>
               </a:rPr>
               <a:t>HA</a:t>
             </a:r>
@@ -25867,10 +28486,33 @@
           <a:bodyPr rtlCol="0" anchor="ctr"/>
           <a:lstStyle/>
           <a:p>
-            <a:pPr algn="ctr" defTabSz="914126">
+            <a:pPr marL="0" marR="0" lvl="0" indent="0" algn="ctr" defTabSz="914126" rtl="0" eaLnBrk="1" fontAlgn="auto" latinLnBrk="0" hangingPunct="1">
+              <a:lnSpc>
+                <a:spcPct val="100000"/>
+              </a:lnSpc>
+              <a:spcBef>
+                <a:spcPts val="0"/>
+              </a:spcBef>
+              <a:spcAft>
+                <a:spcPts val="0"/>
+              </a:spcAft>
+              <a:buClrTx/>
+              <a:buSzTx/>
+              <a:buFontTx/>
+              <a:buNone/>
+              <a:tabLst/>
               <a:defRPr/>
             </a:pPr>
-            <a:endParaRPr lang="en-US" sz="1799" kern="0">
+            <a:endParaRPr kumimoji="0" lang="en-US" sz="1799" b="0" i="0" u="none" strike="noStrike" kern="0" cap="none" spc="0" normalizeH="0" baseline="0" noProof="0">
+              <a:ln>
+                <a:noFill/>
+              </a:ln>
+              <a:solidFill>
+                <a:srgbClr val="000000"/>
+              </a:solidFill>
+              <a:effectLst/>
+              <a:uLnTx/>
+              <a:uFillTx/>
               <a:latin typeface="Calibri" panose="020F0502020204030204"/>
               <a:ea typeface=""/>
               <a:cs typeface=""/>
@@ -25910,11 +28552,34 @@
           <a:bodyPr rtlCol="0" anchor="ctr"/>
           <a:lstStyle/>
           <a:p>
-            <a:pPr algn="ctr" defTabSz="914126">
+            <a:pPr marL="0" marR="0" lvl="0" indent="0" algn="ctr" defTabSz="914126" rtl="0" eaLnBrk="1" fontAlgn="auto" latinLnBrk="0" hangingPunct="1">
+              <a:lnSpc>
+                <a:spcPct val="100000"/>
+              </a:lnSpc>
+              <a:spcBef>
+                <a:spcPts val="0"/>
+              </a:spcBef>
+              <a:spcAft>
+                <a:spcPts val="0"/>
+              </a:spcAft>
+              <a:buClrTx/>
+              <a:buSzTx/>
+              <a:buFontTx/>
+              <a:buNone/>
+              <a:tabLst/>
               <a:defRPr/>
             </a:pPr>
             <a:r>
-              <a:rPr lang="en-US" sz="800" kern="0">
+              <a:rPr kumimoji="0" lang="en-US" sz="800" b="0" i="0" u="none" strike="noStrike" kern="0" cap="none" spc="0" normalizeH="0" baseline="0" noProof="0">
+                <a:ln>
+                  <a:noFill/>
+                </a:ln>
+                <a:solidFill>
+                  <a:srgbClr val="000000"/>
+                </a:solidFill>
+                <a:effectLst/>
+                <a:uLnTx/>
+                <a:uFillTx/>
                 <a:latin typeface="Calibri" panose="020F0502020204030204"/>
                 <a:ea typeface=""/>
                 <a:cs typeface=""/>
@@ -25946,9 +28611,37 @@
           </a:bodyPr>
           <a:lstStyle/>
           <a:p>
-            <a:r>
-              <a:rPr lang="en-US" sz="1799">
+            <a:pPr marL="0" marR="0" lvl="0" indent="0" algn="l" defTabSz="1088776" rtl="0" eaLnBrk="1" fontAlgn="auto" latinLnBrk="0" hangingPunct="1">
+              <a:lnSpc>
+                <a:spcPct val="100000"/>
+              </a:lnSpc>
+              <a:spcBef>
+                <a:spcPts val="0"/>
+              </a:spcBef>
+              <a:spcAft>
+                <a:spcPts val="0"/>
+              </a:spcAft>
+              <a:buClrTx/>
+              <a:buSzTx/>
+              <a:buFontTx/>
+              <a:buNone/>
+              <a:tabLst/>
+              <a:defRPr/>
+            </a:pPr>
+            <a:r>
+              <a:rPr kumimoji="0" lang="en-US" sz="1799" b="0" i="0" u="none" strike="noStrike" kern="1200" cap="none" spc="0" normalizeH="0" baseline="0" noProof="0">
+                <a:ln>
+                  <a:noFill/>
+                </a:ln>
+                <a:solidFill>
+                  <a:srgbClr val="000000"/>
+                </a:solidFill>
+                <a:effectLst/>
+                <a:uLnTx/>
+                <a:uFillTx/>
                 <a:latin typeface="Calibri" panose="020F0502020204030204"/>
+                <a:ea typeface="+mn-ea"/>
+                <a:cs typeface="+mn-cs"/>
               </a:rPr>
               <a:t>Shoot Clusters</a:t>
             </a:r>
@@ -25987,11 +28680,34 @@
           <a:bodyPr rtlCol="0" anchor="ctr"/>
           <a:lstStyle/>
           <a:p>
-            <a:pPr algn="ctr" defTabSz="914126">
+            <a:pPr marL="0" marR="0" lvl="0" indent="0" algn="ctr" defTabSz="914126" rtl="0" eaLnBrk="1" fontAlgn="auto" latinLnBrk="0" hangingPunct="1">
+              <a:lnSpc>
+                <a:spcPct val="100000"/>
+              </a:lnSpc>
+              <a:spcBef>
+                <a:spcPts val="0"/>
+              </a:spcBef>
+              <a:spcAft>
+                <a:spcPts val="0"/>
+              </a:spcAft>
+              <a:buClrTx/>
+              <a:buSzTx/>
+              <a:buFontTx/>
+              <a:buNone/>
+              <a:tabLst/>
               <a:defRPr/>
             </a:pPr>
             <a:r>
-              <a:rPr lang="en-US" sz="800" kern="0">
+              <a:rPr kumimoji="0" lang="en-US" sz="800" b="0" i="0" u="none" strike="noStrike" kern="0" cap="none" spc="0" normalizeH="0" baseline="0" noProof="0">
+                <a:ln>
+                  <a:noFill/>
+                </a:ln>
+                <a:solidFill>
+                  <a:srgbClr val="000000"/>
+                </a:solidFill>
+                <a:effectLst/>
+                <a:uLnTx/>
+                <a:uFillTx/>
                 <a:latin typeface="Calibri" panose="020F0502020204030204"/>
                 <a:ea typeface=""/>
                 <a:cs typeface=""/>
@@ -26033,11 +28749,34 @@
           <a:bodyPr rtlCol="0" anchor="ctr"/>
           <a:lstStyle/>
           <a:p>
-            <a:pPr algn="ctr" defTabSz="914126">
+            <a:pPr marL="0" marR="0" lvl="0" indent="0" algn="ctr" defTabSz="914126" rtl="0" eaLnBrk="1" fontAlgn="auto" latinLnBrk="0" hangingPunct="1">
+              <a:lnSpc>
+                <a:spcPct val="100000"/>
+              </a:lnSpc>
+              <a:spcBef>
+                <a:spcPts val="0"/>
+              </a:spcBef>
+              <a:spcAft>
+                <a:spcPts val="0"/>
+              </a:spcAft>
+              <a:buClrTx/>
+              <a:buSzTx/>
+              <a:buFontTx/>
+              <a:buNone/>
+              <a:tabLst/>
               <a:defRPr/>
             </a:pPr>
             <a:r>
-              <a:rPr lang="en-US" sz="800" kern="0">
+              <a:rPr kumimoji="0" lang="en-US" sz="800" b="0" i="0" u="none" strike="noStrike" kern="0" cap="none" spc="0" normalizeH="0" baseline="0" noProof="0">
+                <a:ln>
+                  <a:noFill/>
+                </a:ln>
+                <a:solidFill>
+                  <a:srgbClr val="000000"/>
+                </a:solidFill>
+                <a:effectLst/>
+                <a:uLnTx/>
+                <a:uFillTx/>
                 <a:latin typeface="Calibri" panose="020F0502020204030204"/>
                 <a:ea typeface=""/>
                 <a:cs typeface=""/>
@@ -26075,10 +28814,33 @@
           <a:bodyPr rtlCol="0" anchor="ctr"/>
           <a:lstStyle/>
           <a:p>
-            <a:pPr algn="ctr" defTabSz="914126">
+            <a:pPr marL="0" marR="0" lvl="0" indent="0" algn="ctr" defTabSz="914126" rtl="0" eaLnBrk="1" fontAlgn="auto" latinLnBrk="0" hangingPunct="1">
+              <a:lnSpc>
+                <a:spcPct val="100000"/>
+              </a:lnSpc>
+              <a:spcBef>
+                <a:spcPts val="0"/>
+              </a:spcBef>
+              <a:spcAft>
+                <a:spcPts val="0"/>
+              </a:spcAft>
+              <a:buClrTx/>
+              <a:buSzTx/>
+              <a:buFontTx/>
+              <a:buNone/>
+              <a:tabLst/>
               <a:defRPr/>
             </a:pPr>
-            <a:endParaRPr lang="en-US" sz="1799" kern="0">
+            <a:endParaRPr kumimoji="0" lang="en-US" sz="1799" b="0" i="0" u="none" strike="noStrike" kern="0" cap="none" spc="0" normalizeH="0" baseline="0" noProof="0">
+              <a:ln>
+                <a:noFill/>
+              </a:ln>
+              <a:solidFill>
+                <a:srgbClr val="000000"/>
+              </a:solidFill>
+              <a:effectLst/>
+              <a:uLnTx/>
+              <a:uFillTx/>
               <a:latin typeface="Calibri" panose="020F0502020204030204"/>
               <a:ea typeface=""/>
               <a:cs typeface=""/>
@@ -26118,11 +28880,34 @@
           <a:bodyPr rtlCol="0" anchor="ctr"/>
           <a:lstStyle/>
           <a:p>
-            <a:pPr algn="ctr" defTabSz="914126">
+            <a:pPr marL="0" marR="0" lvl="0" indent="0" algn="ctr" defTabSz="914126" rtl="0" eaLnBrk="1" fontAlgn="auto" latinLnBrk="0" hangingPunct="1">
+              <a:lnSpc>
+                <a:spcPct val="100000"/>
+              </a:lnSpc>
+              <a:spcBef>
+                <a:spcPts val="0"/>
+              </a:spcBef>
+              <a:spcAft>
+                <a:spcPts val="0"/>
+              </a:spcAft>
+              <a:buClrTx/>
+              <a:buSzTx/>
+              <a:buFontTx/>
+              <a:buNone/>
+              <a:tabLst/>
               <a:defRPr/>
             </a:pPr>
             <a:r>
-              <a:rPr lang="en-US" sz="800" kern="0">
+              <a:rPr kumimoji="0" lang="en-US" sz="800" b="0" i="0" u="none" strike="noStrike" kern="0" cap="none" spc="0" normalizeH="0" baseline="0" noProof="0">
+                <a:ln>
+                  <a:noFill/>
+                </a:ln>
+                <a:solidFill>
+                  <a:srgbClr val="000000"/>
+                </a:solidFill>
+                <a:effectLst/>
+                <a:uLnTx/>
+                <a:uFillTx/>
                 <a:latin typeface="Calibri" panose="020F0502020204030204"/>
                 <a:ea typeface=""/>
                 <a:cs typeface=""/>
@@ -26164,11 +28949,34 @@
           <a:bodyPr rtlCol="0" anchor="ctr"/>
           <a:lstStyle/>
           <a:p>
-            <a:pPr algn="ctr" defTabSz="914126">
+            <a:pPr marL="0" marR="0" lvl="0" indent="0" algn="ctr" defTabSz="914126" rtl="0" eaLnBrk="1" fontAlgn="auto" latinLnBrk="0" hangingPunct="1">
+              <a:lnSpc>
+                <a:spcPct val="100000"/>
+              </a:lnSpc>
+              <a:spcBef>
+                <a:spcPts val="0"/>
+              </a:spcBef>
+              <a:spcAft>
+                <a:spcPts val="0"/>
+              </a:spcAft>
+              <a:buClrTx/>
+              <a:buSzTx/>
+              <a:buFontTx/>
+              <a:buNone/>
+              <a:tabLst/>
               <a:defRPr/>
             </a:pPr>
             <a:r>
-              <a:rPr lang="en-US" sz="800" kern="0" dirty="0">
+              <a:rPr kumimoji="0" lang="en-US" sz="800" b="0" i="0" u="none" strike="noStrike" kern="0" cap="none" spc="0" normalizeH="0" baseline="0" noProof="0" dirty="0">
+                <a:ln>
+                  <a:noFill/>
+                </a:ln>
+                <a:solidFill>
+                  <a:srgbClr val="000000"/>
+                </a:solidFill>
+                <a:effectLst/>
+                <a:uLnTx/>
+                <a:uFillTx/>
                 <a:latin typeface="Calibri" panose="020F0502020204030204"/>
                 <a:ea typeface=""/>
                 <a:cs typeface=""/>
@@ -26210,11 +29018,34 @@
           <a:bodyPr rtlCol="0" anchor="ctr"/>
           <a:lstStyle/>
           <a:p>
-            <a:pPr algn="ctr" defTabSz="914126">
+            <a:pPr marL="0" marR="0" lvl="0" indent="0" algn="ctr" defTabSz="914126" rtl="0" eaLnBrk="1" fontAlgn="auto" latinLnBrk="0" hangingPunct="1">
+              <a:lnSpc>
+                <a:spcPct val="100000"/>
+              </a:lnSpc>
+              <a:spcBef>
+                <a:spcPts val="0"/>
+              </a:spcBef>
+              <a:spcAft>
+                <a:spcPts val="0"/>
+              </a:spcAft>
+              <a:buClrTx/>
+              <a:buSzTx/>
+              <a:buFontTx/>
+              <a:buNone/>
+              <a:tabLst/>
               <a:defRPr/>
             </a:pPr>
             <a:r>
-              <a:rPr lang="en-US" sz="800" kern="0">
+              <a:rPr kumimoji="0" lang="en-US" sz="800" b="0" i="0" u="none" strike="noStrike" kern="0" cap="none" spc="0" normalizeH="0" baseline="0" noProof="0">
+                <a:ln>
+                  <a:noFill/>
+                </a:ln>
+                <a:solidFill>
+                  <a:srgbClr val="000000"/>
+                </a:solidFill>
+                <a:effectLst/>
+                <a:uLnTx/>
+                <a:uFillTx/>
                 <a:latin typeface="Calibri" panose="020F0502020204030204"/>
                 <a:ea typeface=""/>
                 <a:cs typeface=""/>
@@ -26252,10 +29083,33 @@
           <a:bodyPr rtlCol="0" anchor="ctr"/>
           <a:lstStyle/>
           <a:p>
-            <a:pPr algn="ctr" defTabSz="914126">
+            <a:pPr marL="0" marR="0" lvl="0" indent="0" algn="ctr" defTabSz="914126" rtl="0" eaLnBrk="1" fontAlgn="auto" latinLnBrk="0" hangingPunct="1">
+              <a:lnSpc>
+                <a:spcPct val="100000"/>
+              </a:lnSpc>
+              <a:spcBef>
+                <a:spcPts val="0"/>
+              </a:spcBef>
+              <a:spcAft>
+                <a:spcPts val="0"/>
+              </a:spcAft>
+              <a:buClrTx/>
+              <a:buSzTx/>
+              <a:buFontTx/>
+              <a:buNone/>
+              <a:tabLst/>
               <a:defRPr/>
             </a:pPr>
-            <a:endParaRPr lang="en-US" sz="1799" kern="0">
+            <a:endParaRPr kumimoji="0" lang="en-US" sz="1799" b="0" i="0" u="none" strike="noStrike" kern="0" cap="none" spc="0" normalizeH="0" baseline="0" noProof="0">
+              <a:ln>
+                <a:noFill/>
+              </a:ln>
+              <a:solidFill>
+                <a:srgbClr val="000000"/>
+              </a:solidFill>
+              <a:effectLst/>
+              <a:uLnTx/>
+              <a:uFillTx/>
               <a:latin typeface="Calibri" panose="020F0502020204030204"/>
               <a:ea typeface=""/>
               <a:cs typeface=""/>
@@ -26295,11 +29149,34 @@
           <a:bodyPr rtlCol="0" anchor="ctr"/>
           <a:lstStyle/>
           <a:p>
-            <a:pPr algn="ctr" defTabSz="914126">
+            <a:pPr marL="0" marR="0" lvl="0" indent="0" algn="ctr" defTabSz="914126" rtl="0" eaLnBrk="1" fontAlgn="auto" latinLnBrk="0" hangingPunct="1">
+              <a:lnSpc>
+                <a:spcPct val="100000"/>
+              </a:lnSpc>
+              <a:spcBef>
+                <a:spcPts val="0"/>
+              </a:spcBef>
+              <a:spcAft>
+                <a:spcPts val="0"/>
+              </a:spcAft>
+              <a:buClrTx/>
+              <a:buSzTx/>
+              <a:buFontTx/>
+              <a:buNone/>
+              <a:tabLst/>
               <a:defRPr/>
             </a:pPr>
             <a:r>
-              <a:rPr lang="en-US" sz="800" kern="0">
+              <a:rPr kumimoji="0" lang="en-US" sz="800" b="0" i="0" u="none" strike="noStrike" kern="0" cap="none" spc="0" normalizeH="0" baseline="0" noProof="0">
+                <a:ln>
+                  <a:noFill/>
+                </a:ln>
+                <a:solidFill>
+                  <a:srgbClr val="000000"/>
+                </a:solidFill>
+                <a:effectLst/>
+                <a:uLnTx/>
+                <a:uFillTx/>
                 <a:latin typeface="Calibri" panose="020F0502020204030204"/>
                 <a:ea typeface=""/>
                 <a:cs typeface=""/>
@@ -26341,11 +29218,34 @@
           <a:bodyPr rtlCol="0" anchor="ctr"/>
           <a:lstStyle/>
           <a:p>
-            <a:pPr algn="ctr" defTabSz="914126">
+            <a:pPr marL="0" marR="0" lvl="0" indent="0" algn="ctr" defTabSz="914126" rtl="0" eaLnBrk="1" fontAlgn="auto" latinLnBrk="0" hangingPunct="1">
+              <a:lnSpc>
+                <a:spcPct val="100000"/>
+              </a:lnSpc>
+              <a:spcBef>
+                <a:spcPts val="0"/>
+              </a:spcBef>
+              <a:spcAft>
+                <a:spcPts val="0"/>
+              </a:spcAft>
+              <a:buClrTx/>
+              <a:buSzTx/>
+              <a:buFontTx/>
+              <a:buNone/>
+              <a:tabLst/>
               <a:defRPr/>
             </a:pPr>
             <a:r>
-              <a:rPr lang="en-US" sz="800" kern="0">
+              <a:rPr kumimoji="0" lang="en-US" sz="800" b="0" i="0" u="none" strike="noStrike" kern="0" cap="none" spc="0" normalizeH="0" baseline="0" noProof="0">
+                <a:ln>
+                  <a:noFill/>
+                </a:ln>
+                <a:solidFill>
+                  <a:srgbClr val="000000"/>
+                </a:solidFill>
+                <a:effectLst/>
+                <a:uLnTx/>
+                <a:uFillTx/>
                 <a:latin typeface="Calibri" panose="020F0502020204030204"/>
                 <a:ea typeface=""/>
                 <a:cs typeface=""/>
@@ -26383,10 +29283,33 @@
           <a:bodyPr rtlCol="0" anchor="ctr"/>
           <a:lstStyle/>
           <a:p>
-            <a:pPr algn="ctr" defTabSz="914126">
+            <a:pPr marL="0" marR="0" lvl="0" indent="0" algn="ctr" defTabSz="914126" rtl="0" eaLnBrk="1" fontAlgn="auto" latinLnBrk="0" hangingPunct="1">
+              <a:lnSpc>
+                <a:spcPct val="100000"/>
+              </a:lnSpc>
+              <a:spcBef>
+                <a:spcPts val="0"/>
+              </a:spcBef>
+              <a:spcAft>
+                <a:spcPts val="0"/>
+              </a:spcAft>
+              <a:buClrTx/>
+              <a:buSzTx/>
+              <a:buFontTx/>
+              <a:buNone/>
+              <a:tabLst/>
               <a:defRPr/>
             </a:pPr>
-            <a:endParaRPr lang="en-US" sz="1799" kern="0">
+            <a:endParaRPr kumimoji="0" lang="en-US" sz="1799" b="0" i="0" u="none" strike="noStrike" kern="0" cap="none" spc="0" normalizeH="0" baseline="0" noProof="0">
+              <a:ln>
+                <a:noFill/>
+              </a:ln>
+              <a:solidFill>
+                <a:srgbClr val="000000"/>
+              </a:solidFill>
+              <a:effectLst/>
+              <a:uLnTx/>
+              <a:uFillTx/>
               <a:latin typeface="Calibri" panose="020F0502020204030204"/>
               <a:ea typeface=""/>
               <a:cs typeface=""/>
@@ -26426,11 +29349,34 @@
           <a:bodyPr rtlCol="0" anchor="ctr"/>
           <a:lstStyle/>
           <a:p>
-            <a:pPr algn="ctr" defTabSz="914126">
+            <a:pPr marL="0" marR="0" lvl="0" indent="0" algn="ctr" defTabSz="914126" rtl="0" eaLnBrk="1" fontAlgn="auto" latinLnBrk="0" hangingPunct="1">
+              <a:lnSpc>
+                <a:spcPct val="100000"/>
+              </a:lnSpc>
+              <a:spcBef>
+                <a:spcPts val="0"/>
+              </a:spcBef>
+              <a:spcAft>
+                <a:spcPts val="0"/>
+              </a:spcAft>
+              <a:buClrTx/>
+              <a:buSzTx/>
+              <a:buFontTx/>
+              <a:buNone/>
+              <a:tabLst/>
               <a:defRPr/>
             </a:pPr>
             <a:r>
-              <a:rPr lang="en-US" sz="800" kern="0">
+              <a:rPr kumimoji="0" lang="en-US" sz="800" b="0" i="0" u="none" strike="noStrike" kern="0" cap="none" spc="0" normalizeH="0" baseline="0" noProof="0">
+                <a:ln>
+                  <a:noFill/>
+                </a:ln>
+                <a:solidFill>
+                  <a:srgbClr val="000000"/>
+                </a:solidFill>
+                <a:effectLst/>
+                <a:uLnTx/>
+                <a:uFillTx/>
                 <a:latin typeface="Calibri" panose="020F0502020204030204"/>
                 <a:ea typeface=""/>
                 <a:cs typeface=""/>
@@ -26472,11 +29418,34 @@
           <a:bodyPr rtlCol="0" anchor="ctr"/>
           <a:lstStyle/>
           <a:p>
-            <a:pPr algn="ctr" defTabSz="914126">
+            <a:pPr marL="0" marR="0" lvl="0" indent="0" algn="ctr" defTabSz="914126" rtl="0" eaLnBrk="1" fontAlgn="auto" latinLnBrk="0" hangingPunct="1">
+              <a:lnSpc>
+                <a:spcPct val="100000"/>
+              </a:lnSpc>
+              <a:spcBef>
+                <a:spcPts val="0"/>
+              </a:spcBef>
+              <a:spcAft>
+                <a:spcPts val="0"/>
+              </a:spcAft>
+              <a:buClrTx/>
+              <a:buSzTx/>
+              <a:buFontTx/>
+              <a:buNone/>
+              <a:tabLst/>
               <a:defRPr/>
             </a:pPr>
             <a:r>
-              <a:rPr lang="en-US" sz="800" kern="0">
+              <a:rPr kumimoji="0" lang="en-US" sz="800" b="0" i="0" u="none" strike="noStrike" kern="0" cap="none" spc="0" normalizeH="0" baseline="0" noProof="0">
+                <a:ln>
+                  <a:noFill/>
+                </a:ln>
+                <a:solidFill>
+                  <a:srgbClr val="000000"/>
+                </a:solidFill>
+                <a:effectLst/>
+                <a:uLnTx/>
+                <a:uFillTx/>
                 <a:latin typeface="Calibri" panose="020F0502020204030204"/>
                 <a:ea typeface=""/>
                 <a:cs typeface=""/>
@@ -26514,10 +29483,33 @@
           <a:bodyPr rtlCol="0" anchor="ctr"/>
           <a:lstStyle/>
           <a:p>
-            <a:pPr algn="ctr" defTabSz="914126">
+            <a:pPr marL="0" marR="0" lvl="0" indent="0" algn="ctr" defTabSz="914126" rtl="0" eaLnBrk="1" fontAlgn="auto" latinLnBrk="0" hangingPunct="1">
+              <a:lnSpc>
+                <a:spcPct val="100000"/>
+              </a:lnSpc>
+              <a:spcBef>
+                <a:spcPts val="0"/>
+              </a:spcBef>
+              <a:spcAft>
+                <a:spcPts val="0"/>
+              </a:spcAft>
+              <a:buClrTx/>
+              <a:buSzTx/>
+              <a:buFontTx/>
+              <a:buNone/>
+              <a:tabLst/>
               <a:defRPr/>
             </a:pPr>
-            <a:endParaRPr lang="en-US" sz="1799" kern="0">
+            <a:endParaRPr kumimoji="0" lang="en-US" sz="1799" b="0" i="0" u="none" strike="noStrike" kern="0" cap="none" spc="0" normalizeH="0" baseline="0" noProof="0">
+              <a:ln>
+                <a:noFill/>
+              </a:ln>
+              <a:solidFill>
+                <a:srgbClr val="000000"/>
+              </a:solidFill>
+              <a:effectLst/>
+              <a:uLnTx/>
+              <a:uFillTx/>
               <a:latin typeface="Calibri" panose="020F0502020204030204"/>
               <a:ea typeface=""/>
               <a:cs typeface=""/>
@@ -26557,11 +29549,34 @@
           <a:bodyPr rtlCol="0" anchor="ctr"/>
           <a:lstStyle/>
           <a:p>
-            <a:pPr algn="ctr" defTabSz="914126">
+            <a:pPr marL="0" marR="0" lvl="0" indent="0" algn="ctr" defTabSz="914126" rtl="0" eaLnBrk="1" fontAlgn="auto" latinLnBrk="0" hangingPunct="1">
+              <a:lnSpc>
+                <a:spcPct val="100000"/>
+              </a:lnSpc>
+              <a:spcBef>
+                <a:spcPts val="0"/>
+              </a:spcBef>
+              <a:spcAft>
+                <a:spcPts val="0"/>
+              </a:spcAft>
+              <a:buClrTx/>
+              <a:buSzTx/>
+              <a:buFontTx/>
+              <a:buNone/>
+              <a:tabLst/>
               <a:defRPr/>
             </a:pPr>
             <a:r>
-              <a:rPr lang="en-US" sz="800" kern="0">
+              <a:rPr kumimoji="0" lang="en-US" sz="800" b="0" i="0" u="none" strike="noStrike" kern="0" cap="none" spc="0" normalizeH="0" baseline="0" noProof="0">
+                <a:ln>
+                  <a:noFill/>
+                </a:ln>
+                <a:solidFill>
+                  <a:srgbClr val="000000"/>
+                </a:solidFill>
+                <a:effectLst/>
+                <a:uLnTx/>
+                <a:uFillTx/>
                 <a:latin typeface="Calibri" panose="020F0502020204030204"/>
                 <a:ea typeface=""/>
                 <a:cs typeface=""/>
@@ -26619,9 +29634,37 @@
           </a:bodyPr>
           <a:lstStyle/>
           <a:p>
-            <a:r>
-              <a:rPr lang="en-US" sz="1799" dirty="0">
+            <a:pPr marL="0" marR="0" lvl="0" indent="0" algn="l" defTabSz="1088776" rtl="0" eaLnBrk="1" fontAlgn="auto" latinLnBrk="0" hangingPunct="1">
+              <a:lnSpc>
+                <a:spcPct val="100000"/>
+              </a:lnSpc>
+              <a:spcBef>
+                <a:spcPts val="0"/>
+              </a:spcBef>
+              <a:spcAft>
+                <a:spcPts val="0"/>
+              </a:spcAft>
+              <a:buClrTx/>
+              <a:buSzTx/>
+              <a:buFontTx/>
+              <a:buNone/>
+              <a:tabLst/>
+              <a:defRPr/>
+            </a:pPr>
+            <a:r>
+              <a:rPr kumimoji="0" lang="en-US" sz="1799" b="0" i="0" u="none" strike="noStrike" kern="1200" cap="none" spc="0" normalizeH="0" baseline="0" noProof="0" dirty="0">
+                <a:ln>
+                  <a:noFill/>
+                </a:ln>
+                <a:solidFill>
+                  <a:srgbClr val="000000"/>
+                </a:solidFill>
+                <a:effectLst/>
+                <a:uLnTx/>
+                <a:uFillTx/>
                 <a:latin typeface="Calibri" panose="020F0502020204030204"/>
+                <a:ea typeface="+mn-ea"/>
+                <a:cs typeface="+mn-cs"/>
               </a:rPr>
               <a:t>manages</a:t>
             </a:r>
@@ -26738,11 +29781,34 @@
           <a:bodyPr rtlCol="0" anchor="t"/>
           <a:lstStyle/>
           <a:p>
-            <a:pPr defTabSz="914126">
+            <a:pPr marL="0" marR="0" lvl="0" indent="0" algn="l" defTabSz="914126" rtl="0" eaLnBrk="1" fontAlgn="auto" latinLnBrk="0" hangingPunct="1">
+              <a:lnSpc>
+                <a:spcPct val="100000"/>
+              </a:lnSpc>
+              <a:spcBef>
+                <a:spcPts val="0"/>
+              </a:spcBef>
+              <a:spcAft>
+                <a:spcPts val="0"/>
+              </a:spcAft>
+              <a:buClrTx/>
+              <a:buSzTx/>
+              <a:buFontTx/>
+              <a:buNone/>
+              <a:tabLst/>
               <a:defRPr/>
             </a:pPr>
             <a:r>
-              <a:rPr lang="en-US" sz="1799" kern="0">
+              <a:rPr kumimoji="0" lang="en-US" sz="1799" b="0" i="0" u="none" strike="noStrike" kern="0" cap="none" spc="0" normalizeH="0" baseline="0" noProof="0">
+                <a:ln>
+                  <a:noFill/>
+                </a:ln>
+                <a:solidFill>
+                  <a:srgbClr val="000000"/>
+                </a:solidFill>
+                <a:effectLst/>
+                <a:uLnTx/>
+                <a:uFillTx/>
                 <a:latin typeface="Calibri" panose="020F0502020204030204"/>
                 <a:ea typeface=""/>
                 <a:cs typeface=""/>
@@ -26774,17 +29840,73 @@
           </a:bodyPr>
           <a:lstStyle/>
           <a:p>
-            <a:r>
-              <a:rPr lang="en-US" sz="1799" b="1" dirty="0">
+            <a:pPr marL="0" marR="0" lvl="0" indent="0" algn="l" defTabSz="1088776" rtl="0" eaLnBrk="1" fontAlgn="auto" latinLnBrk="0" hangingPunct="1">
+              <a:lnSpc>
+                <a:spcPct val="100000"/>
+              </a:lnSpc>
+              <a:spcBef>
+                <a:spcPts val="0"/>
+              </a:spcBef>
+              <a:spcAft>
+                <a:spcPts val="0"/>
+              </a:spcAft>
+              <a:buClrTx/>
+              <a:buSzTx/>
+              <a:buFontTx/>
+              <a:buNone/>
+              <a:tabLst/>
+              <a:defRPr/>
+            </a:pPr>
+            <a:r>
+              <a:rPr kumimoji="0" lang="en-US" sz="1799" b="1" i="0" u="none" strike="noStrike" kern="1200" cap="none" spc="0" normalizeH="0" baseline="0" noProof="0" dirty="0">
+                <a:ln>
+                  <a:noFill/>
+                </a:ln>
+                <a:solidFill>
+                  <a:srgbClr val="000000"/>
+                </a:solidFill>
+                <a:effectLst/>
+                <a:uLnTx/>
+                <a:uFillTx/>
                 <a:latin typeface="Calibri" panose="020F0502020204030204"/>
+                <a:ea typeface="+mn-ea"/>
+                <a:cs typeface="+mn-cs"/>
               </a:rPr>
               <a:t>Think outside the box /</a:t>
             </a:r>
           </a:p>
           <a:p>
-            <a:r>
-              <a:rPr lang="en-US" sz="1799" b="1" dirty="0">
+            <a:pPr marL="0" marR="0" lvl="0" indent="0" algn="l" defTabSz="1088776" rtl="0" eaLnBrk="1" fontAlgn="auto" latinLnBrk="0" hangingPunct="1">
+              <a:lnSpc>
+                <a:spcPct val="100000"/>
+              </a:lnSpc>
+              <a:spcBef>
+                <a:spcPts val="0"/>
+              </a:spcBef>
+              <a:spcAft>
+                <a:spcPts val="0"/>
+              </a:spcAft>
+              <a:buClrTx/>
+              <a:buSzTx/>
+              <a:buFontTx/>
+              <a:buNone/>
+              <a:tabLst/>
+              <a:defRPr/>
+            </a:pPr>
+            <a:r>
+              <a:rPr kumimoji="0" lang="en-US" sz="1799" b="1" i="0" u="none" strike="noStrike" kern="1200" cap="none" spc="0" normalizeH="0" baseline="0" noProof="0" dirty="0">
+                <a:ln>
+                  <a:noFill/>
+                </a:ln>
+                <a:solidFill>
+                  <a:srgbClr val="000000"/>
+                </a:solidFill>
+                <a:effectLst/>
+                <a:uLnTx/>
+                <a:uFillTx/>
                 <a:latin typeface="Calibri" panose="020F0502020204030204"/>
+                <a:ea typeface="+mn-ea"/>
+                <a:cs typeface="+mn-cs"/>
               </a:rPr>
               <a:t>Move outside the box!</a:t>
             </a:r>
@@ -26821,11 +29943,34 @@
           <a:bodyPr rtlCol="0" anchor="ctr"/>
           <a:lstStyle/>
           <a:p>
-            <a:pPr algn="ctr" defTabSz="914126">
+            <a:pPr marL="0" marR="0" lvl="0" indent="0" algn="ctr" defTabSz="914126" rtl="0" eaLnBrk="1" fontAlgn="auto" latinLnBrk="0" hangingPunct="1">
+              <a:lnSpc>
+                <a:spcPct val="100000"/>
+              </a:lnSpc>
+              <a:spcBef>
+                <a:spcPts val="0"/>
+              </a:spcBef>
+              <a:spcAft>
+                <a:spcPts val="0"/>
+              </a:spcAft>
+              <a:buClrTx/>
+              <a:buSzTx/>
+              <a:buFontTx/>
+              <a:buNone/>
+              <a:tabLst/>
               <a:defRPr/>
             </a:pPr>
             <a:r>
-              <a:rPr lang="en-US" sz="1799" kern="0">
+              <a:rPr kumimoji="0" lang="en-US" sz="1799" b="0" i="0" u="none" strike="noStrike" kern="0" cap="none" spc="0" normalizeH="0" baseline="0" noProof="0">
+                <a:ln>
+                  <a:noFill/>
+                </a:ln>
+                <a:solidFill>
+                  <a:srgbClr val="000000"/>
+                </a:solidFill>
+                <a:effectLst/>
+                <a:uLnTx/>
+                <a:uFillTx/>
                 <a:latin typeface="Calibri" panose="020F0502020204030204"/>
                 <a:ea typeface=""/>
                 <a:cs typeface=""/>
@@ -26867,11 +30012,34 @@
           <a:bodyPr rtlCol="0" anchor="ctr"/>
           <a:lstStyle/>
           <a:p>
-            <a:pPr algn="ctr" defTabSz="914126">
+            <a:pPr marL="0" marR="0" lvl="0" indent="0" algn="ctr" defTabSz="914126" rtl="0" eaLnBrk="1" fontAlgn="auto" latinLnBrk="0" hangingPunct="1">
+              <a:lnSpc>
+                <a:spcPct val="100000"/>
+              </a:lnSpc>
+              <a:spcBef>
+                <a:spcPts val="0"/>
+              </a:spcBef>
+              <a:spcAft>
+                <a:spcPts val="0"/>
+              </a:spcAft>
+              <a:buClrTx/>
+              <a:buSzTx/>
+              <a:buFontTx/>
+              <a:buNone/>
+              <a:tabLst/>
               <a:defRPr/>
             </a:pPr>
             <a:r>
-              <a:rPr lang="en-US" sz="1799" kern="0">
+              <a:rPr kumimoji="0" lang="en-US" sz="1799" b="0" i="0" u="none" strike="noStrike" kern="0" cap="none" spc="0" normalizeH="0" baseline="0" noProof="0">
+                <a:ln>
+                  <a:noFill/>
+                </a:ln>
+                <a:solidFill>
+                  <a:srgbClr val="000000"/>
+                </a:solidFill>
+                <a:effectLst/>
+                <a:uLnTx/>
+                <a:uFillTx/>
                 <a:latin typeface="Calibri" panose="020F0502020204030204"/>
                 <a:ea typeface=""/>
                 <a:cs typeface=""/>
@@ -26913,11 +30081,34 @@
           <a:bodyPr rtlCol="0" anchor="ctr"/>
           <a:lstStyle/>
           <a:p>
-            <a:pPr algn="ctr" defTabSz="914126">
+            <a:pPr marL="0" marR="0" lvl="0" indent="0" algn="ctr" defTabSz="914126" rtl="0" eaLnBrk="1" fontAlgn="auto" latinLnBrk="0" hangingPunct="1">
+              <a:lnSpc>
+                <a:spcPct val="100000"/>
+              </a:lnSpc>
+              <a:spcBef>
+                <a:spcPts val="0"/>
+              </a:spcBef>
+              <a:spcAft>
+                <a:spcPts val="0"/>
+              </a:spcAft>
+              <a:buClrTx/>
+              <a:buSzTx/>
+              <a:buFontTx/>
+              <a:buNone/>
+              <a:tabLst/>
               <a:defRPr/>
             </a:pPr>
             <a:r>
-              <a:rPr lang="en-US" sz="1799" kern="0">
+              <a:rPr kumimoji="0" lang="en-US" sz="1799" b="0" i="0" u="none" strike="noStrike" kern="0" cap="none" spc="0" normalizeH="0" baseline="0" noProof="0">
+                <a:ln>
+                  <a:noFill/>
+                </a:ln>
+                <a:solidFill>
+                  <a:srgbClr val="000000"/>
+                </a:solidFill>
+                <a:effectLst/>
+                <a:uLnTx/>
+                <a:uFillTx/>
                 <a:latin typeface="Calibri" panose="020F0502020204030204"/>
                 <a:ea typeface=""/>
                 <a:cs typeface=""/>
@@ -26959,11 +30150,34 @@
           <a:bodyPr rtlCol="0" anchor="ctr"/>
           <a:lstStyle/>
           <a:p>
-            <a:pPr algn="ctr" defTabSz="914126">
+            <a:pPr marL="0" marR="0" lvl="0" indent="0" algn="ctr" defTabSz="914126" rtl="0" eaLnBrk="1" fontAlgn="auto" latinLnBrk="0" hangingPunct="1">
+              <a:lnSpc>
+                <a:spcPct val="100000"/>
+              </a:lnSpc>
+              <a:spcBef>
+                <a:spcPts val="0"/>
+              </a:spcBef>
+              <a:spcAft>
+                <a:spcPts val="0"/>
+              </a:spcAft>
+              <a:buClrTx/>
+              <a:buSzTx/>
+              <a:buFontTx/>
+              <a:buNone/>
+              <a:tabLst/>
               <a:defRPr/>
             </a:pPr>
             <a:r>
-              <a:rPr lang="en-US" sz="1799" kern="0">
+              <a:rPr kumimoji="0" lang="en-US" sz="1799" b="0" i="0" u="none" strike="noStrike" kern="0" cap="none" spc="0" normalizeH="0" baseline="0" noProof="0">
+                <a:ln>
+                  <a:noFill/>
+                </a:ln>
+                <a:solidFill>
+                  <a:srgbClr val="000000"/>
+                </a:solidFill>
+                <a:effectLst/>
+                <a:uLnTx/>
+                <a:uFillTx/>
                 <a:latin typeface="Calibri" panose="020F0502020204030204"/>
                 <a:ea typeface=""/>
                 <a:cs typeface=""/>
@@ -27003,11 +30217,34 @@
           <a:bodyPr rtlCol="0" anchor="ctr"/>
           <a:lstStyle/>
           <a:p>
-            <a:pPr algn="ctr" defTabSz="914126">
+            <a:pPr marL="0" marR="0" lvl="0" indent="0" algn="ctr" defTabSz="914126" rtl="0" eaLnBrk="1" fontAlgn="auto" latinLnBrk="0" hangingPunct="1">
+              <a:lnSpc>
+                <a:spcPct val="100000"/>
+              </a:lnSpc>
+              <a:spcBef>
+                <a:spcPts val="0"/>
+              </a:spcBef>
+              <a:spcAft>
+                <a:spcPts val="0"/>
+              </a:spcAft>
+              <a:buClrTx/>
+              <a:buSzTx/>
+              <a:buFontTx/>
+              <a:buNone/>
+              <a:tabLst/>
               <a:defRPr/>
             </a:pPr>
             <a:r>
-              <a:rPr lang="en-US" sz="1799" kern="0">
+              <a:rPr kumimoji="0" lang="en-US" sz="1799" b="0" i="0" u="none" strike="noStrike" kern="0" cap="none" spc="0" normalizeH="0" baseline="0" noProof="0">
+                <a:ln>
+                  <a:noFill/>
+                </a:ln>
+                <a:solidFill>
+                  <a:srgbClr val="000000"/>
+                </a:solidFill>
+                <a:effectLst/>
+                <a:uLnTx/>
+                <a:uFillTx/>
                 <a:latin typeface="Calibri" panose="020F0502020204030204"/>
                 <a:ea typeface=""/>
                 <a:cs typeface=""/>
@@ -27047,11 +30284,34 @@
           <a:bodyPr rtlCol="0" anchor="ctr"/>
           <a:lstStyle/>
           <a:p>
-            <a:pPr algn="ctr" defTabSz="914126">
+            <a:pPr marL="0" marR="0" lvl="0" indent="0" algn="ctr" defTabSz="914126" rtl="0" eaLnBrk="1" fontAlgn="auto" latinLnBrk="0" hangingPunct="1">
+              <a:lnSpc>
+                <a:spcPct val="100000"/>
+              </a:lnSpc>
+              <a:spcBef>
+                <a:spcPts val="0"/>
+              </a:spcBef>
+              <a:spcAft>
+                <a:spcPts val="0"/>
+              </a:spcAft>
+              <a:buClrTx/>
+              <a:buSzTx/>
+              <a:buFontTx/>
+              <a:buNone/>
+              <a:tabLst/>
               <a:defRPr/>
             </a:pPr>
             <a:r>
-              <a:rPr lang="en-US" sz="1799" kern="0">
+              <a:rPr kumimoji="0" lang="en-US" sz="1799" b="0" i="0" u="none" strike="noStrike" kern="0" cap="none" spc="0" normalizeH="0" baseline="0" noProof="0">
+                <a:ln>
+                  <a:noFill/>
+                </a:ln>
+                <a:solidFill>
+                  <a:srgbClr val="000000"/>
+                </a:solidFill>
+                <a:effectLst/>
+                <a:uLnTx/>
+                <a:uFillTx/>
                 <a:latin typeface="Calibri" panose="020F0502020204030204"/>
                 <a:ea typeface=""/>
                 <a:cs typeface=""/>
@@ -27091,11 +30351,34 @@
           <a:bodyPr rtlCol="0" anchor="ctr"/>
           <a:lstStyle/>
           <a:p>
-            <a:pPr algn="ctr" defTabSz="914126">
+            <a:pPr marL="0" marR="0" lvl="0" indent="0" algn="ctr" defTabSz="914126" rtl="0" eaLnBrk="1" fontAlgn="auto" latinLnBrk="0" hangingPunct="1">
+              <a:lnSpc>
+                <a:spcPct val="100000"/>
+              </a:lnSpc>
+              <a:spcBef>
+                <a:spcPts val="0"/>
+              </a:spcBef>
+              <a:spcAft>
+                <a:spcPts val="0"/>
+              </a:spcAft>
+              <a:buClrTx/>
+              <a:buSzTx/>
+              <a:buFontTx/>
+              <a:buNone/>
+              <a:tabLst/>
               <a:defRPr/>
             </a:pPr>
             <a:r>
-              <a:rPr lang="en-US" sz="1799" kern="0">
+              <a:rPr kumimoji="0" lang="en-US" sz="1799" b="0" i="0" u="none" strike="noStrike" kern="0" cap="none" spc="0" normalizeH="0" baseline="0" noProof="0">
+                <a:ln>
+                  <a:noFill/>
+                </a:ln>
+                <a:solidFill>
+                  <a:srgbClr val="000000"/>
+                </a:solidFill>
+                <a:effectLst/>
+                <a:uLnTx/>
+                <a:uFillTx/>
                 <a:latin typeface="Calibri" panose="020F0502020204030204"/>
                 <a:ea typeface=""/>
                 <a:cs typeface=""/>
@@ -27135,11 +30418,34 @@
           <a:bodyPr rtlCol="0" anchor="ctr"/>
           <a:lstStyle/>
           <a:p>
-            <a:pPr algn="ctr" defTabSz="914126">
+            <a:pPr marL="0" marR="0" lvl="0" indent="0" algn="ctr" defTabSz="914126" rtl="0" eaLnBrk="1" fontAlgn="auto" latinLnBrk="0" hangingPunct="1">
+              <a:lnSpc>
+                <a:spcPct val="100000"/>
+              </a:lnSpc>
+              <a:spcBef>
+                <a:spcPts val="0"/>
+              </a:spcBef>
+              <a:spcAft>
+                <a:spcPts val="0"/>
+              </a:spcAft>
+              <a:buClrTx/>
+              <a:buSzTx/>
+              <a:buFontTx/>
+              <a:buNone/>
+              <a:tabLst/>
               <a:defRPr/>
             </a:pPr>
             <a:r>
-              <a:rPr lang="en-US" sz="1799" kern="0">
+              <a:rPr kumimoji="0" lang="en-US" sz="1799" b="0" i="0" u="none" strike="noStrike" kern="0" cap="none" spc="0" normalizeH="0" baseline="0" noProof="0">
+                <a:ln>
+                  <a:noFill/>
+                </a:ln>
+                <a:solidFill>
+                  <a:srgbClr val="000000"/>
+                </a:solidFill>
+                <a:effectLst/>
+                <a:uLnTx/>
+                <a:uFillTx/>
                 <a:latin typeface="Calibri" panose="020F0502020204030204"/>
                 <a:ea typeface=""/>
                 <a:cs typeface=""/>
@@ -27171,15 +30477,53 @@
           </a:bodyPr>
           <a:lstStyle/>
           <a:p>
-            <a:r>
-              <a:rPr lang="mr-IN" sz="1799">
+            <a:pPr marL="0" marR="0" lvl="0" indent="0" algn="l" defTabSz="1088776" rtl="0" eaLnBrk="1" fontAlgn="auto" latinLnBrk="0" hangingPunct="1">
+              <a:lnSpc>
+                <a:spcPct val="100000"/>
+              </a:lnSpc>
+              <a:spcBef>
+                <a:spcPts val="0"/>
+              </a:spcBef>
+              <a:spcAft>
+                <a:spcPts val="0"/>
+              </a:spcAft>
+              <a:buClrTx/>
+              <a:buSzTx/>
+              <a:buFontTx/>
+              <a:buNone/>
+              <a:tabLst/>
+              <a:defRPr/>
+            </a:pPr>
+            <a:r>
+              <a:rPr kumimoji="0" lang="mr-IN" sz="1799" b="0" i="0" u="none" strike="noStrike" kern="1200" cap="none" spc="0" normalizeH="0" baseline="0" noProof="0">
+                <a:ln>
+                  <a:noFill/>
+                </a:ln>
+                <a:solidFill>
+                  <a:srgbClr val="000000"/>
+                </a:solidFill>
+                <a:effectLst/>
+                <a:uLnTx/>
+                <a:uFillTx/>
                 <a:latin typeface="Calibri" panose="020F0502020204030204"/>
+                <a:ea typeface="+mn-ea"/>
                 <a:cs typeface="Mangal" charset="0"/>
               </a:rPr>
               <a:t>…</a:t>
             </a:r>
-            <a:endParaRPr lang="en-US" sz="1799">
+            <a:endParaRPr kumimoji="0" lang="en-US" sz="1799" b="0" i="0" u="none" strike="noStrike" kern="1200" cap="none" spc="0" normalizeH="0" baseline="0" noProof="0">
+              <a:ln>
+                <a:noFill/>
+              </a:ln>
+              <a:solidFill>
+                <a:srgbClr val="000000"/>
+              </a:solidFill>
+              <a:effectLst/>
+              <a:uLnTx/>
+              <a:uFillTx/>
               <a:latin typeface="Calibri" panose="020F0502020204030204"/>
+              <a:ea typeface="+mn-ea"/>
+              <a:cs typeface="+mn-cs"/>
             </a:endParaRPr>
           </a:p>
         </p:txBody>
@@ -27296,11 +30640,34 @@
           <a:bodyPr rtlCol="0" anchor="ctr"/>
           <a:lstStyle/>
           <a:p>
-            <a:pPr algn="ctr" defTabSz="914126">
+            <a:pPr marL="0" marR="0" lvl="0" indent="0" algn="ctr" defTabSz="914126" rtl="0" eaLnBrk="1" fontAlgn="auto" latinLnBrk="0" hangingPunct="1">
+              <a:lnSpc>
+                <a:spcPct val="100000"/>
+              </a:lnSpc>
+              <a:spcBef>
+                <a:spcPts val="0"/>
+              </a:spcBef>
+              <a:spcAft>
+                <a:spcPts val="0"/>
+              </a:spcAft>
+              <a:buClrTx/>
+              <a:buSzTx/>
+              <a:buFontTx/>
+              <a:buNone/>
+              <a:tabLst/>
               <a:defRPr/>
             </a:pPr>
             <a:r>
-              <a:rPr lang="en-US" sz="1799" kern="0">
+              <a:rPr kumimoji="0" lang="en-US" sz="1799" b="0" i="0" u="none" strike="noStrike" kern="0" cap="none" spc="0" normalizeH="0" baseline="0" noProof="0">
+                <a:ln>
+                  <a:noFill/>
+                </a:ln>
+                <a:solidFill>
+                  <a:srgbClr val="000000"/>
+                </a:solidFill>
+                <a:effectLst/>
+                <a:uLnTx/>
+                <a:uFillTx/>
                 <a:latin typeface="Calibri" panose="020F0502020204030204"/>
                 <a:ea typeface=""/>
                 <a:cs typeface=""/>
@@ -27338,10 +30705,33 @@
           <a:bodyPr rtlCol="0" anchor="ctr"/>
           <a:lstStyle/>
           <a:p>
-            <a:pPr algn="ctr" defTabSz="914126">
+            <a:pPr marL="0" marR="0" lvl="0" indent="0" algn="ctr" defTabSz="914126" rtl="0" eaLnBrk="1" fontAlgn="auto" latinLnBrk="0" hangingPunct="1">
+              <a:lnSpc>
+                <a:spcPct val="100000"/>
+              </a:lnSpc>
+              <a:spcBef>
+                <a:spcPts val="0"/>
+              </a:spcBef>
+              <a:spcAft>
+                <a:spcPts val="0"/>
+              </a:spcAft>
+              <a:buClrTx/>
+              <a:buSzTx/>
+              <a:buFontTx/>
+              <a:buNone/>
+              <a:tabLst/>
               <a:defRPr/>
             </a:pPr>
-            <a:endParaRPr lang="en-US" sz="1799" kern="0">
+            <a:endParaRPr kumimoji="0" lang="en-US" sz="1799" b="0" i="0" u="none" strike="noStrike" kern="0" cap="none" spc="0" normalizeH="0" baseline="0" noProof="0">
+              <a:ln>
+                <a:noFill/>
+              </a:ln>
+              <a:solidFill>
+                <a:srgbClr val="000000"/>
+              </a:solidFill>
+              <a:effectLst/>
+              <a:uLnTx/>
+              <a:uFillTx/>
               <a:latin typeface="Calibri" panose="020F0502020204030204"/>
               <a:ea typeface=""/>
               <a:cs typeface=""/>
@@ -27381,11 +30771,34 @@
           <a:bodyPr rtlCol="0" anchor="ctr"/>
           <a:lstStyle/>
           <a:p>
-            <a:pPr algn="ctr" defTabSz="914126">
+            <a:pPr marL="0" marR="0" lvl="0" indent="0" algn="ctr" defTabSz="914126" rtl="0" eaLnBrk="1" fontAlgn="auto" latinLnBrk="0" hangingPunct="1">
+              <a:lnSpc>
+                <a:spcPct val="100000"/>
+              </a:lnSpc>
+              <a:spcBef>
+                <a:spcPts val="0"/>
+              </a:spcBef>
+              <a:spcAft>
+                <a:spcPts val="0"/>
+              </a:spcAft>
+              <a:buClrTx/>
+              <a:buSzTx/>
+              <a:buFontTx/>
+              <a:buNone/>
+              <a:tabLst/>
               <a:defRPr/>
             </a:pPr>
             <a:r>
-              <a:rPr lang="en-US" sz="800" kern="0" dirty="0">
+              <a:rPr kumimoji="0" lang="en-US" sz="800" b="0" i="0" u="none" strike="noStrike" kern="0" cap="none" spc="0" normalizeH="0" baseline="0" noProof="0" dirty="0">
+                <a:ln>
+                  <a:noFill/>
+                </a:ln>
+                <a:solidFill>
+                  <a:srgbClr val="000000"/>
+                </a:solidFill>
+                <a:effectLst/>
+                <a:uLnTx/>
+                <a:uFillTx/>
                 <a:latin typeface="Calibri" panose="020F0502020204030204"/>
                 <a:ea typeface=""/>
                 <a:cs typeface=""/>
@@ -27427,11 +30840,34 @@
           <a:bodyPr rtlCol="0" anchor="ctr"/>
           <a:lstStyle/>
           <a:p>
-            <a:pPr algn="ctr" defTabSz="914126">
+            <a:pPr marL="0" marR="0" lvl="0" indent="0" algn="ctr" defTabSz="914126" rtl="0" eaLnBrk="1" fontAlgn="auto" latinLnBrk="0" hangingPunct="1">
+              <a:lnSpc>
+                <a:spcPct val="100000"/>
+              </a:lnSpc>
+              <a:spcBef>
+                <a:spcPts val="0"/>
+              </a:spcBef>
+              <a:spcAft>
+                <a:spcPts val="0"/>
+              </a:spcAft>
+              <a:buClrTx/>
+              <a:buSzTx/>
+              <a:buFontTx/>
+              <a:buNone/>
+              <a:tabLst/>
               <a:defRPr/>
             </a:pPr>
             <a:r>
-              <a:rPr lang="en-US" sz="800" kern="0">
+              <a:rPr kumimoji="0" lang="en-US" sz="800" b="0" i="0" u="none" strike="noStrike" kern="0" cap="none" spc="0" normalizeH="0" baseline="0" noProof="0">
+                <a:ln>
+                  <a:noFill/>
+                </a:ln>
+                <a:solidFill>
+                  <a:srgbClr val="000000"/>
+                </a:solidFill>
+                <a:effectLst/>
+                <a:uLnTx/>
+                <a:uFillTx/>
                 <a:latin typeface="Calibri" panose="020F0502020204030204"/>
                 <a:ea typeface=""/>
                 <a:cs typeface=""/>
@@ -27463,31 +30899,126 @@
           </a:bodyPr>
           <a:lstStyle/>
           <a:p>
-            <a:r>
-              <a:rPr lang="en-US" sz="1400" b="1" dirty="0">
+            <a:pPr marL="0" marR="0" lvl="0" indent="0" algn="l" defTabSz="1088776" rtl="0" eaLnBrk="1" fontAlgn="auto" latinLnBrk="0" hangingPunct="1">
+              <a:lnSpc>
+                <a:spcPct val="100000"/>
+              </a:lnSpc>
+              <a:spcBef>
+                <a:spcPts val="0"/>
+              </a:spcBef>
+              <a:spcAft>
+                <a:spcPts val="0"/>
+              </a:spcAft>
+              <a:buClrTx/>
+              <a:buSzTx/>
+              <a:buFontTx/>
+              <a:buNone/>
+              <a:tabLst/>
+              <a:defRPr/>
+            </a:pPr>
+            <a:r>
+              <a:rPr kumimoji="0" lang="en-US" sz="1400" b="1" i="0" u="none" strike="noStrike" kern="1200" cap="none" spc="0" normalizeH="0" baseline="0" noProof="0" dirty="0">
+                <a:ln>
+                  <a:noFill/>
+                </a:ln>
+                <a:solidFill>
+                  <a:srgbClr val="000000"/>
+                </a:solidFill>
+                <a:effectLst/>
+                <a:uLnTx/>
+                <a:uFillTx/>
                 <a:latin typeface="Calibri" panose="020F0502020204030204"/>
+                <a:ea typeface="+mn-ea"/>
+                <a:cs typeface="+mn-cs"/>
               </a:rPr>
               <a:t>Auto-scaling via native</a:t>
             </a:r>
           </a:p>
           <a:p>
-            <a:r>
-              <a:rPr lang="en-US" sz="1400" b="1" dirty="0" err="1">
+            <a:pPr marL="0" marR="0" lvl="0" indent="0" algn="l" defTabSz="1088776" rtl="0" eaLnBrk="1" fontAlgn="auto" latinLnBrk="0" hangingPunct="1">
+              <a:lnSpc>
+                <a:spcPct val="100000"/>
+              </a:lnSpc>
+              <a:spcBef>
+                <a:spcPts val="0"/>
+              </a:spcBef>
+              <a:spcAft>
+                <a:spcPts val="0"/>
+              </a:spcAft>
+              <a:buClrTx/>
+              <a:buSzTx/>
+              <a:buFontTx/>
+              <a:buNone/>
+              <a:tabLst/>
+              <a:defRPr/>
+            </a:pPr>
+            <a:r>
+              <a:rPr kumimoji="0" lang="en-US" sz="1400" b="1" i="0" u="none" strike="noStrike" kern="1200" cap="none" spc="0" normalizeH="0" baseline="0" noProof="0" dirty="0" err="1">
+                <a:ln>
+                  <a:noFill/>
+                </a:ln>
+                <a:solidFill>
+                  <a:srgbClr val="000000"/>
+                </a:solidFill>
+                <a:effectLst/>
+                <a:uLnTx/>
+                <a:uFillTx/>
                 <a:latin typeface="Calibri" panose="020F0502020204030204"/>
+                <a:ea typeface="+mn-ea"/>
+                <a:cs typeface="+mn-cs"/>
               </a:rPr>
               <a:t>hyperscale</a:t>
             </a:r>
             <a:r>
-              <a:rPr lang="en-US" sz="1400" b="1" dirty="0">
+              <a:rPr kumimoji="0" lang="en-US" sz="1400" b="1" i="0" u="none" strike="noStrike" kern="1200" cap="none" spc="0" normalizeH="0" baseline="0" noProof="0" dirty="0">
+                <a:ln>
+                  <a:noFill/>
+                </a:ln>
+                <a:solidFill>
+                  <a:srgbClr val="000000"/>
+                </a:solidFill>
+                <a:effectLst/>
+                <a:uLnTx/>
+                <a:uFillTx/>
                 <a:latin typeface="Calibri" panose="020F0502020204030204"/>
+                <a:ea typeface="+mn-ea"/>
+                <a:cs typeface="+mn-cs"/>
               </a:rPr>
               <a:t> provider service</a:t>
             </a:r>
           </a:p>
           <a:p>
-            <a:r>
-              <a:rPr lang="en-US" sz="1400" b="1" dirty="0">
+            <a:pPr marL="0" marR="0" lvl="0" indent="0" algn="l" defTabSz="1088776" rtl="0" eaLnBrk="1" fontAlgn="auto" latinLnBrk="0" hangingPunct="1">
+              <a:lnSpc>
+                <a:spcPct val="100000"/>
+              </a:lnSpc>
+              <a:spcBef>
+                <a:spcPts val="0"/>
+              </a:spcBef>
+              <a:spcAft>
+                <a:spcPts val="0"/>
+              </a:spcAft>
+              <a:buClrTx/>
+              <a:buSzTx/>
+              <a:buFontTx/>
+              <a:buNone/>
+              <a:tabLst/>
+              <a:defRPr/>
+            </a:pPr>
+            <a:r>
+              <a:rPr kumimoji="0" lang="en-US" sz="1400" b="1" i="0" u="none" strike="noStrike" kern="1200" cap="none" spc="0" normalizeH="0" baseline="0" noProof="0" dirty="0">
+                <a:ln>
+                  <a:noFill/>
+                </a:ln>
+                <a:solidFill>
+                  <a:srgbClr val="000000"/>
+                </a:solidFill>
+                <a:effectLst/>
+                <a:uLnTx/>
+                <a:uFillTx/>
                 <a:latin typeface="Calibri" panose="020F0502020204030204"/>
+                <a:ea typeface="+mn-ea"/>
+                <a:cs typeface="+mn-cs"/>
               </a:rPr>
               <a:t>or controller on bare metal</a:t>
             </a:r>
@@ -27497,7 +31028,7 @@
     </p:spTree>
     <p:extLst>
       <p:ext uri="{BB962C8B-B14F-4D97-AF65-F5344CB8AC3E}">
-        <p14:creationId xmlns:p14="http://schemas.microsoft.com/office/powerpoint/2010/main" val="564255781"/>
+        <p14:creationId xmlns:p14="http://schemas.microsoft.com/office/powerpoint/2010/main" val="2813061672"/>
       </p:ext>
     </p:extLst>
   </p:cSld>
@@ -29137,7 +32668,7 @@
 </p:sld>
 </file>
 
-<file path=ppt/slides/slide22.xml><?xml version="1.0" encoding="utf-8"?>
+<file path=ppt/slides/slide24.xml><?xml version="1.0" encoding="utf-8"?>
 <p:sld xmlns:a="http://schemas.openxmlformats.org/drawingml/2006/main" xmlns:r="http://schemas.openxmlformats.org/officeDocument/2006/relationships" xmlns:p="http://schemas.openxmlformats.org/presentationml/2006/main">
   <p:cSld>
     <p:spTree>
@@ -29185,7 +32716,7 @@
     </p:spTree>
     <p:extLst>
       <p:ext uri="{BB962C8B-B14F-4D97-AF65-F5344CB8AC3E}">
-        <p14:creationId xmlns:p14="http://schemas.microsoft.com/office/powerpoint/2010/main" val="1879866351"/>
+        <p14:creationId xmlns:p14="http://schemas.microsoft.com/office/powerpoint/2010/main" val="2262360959"/>
       </p:ext>
     </p:extLst>
   </p:cSld>
@@ -29195,7 +32726,7 @@
 </p:sld>
 </file>
 
-<file path=ppt/slides/slide23.xml><?xml version="1.0" encoding="utf-8"?>
+<file path=ppt/slides/slide25.xml><?xml version="1.0" encoding="utf-8"?>
 <p:sld xmlns:a="http://schemas.openxmlformats.org/drawingml/2006/main" xmlns:r="http://schemas.openxmlformats.org/officeDocument/2006/relationships" xmlns:p="http://schemas.openxmlformats.org/presentationml/2006/main">
   <p:cSld>
     <p:spTree>
@@ -29301,20 +32832,62 @@
           </a:bodyPr>
           <a:lstStyle/>
           <a:p>
-            <a:r>
-              <a:rPr lang="de-DE" sz="1200" dirty="0">
+            <a:pPr marL="0" marR="0" lvl="0" indent="0" algn="l" defTabSz="1088776" rtl="0" eaLnBrk="1" fontAlgn="auto" latinLnBrk="0" hangingPunct="1">
+              <a:lnSpc>
+                <a:spcPct val="100000"/>
+              </a:lnSpc>
+              <a:spcBef>
+                <a:spcPts val="0"/>
+              </a:spcBef>
+              <a:spcAft>
+                <a:spcPts val="0"/>
+              </a:spcAft>
+              <a:buClrTx/>
+              <a:buSzTx/>
+              <a:buFontTx/>
+              <a:buNone/>
+              <a:tabLst/>
+              <a:defRPr/>
+            </a:pPr>
+            <a:r>
+              <a:rPr kumimoji="0" lang="de-DE" sz="1200" b="0" i="0" u="none" strike="noStrike" kern="1200" cap="none" spc="0" normalizeH="0" baseline="0" noProof="0" dirty="0">
+                <a:ln>
+                  <a:noFill/>
+                </a:ln>
+                <a:solidFill>
+                  <a:srgbClr val="000000"/>
+                </a:solidFill>
+                <a:effectLst/>
+                <a:uLnTx/>
+                <a:uFillTx/>
+                <a:latin typeface="Arial"/>
+                <a:ea typeface="+mn-ea"/>
+                <a:cs typeface="+mn-cs"/>
                 <a:hlinkClick r:id="rId4"/>
               </a:rPr>
               <a:t>https://kubernetes.io/blog/2018/05/17/gardener/</a:t>
             </a:r>
-            <a:endParaRPr lang="de-DE" sz="1200" dirty="0"/>
+            <a:endParaRPr kumimoji="0" lang="de-DE" sz="1200" b="0" i="0" u="none" strike="noStrike" kern="1200" cap="none" spc="0" normalizeH="0" baseline="0" noProof="0" dirty="0">
+              <a:ln>
+                <a:noFill/>
+              </a:ln>
+              <a:solidFill>
+                <a:srgbClr val="000000"/>
+              </a:solidFill>
+              <a:effectLst/>
+              <a:uLnTx/>
+              <a:uFillTx/>
+              <a:latin typeface="Arial"/>
+              <a:ea typeface="+mn-ea"/>
+              <a:cs typeface="+mn-cs"/>
+            </a:endParaRPr>
           </a:p>
         </p:txBody>
       </p:sp>
     </p:spTree>
     <p:extLst>
       <p:ext uri="{BB962C8B-B14F-4D97-AF65-F5344CB8AC3E}">
-        <p14:creationId xmlns:p14="http://schemas.microsoft.com/office/powerpoint/2010/main" val="2481577014"/>
+        <p14:creationId xmlns:p14="http://schemas.microsoft.com/office/powerpoint/2010/main" val="248917772"/>
       </p:ext>
     </p:extLst>
   </p:cSld>
@@ -29324,240 +32897,7 @@
 </p:sld>
 </file>
 
-<file path=ppt/slides/slide24.xml><?xml version="1.0" encoding="utf-8"?>
-<p:sld xmlns:a="http://schemas.openxmlformats.org/drawingml/2006/main" xmlns:r="http://schemas.openxmlformats.org/officeDocument/2006/relationships" xmlns:p="http://schemas.openxmlformats.org/presentationml/2006/main">
-  <p:cSld>
-    <p:spTree>
-      <p:nvGrpSpPr>
-        <p:cNvPr id="1" name=""/>
-        <p:cNvGrpSpPr/>
-        <p:nvPr/>
-      </p:nvGrpSpPr>
-      <p:grpSpPr>
-        <a:xfrm>
-          <a:off x="0" y="0"/>
-          <a:ext cx="0" cy="0"/>
-          <a:chOff x="0" y="0"/>
-          <a:chExt cx="0" cy="0"/>
-        </a:xfrm>
-      </p:grpSpPr>
-      <p:sp>
-        <p:nvSpPr>
-          <p:cNvPr id="2" name="Title 1"/>
-          <p:cNvSpPr>
-            <a:spLocks noGrp="1"/>
-          </p:cNvSpPr>
-          <p:nvPr>
-            <p:ph type="title"/>
-          </p:nvPr>
-        </p:nvSpPr>
-        <p:spPr/>
-        <p:txBody>
-          <a:bodyPr/>
-          <a:lstStyle/>
-          <a:p>
-            <a:r>
-              <a:rPr lang="en-US" dirty="0"/>
-              <a:t>Wherefrom can I get a cluster?</a:t>
-            </a:r>
-          </a:p>
-        </p:txBody>
-      </p:sp>
-      <p:pic>
-        <p:nvPicPr>
-          <p:cNvPr id="6" name="Picture 5">
-            <a:extLst>
-              <a:ext uri="{FF2B5EF4-FFF2-40B4-BE49-F238E27FC236}">
-                <a16:creationId xmlns:a16="http://schemas.microsoft.com/office/drawing/2014/main" id="{4D51B190-A21E-4DF4-BA5A-DCDB4A632252}"/>
-              </a:ext>
-            </a:extLst>
-          </p:cNvPr>
-          <p:cNvPicPr>
-            <a:picLocks noChangeAspect="1"/>
-          </p:cNvPicPr>
-          <p:nvPr/>
-        </p:nvPicPr>
-        <p:blipFill>
-          <a:blip r:embed="rId3"/>
-          <a:stretch>
-            <a:fillRect/>
-          </a:stretch>
-        </p:blipFill>
-        <p:spPr>
-          <a:xfrm>
-            <a:off x="194098" y="1159035"/>
-            <a:ext cx="10907143" cy="4962857"/>
-          </a:xfrm>
-          <a:prstGeom prst="rect">
-            <a:avLst/>
-          </a:prstGeom>
-        </p:spPr>
-      </p:pic>
-      <p:pic>
-        <p:nvPicPr>
-          <p:cNvPr id="5" name="Picture 4">
-            <a:extLst>
-              <a:ext uri="{FF2B5EF4-FFF2-40B4-BE49-F238E27FC236}">
-                <a16:creationId xmlns:a16="http://schemas.microsoft.com/office/drawing/2014/main" id="{695BC615-DFDD-4B5A-8E0B-E9031239678D}"/>
-              </a:ext>
-            </a:extLst>
-          </p:cNvPr>
-          <p:cNvPicPr>
-            <a:picLocks noChangeAspect="1"/>
-          </p:cNvPicPr>
-          <p:nvPr/>
-        </p:nvPicPr>
-        <p:blipFill>
-          <a:blip r:embed="rId4"/>
-          <a:stretch>
-            <a:fillRect/>
-          </a:stretch>
-        </p:blipFill>
-        <p:spPr>
-          <a:xfrm>
-            <a:off x="2309649" y="1546643"/>
-            <a:ext cx="9691428" cy="4860952"/>
-          </a:xfrm>
-          <a:prstGeom prst="rect">
-            <a:avLst/>
-          </a:prstGeom>
-        </p:spPr>
-      </p:pic>
-    </p:spTree>
-    <p:extLst>
-      <p:ext uri="{BB962C8B-B14F-4D97-AF65-F5344CB8AC3E}">
-        <p14:creationId xmlns:p14="http://schemas.microsoft.com/office/powerpoint/2010/main" val="210032650"/>
-      </p:ext>
-    </p:extLst>
-  </p:cSld>
-  <p:clrMapOvr>
-    <a:masterClrMapping/>
-  </p:clrMapOvr>
-  <p:timing>
-    <p:tnLst>
-      <p:par>
-        <p:cTn id="1" dur="indefinite" restart="never" nodeType="tmRoot">
-          <p:childTnLst>
-            <p:seq concurrent="1" nextAc="seek">
-              <p:cTn id="2" dur="indefinite" nodeType="mainSeq">
-                <p:childTnLst>
-                  <p:par>
-                    <p:cTn id="3" fill="hold">
-                      <p:stCondLst>
-                        <p:cond delay="indefinite"/>
-                      </p:stCondLst>
-                      <p:childTnLst>
-                        <p:par>
-                          <p:cTn id="4" fill="hold">
-                            <p:stCondLst>
-                              <p:cond delay="0"/>
-                            </p:stCondLst>
-                            <p:childTnLst>
-                              <p:par>
-                                <p:cTn id="5" presetID="2" presetClass="entr" presetSubtype="4" fill="hold" nodeType="clickEffect">
-                                  <p:stCondLst>
-                                    <p:cond delay="0"/>
-                                  </p:stCondLst>
-                                  <p:childTnLst>
-                                    <p:set>
-                                      <p:cBhvr>
-                                        <p:cTn id="6" dur="1" fill="hold">
-                                          <p:stCondLst>
-                                            <p:cond delay="0"/>
-                                          </p:stCondLst>
-                                        </p:cTn>
-                                        <p:tgtEl>
-                                          <p:spTgt spid="5"/>
-                                        </p:tgtEl>
-                                        <p:attrNameLst>
-                                          <p:attrName>style.visibility</p:attrName>
-                                        </p:attrNameLst>
-                                      </p:cBhvr>
-                                      <p:to>
-                                        <p:strVal val="visible"/>
-                                      </p:to>
-                                    </p:set>
-                                    <p:anim calcmode="lin" valueType="num">
-                                      <p:cBhvr additive="base">
-                                        <p:cTn id="7" dur="500" fill="hold"/>
-                                        <p:tgtEl>
-                                          <p:spTgt spid="5"/>
-                                        </p:tgtEl>
-                                        <p:attrNameLst>
-                                          <p:attrName>ppt_x</p:attrName>
-                                        </p:attrNameLst>
-                                      </p:cBhvr>
-                                      <p:tavLst>
-                                        <p:tav tm="0">
-                                          <p:val>
-                                            <p:strVal val="#ppt_x"/>
-                                          </p:val>
-                                        </p:tav>
-                                        <p:tav tm="100000">
-                                          <p:val>
-                                            <p:strVal val="#ppt_x"/>
-                                          </p:val>
-                                        </p:tav>
-                                      </p:tavLst>
-                                    </p:anim>
-                                    <p:anim calcmode="lin" valueType="num">
-                                      <p:cBhvr additive="base">
-                                        <p:cTn id="8" dur="500" fill="hold"/>
-                                        <p:tgtEl>
-                                          <p:spTgt spid="5"/>
-                                        </p:tgtEl>
-                                        <p:attrNameLst>
-                                          <p:attrName>ppt_y</p:attrName>
-                                        </p:attrNameLst>
-                                      </p:cBhvr>
-                                      <p:tavLst>
-                                        <p:tav tm="0">
-                                          <p:val>
-                                            <p:strVal val="1+#ppt_h/2"/>
-                                          </p:val>
-                                        </p:tav>
-                                        <p:tav tm="100000">
-                                          <p:val>
-                                            <p:strVal val="#ppt_y"/>
-                                          </p:val>
-                                        </p:tav>
-                                      </p:tavLst>
-                                    </p:anim>
-                                  </p:childTnLst>
-                                </p:cTn>
-                              </p:par>
-                            </p:childTnLst>
-                          </p:cTn>
-                        </p:par>
-                      </p:childTnLst>
-                    </p:cTn>
-                  </p:par>
-                </p:childTnLst>
-              </p:cTn>
-              <p:prevCondLst>
-                <p:cond evt="onPrev" delay="0">
-                  <p:tgtEl>
-                    <p:sldTgt/>
-                  </p:tgtEl>
-                </p:cond>
-              </p:prevCondLst>
-              <p:nextCondLst>
-                <p:cond evt="onNext" delay="0">
-                  <p:tgtEl>
-                    <p:sldTgt/>
-                  </p:tgtEl>
-                </p:cond>
-              </p:nextCondLst>
-            </p:seq>
-          </p:childTnLst>
-        </p:cTn>
-      </p:par>
-    </p:tnLst>
-  </p:timing>
-</p:sld>
-</file>
-
-<file path=ppt/slides/slide25.xml><?xml version="1.0" encoding="utf-8"?>
+<file path=ppt/slides/slide26.xml><?xml version="1.0" encoding="utf-8"?>
 <p:sld xmlns:a="http://schemas.openxmlformats.org/drawingml/2006/main" xmlns:r="http://schemas.openxmlformats.org/officeDocument/2006/relationships" xmlns:p="http://schemas.openxmlformats.org/presentationml/2006/main" show="0">
   <p:cSld>
     <p:spTree>
